--- a/DLthon/해파리 발표 ppt.pptx
+++ b/DLthon/해파리 발표 ppt.pptx
@@ -26,16 +26,18 @@
     <p:sldId id="271" r:id="rId22"/>
     <p:sldId id="272" r:id="rId23"/>
     <p:sldId id="273" r:id="rId24"/>
+    <p:sldId id="274" r:id="rId25"/>
+    <p:sldId id="275" r:id="rId26"/>
   </p:sldIdLst>
   <p:sldSz cy="5143500" cx="9144000"/>
   <p:notesSz cx="6858000" cy="9144000"/>
   <p:embeddedFontLst>
     <p:embeddedFont>
       <p:font typeface="Helvetica Neue"/>
-      <p:regular r:id="rId25"/>
-      <p:bold r:id="rId26"/>
-      <p:italic r:id="rId27"/>
-      <p:boldItalic r:id="rId28"/>
+      <p:regular r:id="rId27"/>
+      <p:bold r:id="rId28"/>
+      <p:italic r:id="rId29"/>
+      <p:boldItalic r:id="rId30"/>
     </p:embeddedFont>
   </p:embeddedFontLst>
   <p:defaultTextStyle>
@@ -828,7 +830,7 @@
   <p:cSld>
     <p:spTree>
       <p:nvGrpSpPr>
-        <p:cNvPr id="166" name="Shape 166"/>
+        <p:cNvPr id="175" name="Shape 175"/>
         <p:cNvGrpSpPr/>
         <p:nvPr/>
       </p:nvGrpSpPr>
@@ -842,7 +844,7 @@
       </p:grpSpPr>
       <p:sp>
         <p:nvSpPr>
-          <p:cNvPr id="167" name="Google Shape;167;g261f96dae8d_4_112:notes"/>
+          <p:cNvPr id="176" name="Google Shape;176;g261f96dae8d_4_112:notes"/>
           <p:cNvSpPr txBox="1"/>
           <p:nvPr>
             <p:ph idx="1" type="body"/>
@@ -889,7 +891,7 @@
       </p:sp>
       <p:sp>
         <p:nvSpPr>
-          <p:cNvPr id="168" name="Google Shape;168;g261f96dae8d_4_112:notes"/>
+          <p:cNvPr id="177" name="Google Shape;177;g261f96dae8d_4_112:notes"/>
           <p:cNvSpPr/>
           <p:nvPr>
             <p:ph idx="2" type="sldImg"/>
@@ -939,7 +941,7 @@
   <p:cSld>
     <p:spTree>
       <p:nvGrpSpPr>
-        <p:cNvPr id="178" name="Shape 178"/>
+        <p:cNvPr id="187" name="Shape 187"/>
         <p:cNvGrpSpPr/>
         <p:nvPr/>
       </p:nvGrpSpPr>
@@ -953,7 +955,7 @@
       </p:grpSpPr>
       <p:sp>
         <p:nvSpPr>
-          <p:cNvPr id="179" name="Google Shape;179;g261f96dae8d_6_72:notes"/>
+          <p:cNvPr id="188" name="Google Shape;188;g261f96dae8d_6_72:notes"/>
           <p:cNvSpPr txBox="1"/>
           <p:nvPr>
             <p:ph idx="1" type="body"/>
@@ -1000,7 +1002,7 @@
       </p:sp>
       <p:sp>
         <p:nvSpPr>
-          <p:cNvPr id="180" name="Google Shape;180;g261f96dae8d_6_72:notes"/>
+          <p:cNvPr id="189" name="Google Shape;189;g261f96dae8d_6_72:notes"/>
           <p:cNvSpPr/>
           <p:nvPr>
             <p:ph idx="2" type="sldImg"/>
@@ -1050,7 +1052,7 @@
   <p:cSld>
     <p:spTree>
       <p:nvGrpSpPr>
-        <p:cNvPr id="188" name="Shape 188"/>
+        <p:cNvPr id="197" name="Shape 197"/>
         <p:cNvGrpSpPr/>
         <p:nvPr/>
       </p:nvGrpSpPr>
@@ -1064,7 +1066,7 @@
       </p:grpSpPr>
       <p:sp>
         <p:nvSpPr>
-          <p:cNvPr id="189" name="Google Shape;189;g261f96dae8d_6_82:notes"/>
+          <p:cNvPr id="198" name="Google Shape;198;g261f96dae8d_6_82:notes"/>
           <p:cNvSpPr txBox="1"/>
           <p:nvPr>
             <p:ph idx="1" type="body"/>
@@ -1111,7 +1113,7 @@
       </p:sp>
       <p:sp>
         <p:nvSpPr>
-          <p:cNvPr id="190" name="Google Shape;190;g261f96dae8d_6_82:notes"/>
+          <p:cNvPr id="199" name="Google Shape;199;g261f96dae8d_6_82:notes"/>
           <p:cNvSpPr/>
           <p:nvPr>
             <p:ph idx="2" type="sldImg"/>
@@ -1161,7 +1163,7 @@
   <p:cSld>
     <p:spTree>
       <p:nvGrpSpPr>
-        <p:cNvPr id="198" name="Shape 198"/>
+        <p:cNvPr id="207" name="Shape 207"/>
         <p:cNvGrpSpPr/>
         <p:nvPr/>
       </p:nvGrpSpPr>
@@ -1175,7 +1177,7 @@
       </p:grpSpPr>
       <p:sp>
         <p:nvSpPr>
-          <p:cNvPr id="199" name="Google Shape;199;g261f96dae8d_6_92:notes"/>
+          <p:cNvPr id="208" name="Google Shape;208;g261f96dae8d_6_92:notes"/>
           <p:cNvSpPr txBox="1"/>
           <p:nvPr>
             <p:ph idx="1" type="body"/>
@@ -1243,7 +1245,7 @@
       </p:sp>
       <p:sp>
         <p:nvSpPr>
-          <p:cNvPr id="200" name="Google Shape;200;g261f96dae8d_6_92:notes"/>
+          <p:cNvPr id="209" name="Google Shape;209;g261f96dae8d_6_92:notes"/>
           <p:cNvSpPr/>
           <p:nvPr>
             <p:ph idx="2" type="sldImg"/>
@@ -1293,7 +1295,7 @@
   <p:cSld>
     <p:spTree>
       <p:nvGrpSpPr>
-        <p:cNvPr id="208" name="Shape 208"/>
+        <p:cNvPr id="217" name="Shape 217"/>
         <p:cNvGrpSpPr/>
         <p:nvPr/>
       </p:nvGrpSpPr>
@@ -1307,7 +1309,7 @@
       </p:grpSpPr>
       <p:sp>
         <p:nvSpPr>
-          <p:cNvPr id="209" name="Google Shape;209;g261f96dae8d_6_0:notes"/>
+          <p:cNvPr id="218" name="Google Shape;218;g29df3277e6c_7_1:notes"/>
           <p:cNvSpPr txBox="1"/>
           <p:nvPr>
             <p:ph idx="1" type="body"/>
@@ -1347,11 +1349,7 @@
             </a:pPr>
             <a:r>
               <a:rPr lang="ko"/>
-              <a:t>train metric</a:t>
-            </a:r>
-            <a:r>
-              <a:rPr lang="ko"/>
-              <a:t>이 빠른 속도로 수렴해서 Dropout을 수행하였습니다. </a:t>
+              <a:t>train metric이 빠른 속도로 수렴해서 Dropout을 수행하였습니다. </a:t>
             </a:r>
             <a:endParaRPr/>
           </a:p>
@@ -1399,7 +1397,7 @@
       </p:sp>
       <p:sp>
         <p:nvSpPr>
-          <p:cNvPr id="210" name="Google Shape;210;g261f96dae8d_6_0:notes"/>
+          <p:cNvPr id="219" name="Google Shape;219;g29df3277e6c_7_1:notes"/>
           <p:cNvSpPr/>
           <p:nvPr>
             <p:ph idx="2" type="sldImg"/>
@@ -1449,7 +1447,7 @@
   <p:cSld>
     <p:spTree>
       <p:nvGrpSpPr>
-        <p:cNvPr id="220" name="Shape 220"/>
+        <p:cNvPr id="227" name="Shape 227"/>
         <p:cNvGrpSpPr/>
         <p:nvPr/>
       </p:nvGrpSpPr>
@@ -1463,7 +1461,7 @@
       </p:grpSpPr>
       <p:sp>
         <p:nvSpPr>
-          <p:cNvPr id="221" name="Google Shape;221;g261f96dae8d_6_102:notes"/>
+          <p:cNvPr id="228" name="Google Shape;228;g261f96dae8d_6_0:notes"/>
           <p:cNvSpPr txBox="1"/>
           <p:nvPr>
             <p:ph idx="1" type="body"/>
@@ -1503,16 +1501,16 @@
             </a:pPr>
             <a:r>
               <a:rPr lang="ko"/>
-              <a:t>모델</a:t>
+              <a:t>train metric</a:t>
             </a:r>
             <a:r>
               <a:rPr lang="ko"/>
-              <a:t>을 제품화 한다면 독버섯 나물류를 먹을 수 있나 없나 판단해 줄 수 있는 어플을 개발할 수 있을 것 같습니다. 사람들이 독버섯이나 먹으면 안되는 나물류를 먹으면 심하면 사망할 수도 있는 문제가 있습니다.</a:t>
+              <a:t>이 빠른 속도로 수렴해서 Dropout을 수행하였습니다. </a:t>
             </a:r>
             <a:endParaRPr/>
           </a:p>
           <a:p>
-            <a:pPr indent="0" lvl="0" marL="0" rtl="0" algn="l">
+            <a:pPr indent="-298450" lvl="0" marL="457200" rtl="0" algn="l">
               <a:lnSpc>
                 <a:spcPct val="100000"/>
               </a:lnSpc>
@@ -1522,17 +1520,17 @@
               <a:spcAft>
                 <a:spcPts val="0"/>
               </a:spcAft>
-              <a:buSzPts val="1400"/>
-              <a:buNone/>
+              <a:buSzPts val="1100"/>
+              <a:buAutoNum type="arabicPeriod"/>
             </a:pPr>
             <a:r>
               <a:rPr lang="ko"/>
-              <a:t>어플로 사진을 찍으면 이미지 분류를 통해 먹을 수 있는지 없는지 판단을 해주면 이 문제를 해결할 수 있습니다. 다만, 사람 목숨과 관련되어 있는 문제이기에 정확도 100%가 필요합니다.</a:t>
+              <a:t>Dense Layer 위아래에 Dropout 계층을 추가 하였습니다.</a:t>
             </a:r>
             <a:endParaRPr/>
           </a:p>
           <a:p>
-            <a:pPr indent="0" lvl="0" marL="0" rtl="0" algn="l">
+            <a:pPr indent="-298450" lvl="0" marL="457200" rtl="0" algn="l">
               <a:lnSpc>
                 <a:spcPct val="100000"/>
               </a:lnSpc>
@@ -1542,12 +1540,12 @@
               <a:spcAft>
                 <a:spcPts val="0"/>
               </a:spcAft>
-              <a:buSzPts val="1400"/>
-              <a:buNone/>
+              <a:buSzPts val="1100"/>
+              <a:buAutoNum type="arabicPeriod"/>
             </a:pPr>
             <a:r>
               <a:rPr lang="ko"/>
-              <a:t>그렇기에 모델 성능 개선은 조금 더 필요합니다. </a:t>
+              <a:t>train과 validation loss와 accuracy의 차이가 줄어들 때까지 dropout_ratio 값을 올렸습니다.</a:t>
             </a:r>
             <a:endParaRPr/>
           </a:p>
@@ -1555,7 +1553,7 @@
       </p:sp>
       <p:sp>
         <p:nvSpPr>
-          <p:cNvPr id="222" name="Google Shape;222;g261f96dae8d_6_102:notes"/>
+          <p:cNvPr id="229" name="Google Shape;229;g261f96dae8d_6_0:notes"/>
           <p:cNvSpPr/>
           <p:nvPr>
             <p:ph idx="2" type="sldImg"/>
@@ -1605,7 +1603,7 @@
   <p:cSld>
     <p:spTree>
       <p:nvGrpSpPr>
-        <p:cNvPr id="236" name="Shape 236"/>
+        <p:cNvPr id="239" name="Shape 239"/>
         <p:cNvGrpSpPr/>
         <p:nvPr/>
       </p:nvGrpSpPr>
@@ -1619,7 +1617,7 @@
       </p:grpSpPr>
       <p:sp>
         <p:nvSpPr>
-          <p:cNvPr id="237" name="Google Shape;237;g261f96dae8d_4_139:notes"/>
+          <p:cNvPr id="240" name="Google Shape;240;g29df3277e6c_0_5:notes"/>
           <p:cNvSpPr txBox="1"/>
           <p:nvPr>
             <p:ph idx="1" type="body"/>
@@ -1778,7 +1776,7 @@
       </p:sp>
       <p:sp>
         <p:nvSpPr>
-          <p:cNvPr id="238" name="Google Shape;238;g261f96dae8d_4_139:notes"/>
+          <p:cNvPr id="241" name="Google Shape;241;g29df3277e6c_0_5:notes"/>
           <p:cNvSpPr/>
           <p:nvPr>
             <p:ph idx="2" type="sldImg"/>
@@ -1828,7 +1826,7 @@
   <p:cSld>
     <p:spTree>
       <p:nvGrpSpPr>
-        <p:cNvPr id="244" name="Shape 244"/>
+        <p:cNvPr id="250" name="Shape 250"/>
         <p:cNvGrpSpPr/>
         <p:nvPr/>
       </p:nvGrpSpPr>
@@ -1842,7 +1840,7 @@
       </p:grpSpPr>
       <p:sp>
         <p:nvSpPr>
-          <p:cNvPr id="245" name="Google Shape;245;g261f96dae8d_4_146:notes"/>
+          <p:cNvPr id="251" name="Google Shape;251;g261f96dae8d_6_102:notes"/>
           <p:cNvSpPr txBox="1"/>
           <p:nvPr>
             <p:ph idx="1" type="body"/>
@@ -1882,99 +1880,11 @@
             </a:pPr>
             <a:r>
               <a:rPr lang="ko"/>
-              <a:t>특이사항 : </a:t>
-            </a:r>
-            <a:endParaRPr/>
-          </a:p>
-          <a:p>
-            <a:pPr indent="-298450" lvl="0" marL="457200" rtl="0" algn="l">
-              <a:lnSpc>
-                <a:spcPct val="100000"/>
-              </a:lnSpc>
-              <a:spcBef>
-                <a:spcPts val="0"/>
-              </a:spcBef>
-              <a:spcAft>
-                <a:spcPts val="0"/>
-              </a:spcAft>
-              <a:buSzPts val="1100"/>
-              <a:buAutoNum type="arabicPeriod"/>
-            </a:pPr>
-            <a:r>
-              <a:rPr lang="ko"/>
-              <a:t>moon jelly fish가 </a:t>
-            </a:r>
-            <a:r>
-              <a:rPr lang="ko">
-                <a:solidFill>
-                  <a:schemeClr val="dk1"/>
-                </a:solidFill>
-              </a:rPr>
-              <a:t>blue jelly fish</a:t>
+              <a:t>모델</a:t>
             </a:r>
             <a:r>
               <a:rPr lang="ko"/>
-              <a:t>로 라벨링 된 경우가 14개 정도 있었습니다.(validataion 1장, test도 1장있었음) 이런 현상이 학습을 어렵게 하고 학습된 결과를 다른 데이터셋에 적용할 때 정확도를 떨어뜨릴 것입니다. </a:t>
-            </a:r>
-            <a:endParaRPr/>
-          </a:p>
-          <a:p>
-            <a:pPr indent="-298450" lvl="0" marL="457200" rtl="0" algn="l">
-              <a:lnSpc>
-                <a:spcPct val="100000"/>
-              </a:lnSpc>
-              <a:spcBef>
-                <a:spcPts val="0"/>
-              </a:spcBef>
-              <a:spcAft>
-                <a:spcPts val="0"/>
-              </a:spcAft>
-              <a:buSzPts val="1100"/>
-              <a:buAutoNum type="arabicPeriod"/>
-            </a:pPr>
-            <a:r>
-              <a:rPr lang="ko"/>
-              <a:t>데이터를 수집하는 과정에서 blue jelly fish를 검색하면 다른 해파리 이미지가 많이 포함되어 있었습니다. 바다속 이미지라 해파리도 파란색을 띄는 경우가 많은데 그래서 이미지를 올리는 사람이 ‘blue’ jelly fish라고 이미지명을 적은 것 같습니다.</a:t>
-            </a:r>
-            <a:endParaRPr/>
-          </a:p>
-          <a:p>
-            <a:pPr indent="-298450" lvl="0" marL="457200" rtl="0" algn="l">
-              <a:lnSpc>
-                <a:spcPct val="100000"/>
-              </a:lnSpc>
-              <a:spcBef>
-                <a:spcPts val="0"/>
-              </a:spcBef>
-              <a:spcAft>
-                <a:spcPts val="0"/>
-              </a:spcAft>
-              <a:buSzPts val="1100"/>
-              <a:buAutoNum type="arabicPeriod"/>
-            </a:pPr>
-            <a:r>
-              <a:rPr lang="ko"/>
-              <a:t>푸른색 계열을 중화해 주기 위해서 RBG 채널별로 데이터를 표준정규분포를 만들어주는 표준화를 시행하였습니다.</a:t>
-            </a:r>
-            <a:endParaRPr/>
-          </a:p>
-          <a:p>
-            <a:pPr indent="-298450" lvl="0" marL="457200" rtl="0" algn="l">
-              <a:lnSpc>
-                <a:spcPct val="100000"/>
-              </a:lnSpc>
-              <a:spcBef>
-                <a:spcPts val="0"/>
-              </a:spcBef>
-              <a:spcAft>
-                <a:spcPts val="0"/>
-              </a:spcAft>
-              <a:buSzPts val="1100"/>
-              <a:buAutoNum type="arabicPeriod"/>
-            </a:pPr>
-            <a:r>
-              <a:rPr lang="ko"/>
-              <a:t>데이터를 수집하고 라벨링하는데 많은 투자를 했는데 좋은 성과를 내지 못해서 안타깝습니다. 수집한 데이터에 해파리가 군집으로 있는 이미지가 많이 있었는데 시간이 더 있었다면 해당 이미지를 삭제하고 해봤으면 어떤 결과가 나왔을지 궁급합니다.(?)</a:t>
+              <a:t>을 제품화 한다면 독버섯 나물류를 먹을 수 있나 없나 판단해 줄 수 있는 어플을 개발할 수 있을 것 같습니다. 사람들이 독버섯이나 먹으면 안되는 나물류를 먹으면 심하면 사망할 수도 있는 문제가 있습니다.</a:t>
             </a:r>
             <a:endParaRPr/>
           </a:p>
@@ -1993,7 +1903,28 @@
               <a:buNone/>
             </a:pPr>
             <a:r>
-              <a:t/>
+              <a:rPr lang="ko"/>
+              <a:t>어플로 사진을 찍으면 이미지 분류를 통해 먹을 수 있는지 없는지 판단을 해주면 이 문제를 해결할 수 있습니다. 다만, 사람 목숨과 관련되어 있는 문제이기에 정확도 100%가 필요합니다.</a:t>
+            </a:r>
+            <a:endParaRPr/>
+          </a:p>
+          <a:p>
+            <a:pPr indent="0" lvl="0" marL="0" rtl="0" algn="l">
+              <a:lnSpc>
+                <a:spcPct val="100000"/>
+              </a:lnSpc>
+              <a:spcBef>
+                <a:spcPts val="0"/>
+              </a:spcBef>
+              <a:spcAft>
+                <a:spcPts val="0"/>
+              </a:spcAft>
+              <a:buSzPts val="1400"/>
+              <a:buNone/>
+            </a:pPr>
+            <a:r>
+              <a:rPr lang="ko"/>
+              <a:t>그렇기에 모델 성능 개선은 조금 더 필요합니다. </a:t>
             </a:r>
             <a:endParaRPr/>
           </a:p>
@@ -2001,7 +1932,7 @@
       </p:sp>
       <p:sp>
         <p:nvSpPr>
-          <p:cNvPr id="246" name="Google Shape;246;g261f96dae8d_4_146:notes"/>
+          <p:cNvPr id="252" name="Google Shape;252;g261f96dae8d_6_102:notes"/>
           <p:cNvSpPr/>
           <p:nvPr>
             <p:ph idx="2" type="sldImg"/>
@@ -2051,7 +1982,7 @@
   <p:cSld>
     <p:spTree>
       <p:nvGrpSpPr>
-        <p:cNvPr id="252" name="Shape 252"/>
+        <p:cNvPr id="266" name="Shape 266"/>
         <p:cNvGrpSpPr/>
         <p:nvPr/>
       </p:nvGrpSpPr>
@@ -2065,7 +1996,7 @@
       </p:grpSpPr>
       <p:sp>
         <p:nvSpPr>
-          <p:cNvPr id="253" name="Google Shape;253;g261f96dae8d_0_87:notes"/>
+          <p:cNvPr id="267" name="Google Shape;267;g261f96dae8d_4_139:notes"/>
           <p:cNvSpPr txBox="1"/>
           <p:nvPr>
             <p:ph idx="1" type="body"/>
@@ -2104,6 +2035,118 @@
               <a:buNone/>
             </a:pPr>
             <a:r>
+              <a:rPr lang="ko"/>
+              <a:t>특이사항 : </a:t>
+            </a:r>
+            <a:endParaRPr/>
+          </a:p>
+          <a:p>
+            <a:pPr indent="-298450" lvl="0" marL="457200" rtl="0" algn="l">
+              <a:lnSpc>
+                <a:spcPct val="100000"/>
+              </a:lnSpc>
+              <a:spcBef>
+                <a:spcPts val="0"/>
+              </a:spcBef>
+              <a:spcAft>
+                <a:spcPts val="0"/>
+              </a:spcAft>
+              <a:buSzPts val="1100"/>
+              <a:buAutoNum type="arabicPeriod"/>
+            </a:pPr>
+            <a:r>
+              <a:rPr lang="ko"/>
+              <a:t>moon jelly fish가 </a:t>
+            </a:r>
+            <a:r>
+              <a:rPr lang="ko">
+                <a:solidFill>
+                  <a:schemeClr val="dk1"/>
+                </a:solidFill>
+              </a:rPr>
+              <a:t>blue jelly fish</a:t>
+            </a:r>
+            <a:r>
+              <a:rPr lang="ko"/>
+              <a:t>로 라벨링 된 경우가 14개 정도 있었습니다.(validataion 1장, test도 1장있었음) 이런 현상이 학습을 어렵게 하고 학습된 결과를 다른 데이터셋에 적용할 때 정확도를 떨어뜨릴 것입니다. </a:t>
+            </a:r>
+            <a:endParaRPr/>
+          </a:p>
+          <a:p>
+            <a:pPr indent="-298450" lvl="0" marL="457200" rtl="0" algn="l">
+              <a:lnSpc>
+                <a:spcPct val="100000"/>
+              </a:lnSpc>
+              <a:spcBef>
+                <a:spcPts val="0"/>
+              </a:spcBef>
+              <a:spcAft>
+                <a:spcPts val="0"/>
+              </a:spcAft>
+              <a:buSzPts val="1100"/>
+              <a:buAutoNum type="arabicPeriod"/>
+            </a:pPr>
+            <a:r>
+              <a:rPr lang="ko"/>
+              <a:t>데이터를 수집하는 과정에서 blue jelly fish를 검색하면 다른 해파리 이미지가 많이 포함되어 있었습니다. 바다속 이미지라 해파리도 파란색을 띄는 경우가 많은데 그래서 이미지를 올리는 사람이 ‘blue’ jelly fish라고 이미지명을 적은 것 같습니다.</a:t>
+            </a:r>
+            <a:endParaRPr/>
+          </a:p>
+          <a:p>
+            <a:pPr indent="-298450" lvl="0" marL="457200" rtl="0" algn="l">
+              <a:lnSpc>
+                <a:spcPct val="100000"/>
+              </a:lnSpc>
+              <a:spcBef>
+                <a:spcPts val="0"/>
+              </a:spcBef>
+              <a:spcAft>
+                <a:spcPts val="0"/>
+              </a:spcAft>
+              <a:buSzPts val="1100"/>
+              <a:buAutoNum type="arabicPeriod"/>
+            </a:pPr>
+            <a:r>
+              <a:rPr lang="ko"/>
+              <a:t>푸른색 계열을 중화해 주기 위해서 RBG 채널별로 데이터를 표준정규분포를 만들어주는 표준화를 시행하였습니다.</a:t>
+            </a:r>
+            <a:endParaRPr/>
+          </a:p>
+          <a:p>
+            <a:pPr indent="-298450" lvl="0" marL="457200" rtl="0" algn="l">
+              <a:lnSpc>
+                <a:spcPct val="100000"/>
+              </a:lnSpc>
+              <a:spcBef>
+                <a:spcPts val="0"/>
+              </a:spcBef>
+              <a:spcAft>
+                <a:spcPts val="0"/>
+              </a:spcAft>
+              <a:buSzPts val="1100"/>
+              <a:buAutoNum type="arabicPeriod"/>
+            </a:pPr>
+            <a:r>
+              <a:rPr lang="ko"/>
+              <a:t>데이터를 수집하고 라벨링하는데 많은 투자를 했는데 좋은 성과를 내지 못해서 안타깝습니다. 수집한 데이터에 해파리가 군집으로 있는 이미지가 많이 있었는데 시간이 더 있었다면 해당 이미지를 삭제하고 해봤으면 어떤 결과가 나왔을지 궁급합니다.(?)</a:t>
+            </a:r>
+            <a:endParaRPr/>
+          </a:p>
+          <a:p>
+            <a:pPr indent="0" lvl="0" marL="0" rtl="0" algn="l">
+              <a:lnSpc>
+                <a:spcPct val="100000"/>
+              </a:lnSpc>
+              <a:spcBef>
+                <a:spcPts val="0"/>
+              </a:spcBef>
+              <a:spcAft>
+                <a:spcPts val="0"/>
+              </a:spcAft>
+              <a:buSzPts val="1400"/>
+              <a:buNone/>
+            </a:pPr>
+            <a:r>
               <a:t/>
             </a:r>
             <a:endParaRPr/>
@@ -2112,7 +2155,230 @@
       </p:sp>
       <p:sp>
         <p:nvSpPr>
-          <p:cNvPr id="254" name="Google Shape;254;g261f96dae8d_0_87:notes"/>
+          <p:cNvPr id="268" name="Google Shape;268;g261f96dae8d_4_139:notes"/>
+          <p:cNvSpPr/>
+          <p:nvPr>
+            <p:ph idx="2" type="sldImg"/>
+          </p:nvPr>
+        </p:nvSpPr>
+        <p:spPr>
+          <a:xfrm>
+            <a:off x="1143000" y="685800"/>
+            <a:ext cx="4572000" cy="3429000"/>
+          </a:xfrm>
+          <a:custGeom>
+            <a:rect b="b" l="l" r="r" t="t"/>
+            <a:pathLst>
+              <a:path extrusionOk="0" h="120000" w="120000">
+                <a:moveTo>
+                  <a:pt x="0" y="0"/>
+                </a:moveTo>
+                <a:lnTo>
+                  <a:pt x="120000" y="0"/>
+                </a:lnTo>
+                <a:lnTo>
+                  <a:pt x="120000" y="120000"/>
+                </a:lnTo>
+                <a:lnTo>
+                  <a:pt x="0" y="120000"/>
+                </a:lnTo>
+                <a:close/>
+              </a:path>
+            </a:pathLst>
+          </a:custGeom>
+          <a:noFill/>
+          <a:ln>
+            <a:noFill/>
+          </a:ln>
+        </p:spPr>
+      </p:sp>
+    </p:spTree>
+  </p:cSld>
+  <p:clrMapOvr>
+    <a:masterClrMapping/>
+  </p:clrMapOvr>
+</p:notes>
+</file>
+
+<file path=ppt/notesSlides/notesSlide19.xml><?xml version="1.0" encoding="utf-8"?>
+<p:notes xmlns:a="http://schemas.openxmlformats.org/drawingml/2006/main" xmlns:r="http://schemas.openxmlformats.org/officeDocument/2006/relationships" xmlns:mc="http://schemas.openxmlformats.org/markup-compatibility/2006" xmlns:mv="urn:schemas-microsoft-com:mac:vml" xmlns:p="http://schemas.openxmlformats.org/presentationml/2006/main" xmlns:c="http://schemas.openxmlformats.org/drawingml/2006/chart" xmlns:dgm="http://schemas.openxmlformats.org/drawingml/2006/diagram" xmlns:o="urn:schemas-microsoft-com:office:office" xmlns:v="urn:schemas-microsoft-com:vml" xmlns:pvml="urn:schemas-microsoft-com:office:powerpoint" xmlns:com="http://schemas.openxmlformats.org/drawingml/2006/compatibility" xmlns:p14="http://schemas.microsoft.com/office/powerpoint/2010/main" xmlns:p15="http://schemas.microsoft.com/office/powerpoint/2012/main" xmlns:ahyp="http://schemas.microsoft.com/office/drawing/2018/hyperlinkcolor" showMasterPhAnim="0" showMasterSp="0">
+  <p:cSld>
+    <p:spTree>
+      <p:nvGrpSpPr>
+        <p:cNvPr id="274" name="Shape 274"/>
+        <p:cNvGrpSpPr/>
+        <p:nvPr/>
+      </p:nvGrpSpPr>
+      <p:grpSpPr>
+        <a:xfrm>
+          <a:off x="0" y="0"/>
+          <a:ext cx="0" cy="0"/>
+          <a:chOff x="0" y="0"/>
+          <a:chExt cx="0" cy="0"/>
+        </a:xfrm>
+      </p:grpSpPr>
+      <p:sp>
+        <p:nvSpPr>
+          <p:cNvPr id="275" name="Google Shape;275;g261f96dae8d_4_146:notes"/>
+          <p:cNvSpPr txBox="1"/>
+          <p:nvPr>
+            <p:ph idx="1" type="body"/>
+          </p:nvPr>
+        </p:nvSpPr>
+        <p:spPr>
+          <a:xfrm>
+            <a:off x="914400" y="4343400"/>
+            <a:ext cx="5029200" cy="4114800"/>
+          </a:xfrm>
+          <a:prstGeom prst="rect">
+            <a:avLst/>
+          </a:prstGeom>
+          <a:noFill/>
+          <a:ln>
+            <a:noFill/>
+          </a:ln>
+        </p:spPr>
+        <p:txBody>
+          <a:bodyPr anchorCtr="0" anchor="t" bIns="45700" lIns="91425" spcFirstLastPara="1" rIns="91425" wrap="square" tIns="45700">
+            <a:noAutofit/>
+          </a:bodyPr>
+          <a:lstStyle/>
+          <a:p>
+            <a:pPr indent="0" lvl="0" marL="0" rtl="0" algn="l">
+              <a:lnSpc>
+                <a:spcPct val="100000"/>
+              </a:lnSpc>
+              <a:spcBef>
+                <a:spcPts val="0"/>
+              </a:spcBef>
+              <a:spcAft>
+                <a:spcPts val="0"/>
+              </a:spcAft>
+              <a:buSzPts val="1400"/>
+              <a:buNone/>
+            </a:pPr>
+            <a:r>
+              <a:rPr lang="ko"/>
+              <a:t>특이사항 : </a:t>
+            </a:r>
+            <a:endParaRPr/>
+          </a:p>
+          <a:p>
+            <a:pPr indent="-298450" lvl="0" marL="457200" rtl="0" algn="l">
+              <a:lnSpc>
+                <a:spcPct val="100000"/>
+              </a:lnSpc>
+              <a:spcBef>
+                <a:spcPts val="0"/>
+              </a:spcBef>
+              <a:spcAft>
+                <a:spcPts val="0"/>
+              </a:spcAft>
+              <a:buSzPts val="1100"/>
+              <a:buAutoNum type="arabicPeriod"/>
+            </a:pPr>
+            <a:r>
+              <a:rPr lang="ko"/>
+              <a:t>moon jelly fish가 </a:t>
+            </a:r>
+            <a:r>
+              <a:rPr lang="ko">
+                <a:solidFill>
+                  <a:schemeClr val="dk1"/>
+                </a:solidFill>
+              </a:rPr>
+              <a:t>blue jelly fish</a:t>
+            </a:r>
+            <a:r>
+              <a:rPr lang="ko"/>
+              <a:t>로 라벨링 된 경우가 14개 정도 있었습니다.(validataion 1장, test도 1장있었음) 이런 현상이 학습을 어렵게 하고 학습된 결과를 다른 데이터셋에 적용할 때 정확도를 떨어뜨릴 것입니다. </a:t>
+            </a:r>
+            <a:endParaRPr/>
+          </a:p>
+          <a:p>
+            <a:pPr indent="-298450" lvl="0" marL="457200" rtl="0" algn="l">
+              <a:lnSpc>
+                <a:spcPct val="100000"/>
+              </a:lnSpc>
+              <a:spcBef>
+                <a:spcPts val="0"/>
+              </a:spcBef>
+              <a:spcAft>
+                <a:spcPts val="0"/>
+              </a:spcAft>
+              <a:buSzPts val="1100"/>
+              <a:buAutoNum type="arabicPeriod"/>
+            </a:pPr>
+            <a:r>
+              <a:rPr lang="ko"/>
+              <a:t>데이터를 수집하는 과정에서 blue jelly fish를 검색하면 다른 해파리 이미지가 많이 포함되어 있었습니다. 바다속 이미지라 해파리도 파란색을 띄는 경우가 많은데 그래서 이미지를 올리는 사람이 ‘blue’ jelly fish라고 이미지명을 적은 것 같습니다.</a:t>
+            </a:r>
+            <a:endParaRPr/>
+          </a:p>
+          <a:p>
+            <a:pPr indent="-298450" lvl="0" marL="457200" rtl="0" algn="l">
+              <a:lnSpc>
+                <a:spcPct val="100000"/>
+              </a:lnSpc>
+              <a:spcBef>
+                <a:spcPts val="0"/>
+              </a:spcBef>
+              <a:spcAft>
+                <a:spcPts val="0"/>
+              </a:spcAft>
+              <a:buSzPts val="1100"/>
+              <a:buAutoNum type="arabicPeriod"/>
+            </a:pPr>
+            <a:r>
+              <a:rPr lang="ko"/>
+              <a:t>푸른색 계열을 중화해 주기 위해서 RBG 채널별로 데이터를 표준정규분포를 만들어주는 표준화를 시행하였습니다.</a:t>
+            </a:r>
+            <a:endParaRPr/>
+          </a:p>
+          <a:p>
+            <a:pPr indent="-298450" lvl="0" marL="457200" rtl="0" algn="l">
+              <a:lnSpc>
+                <a:spcPct val="100000"/>
+              </a:lnSpc>
+              <a:spcBef>
+                <a:spcPts val="0"/>
+              </a:spcBef>
+              <a:spcAft>
+                <a:spcPts val="0"/>
+              </a:spcAft>
+              <a:buSzPts val="1100"/>
+              <a:buAutoNum type="arabicPeriod"/>
+            </a:pPr>
+            <a:r>
+              <a:rPr lang="ko"/>
+              <a:t>데이터를 수집하고 라벨링하는데 많은 투자를 했는데 좋은 성과를 내지 못해서 안타깝습니다. 수집한 데이터에 해파리가 군집으로 있는 이미지가 많이 있었는데 시간이 더 있었다면 해당 이미지를 삭제하고 해봤으면 어떤 결과가 나왔을지 궁급합니다.(?)</a:t>
+            </a:r>
+            <a:endParaRPr/>
+          </a:p>
+          <a:p>
+            <a:pPr indent="0" lvl="0" marL="0" rtl="0" algn="l">
+              <a:lnSpc>
+                <a:spcPct val="100000"/>
+              </a:lnSpc>
+              <a:spcBef>
+                <a:spcPts val="0"/>
+              </a:spcBef>
+              <a:spcAft>
+                <a:spcPts val="0"/>
+              </a:spcAft>
+              <a:buSzPts val="1400"/>
+              <a:buNone/>
+            </a:pPr>
+            <a:r>
+              <a:t/>
+            </a:r>
+            <a:endParaRPr/>
+          </a:p>
+        </p:txBody>
+      </p:sp>
+      <p:sp>
+        <p:nvSpPr>
+          <p:cNvPr id="276" name="Google Shape;276;g261f96dae8d_4_146:notes"/>
           <p:cNvSpPr/>
           <p:nvPr>
             <p:ph idx="2" type="sldImg"/>
@@ -2162,7 +2428,7 @@
   <p:cSld>
     <p:spTree>
       <p:nvGrpSpPr>
-        <p:cNvPr id="64" name="Shape 64"/>
+        <p:cNvPr id="65" name="Shape 65"/>
         <p:cNvGrpSpPr/>
         <p:nvPr/>
       </p:nvGrpSpPr>
@@ -2176,7 +2442,7 @@
       </p:grpSpPr>
       <p:sp>
         <p:nvSpPr>
-          <p:cNvPr id="65" name="Google Shape;65;g261f96dae8d_0_11:notes"/>
+          <p:cNvPr id="66" name="Google Shape;66;g261f96dae8d_0_11:notes"/>
           <p:cNvSpPr/>
           <p:nvPr>
             <p:ph idx="2" type="sldImg"/>
@@ -2221,7 +2487,7 @@
       </p:sp>
       <p:sp>
         <p:nvSpPr>
-          <p:cNvPr id="66" name="Google Shape;66;g261f96dae8d_0_11:notes"/>
+          <p:cNvPr id="67" name="Google Shape;67;g261f96dae8d_0_11:notes"/>
           <p:cNvSpPr txBox="1"/>
           <p:nvPr>
             <p:ph idx="1" type="body"/>
@@ -2268,7 +2534,7 @@
       </p:sp>
       <p:sp>
         <p:nvSpPr>
-          <p:cNvPr id="67" name="Google Shape;67;g261f96dae8d_0_11:notes"/>
+          <p:cNvPr id="68" name="Google Shape;68;g261f96dae8d_0_11:notes"/>
           <p:cNvSpPr txBox="1"/>
           <p:nvPr>
             <p:ph idx="12" type="sldNum"/>
@@ -2342,12 +2608,12 @@
 </p:notes>
 </file>
 
-<file path=ppt/notesSlides/notesSlide3.xml><?xml version="1.0" encoding="utf-8"?>
+<file path=ppt/notesSlides/notesSlide20.xml><?xml version="1.0" encoding="utf-8"?>
 <p:notes xmlns:a="http://schemas.openxmlformats.org/drawingml/2006/main" xmlns:r="http://schemas.openxmlformats.org/officeDocument/2006/relationships" xmlns:mc="http://schemas.openxmlformats.org/markup-compatibility/2006" xmlns:mv="urn:schemas-microsoft-com:mac:vml" xmlns:p="http://schemas.openxmlformats.org/presentationml/2006/main" xmlns:c="http://schemas.openxmlformats.org/drawingml/2006/chart" xmlns:dgm="http://schemas.openxmlformats.org/drawingml/2006/diagram" xmlns:o="urn:schemas-microsoft-com:office:office" xmlns:v="urn:schemas-microsoft-com:vml" xmlns:pvml="urn:schemas-microsoft-com:office:powerpoint" xmlns:com="http://schemas.openxmlformats.org/drawingml/2006/compatibility" xmlns:p14="http://schemas.microsoft.com/office/powerpoint/2010/main" xmlns:p15="http://schemas.microsoft.com/office/powerpoint/2012/main" xmlns:ahyp="http://schemas.microsoft.com/office/drawing/2018/hyperlinkcolor" showMasterPhAnim="0" showMasterSp="0">
   <p:cSld>
     <p:spTree>
       <p:nvGrpSpPr>
-        <p:cNvPr id="88" name="Shape 88"/>
+        <p:cNvPr id="282" name="Shape 282"/>
         <p:cNvGrpSpPr/>
         <p:nvPr/>
       </p:nvGrpSpPr>
@@ -2361,7 +2627,7 @@
       </p:grpSpPr>
       <p:sp>
         <p:nvSpPr>
-          <p:cNvPr id="89" name="Google Shape;89;g261f96dae8d_0_35:notes"/>
+          <p:cNvPr id="283" name="Google Shape;283;g261f96dae8d_0_87:notes"/>
           <p:cNvSpPr txBox="1"/>
           <p:nvPr>
             <p:ph idx="1" type="body"/>
@@ -2388,46 +2654,6 @@
           <a:p>
             <a:pPr indent="0" lvl="0" marL="0" rtl="0" algn="l">
               <a:lnSpc>
-                <a:spcPct val="115000"/>
-              </a:lnSpc>
-              <a:spcBef>
-                <a:spcPts val="0"/>
-              </a:spcBef>
-              <a:spcAft>
-                <a:spcPts val="0"/>
-              </a:spcAft>
-              <a:buClr>
-                <a:schemeClr val="dk1"/>
-              </a:buClr>
-              <a:buSzPts val="1100"/>
-              <a:buFont typeface="Arial"/>
-              <a:buNone/>
-            </a:pPr>
-            <a:r>
-              <a:rPr b="1" lang="ko" sz="1700">
-                <a:solidFill>
-                  <a:srgbClr val="333333"/>
-                </a:solidFill>
-                <a:latin typeface="Helvetica Neue"/>
-                <a:ea typeface="Helvetica Neue"/>
-                <a:cs typeface="Helvetica Neue"/>
-                <a:sym typeface="Helvetica Neue"/>
-              </a:rPr>
-              <a:t>LeNet과 ResNet을 기반으로 바닥부터 학습했을 때 validation accuacy가 50% 내외에서 개선되지 않아서 pretrained 모델을 기반으로 전이 학습을 하기로 하였습니다.</a:t>
-            </a:r>
-            <a:endParaRPr b="1" sz="1700">
-              <a:solidFill>
-                <a:srgbClr val="333333"/>
-              </a:solidFill>
-              <a:latin typeface="Helvetica Neue"/>
-              <a:ea typeface="Helvetica Neue"/>
-              <a:cs typeface="Helvetica Neue"/>
-              <a:sym typeface="Helvetica Neue"/>
-            </a:endParaRPr>
-          </a:p>
-          <a:p>
-            <a:pPr indent="0" lvl="0" marL="0" rtl="0" algn="l">
-              <a:lnSpc>
                 <a:spcPct val="100000"/>
               </a:lnSpc>
               <a:spcBef>
@@ -2448,7 +2674,7 @@
       </p:sp>
       <p:sp>
         <p:nvSpPr>
-          <p:cNvPr id="90" name="Google Shape;90;g261f96dae8d_0_35:notes"/>
+          <p:cNvPr id="284" name="Google Shape;284;g261f96dae8d_0_87:notes"/>
           <p:cNvSpPr/>
           <p:nvPr>
             <p:ph idx="2" type="sldImg"/>
@@ -2493,12 +2719,12 @@
 </p:notes>
 </file>
 
-<file path=ppt/notesSlides/notesSlide4.xml><?xml version="1.0" encoding="utf-8"?>
+<file path=ppt/notesSlides/notesSlide3.xml><?xml version="1.0" encoding="utf-8"?>
 <p:notes xmlns:a="http://schemas.openxmlformats.org/drawingml/2006/main" xmlns:r="http://schemas.openxmlformats.org/officeDocument/2006/relationships" xmlns:mc="http://schemas.openxmlformats.org/markup-compatibility/2006" xmlns:mv="urn:schemas-microsoft-com:mac:vml" xmlns:p="http://schemas.openxmlformats.org/presentationml/2006/main" xmlns:c="http://schemas.openxmlformats.org/drawingml/2006/chart" xmlns:dgm="http://schemas.openxmlformats.org/drawingml/2006/diagram" xmlns:o="urn:schemas-microsoft-com:office:office" xmlns:v="urn:schemas-microsoft-com:vml" xmlns:pvml="urn:schemas-microsoft-com:office:powerpoint" xmlns:com="http://schemas.openxmlformats.org/drawingml/2006/compatibility" xmlns:p14="http://schemas.microsoft.com/office/powerpoint/2010/main" xmlns:p15="http://schemas.microsoft.com/office/powerpoint/2012/main" xmlns:ahyp="http://schemas.microsoft.com/office/drawing/2018/hyperlinkcolor" showMasterPhAnim="0" showMasterSp="0">
   <p:cSld>
     <p:spTree>
       <p:nvGrpSpPr>
-        <p:cNvPr id="97" name="Shape 97"/>
+        <p:cNvPr id="89" name="Shape 89"/>
         <p:cNvGrpSpPr/>
         <p:nvPr/>
       </p:nvGrpSpPr>
@@ -2512,7 +2738,7 @@
       </p:grpSpPr>
       <p:sp>
         <p:nvSpPr>
-          <p:cNvPr id="98" name="Google Shape;98;g261f96dae8d_0_42:notes"/>
+          <p:cNvPr id="90" name="Google Shape;90;g261f96dae8d_0_42:notes"/>
           <p:cNvSpPr txBox="1"/>
           <p:nvPr>
             <p:ph idx="1" type="body"/>
@@ -2536,6 +2762,69 @@
             <a:noAutofit/>
           </a:bodyPr>
           <a:lstStyle/>
+          <a:p>
+            <a:pPr indent="0" lvl="0" marL="0" rtl="0" algn="l">
+              <a:lnSpc>
+                <a:spcPct val="115000"/>
+              </a:lnSpc>
+              <a:spcBef>
+                <a:spcPts val="0"/>
+              </a:spcBef>
+              <a:spcAft>
+                <a:spcPts val="0"/>
+              </a:spcAft>
+              <a:buSzPts val="1100"/>
+              <a:buNone/>
+            </a:pPr>
+            <a:r>
+              <a:rPr lang="ko" sz="800">
+                <a:solidFill>
+                  <a:srgbClr val="333333"/>
+                </a:solidFill>
+                <a:latin typeface="Helvetica Neue"/>
+                <a:ea typeface="Helvetica Neue"/>
+                <a:cs typeface="Helvetica Neue"/>
+                <a:sym typeface="Helvetica Neue"/>
+              </a:rPr>
+              <a:t>원본데이터 + 증강데이터가 섞여 있다. train와  val를 분리된 그대로 진행하였다.</a:t>
+            </a:r>
+            <a:endParaRPr sz="800">
+              <a:solidFill>
+                <a:srgbClr val="333333"/>
+              </a:solidFill>
+              <a:latin typeface="Helvetica Neue"/>
+              <a:ea typeface="Helvetica Neue"/>
+              <a:cs typeface="Helvetica Neue"/>
+              <a:sym typeface="Helvetica Neue"/>
+            </a:endParaRPr>
+          </a:p>
+          <a:p>
+            <a:pPr indent="0" lvl="0" marL="0" rtl="0" algn="l">
+              <a:lnSpc>
+                <a:spcPct val="115000"/>
+              </a:lnSpc>
+              <a:spcBef>
+                <a:spcPts val="0"/>
+              </a:spcBef>
+              <a:spcAft>
+                <a:spcPts val="0"/>
+              </a:spcAft>
+              <a:buSzPts val="1100"/>
+              <a:buNone/>
+            </a:pPr>
+            <a:r>
+              <a:t/>
+            </a:r>
+            <a:endParaRPr sz="1500">
+              <a:solidFill>
+                <a:srgbClr val="333333"/>
+              </a:solidFill>
+              <a:latin typeface="Helvetica Neue"/>
+              <a:ea typeface="Helvetica Neue"/>
+              <a:cs typeface="Helvetica Neue"/>
+              <a:sym typeface="Helvetica Neue"/>
+            </a:endParaRPr>
+          </a:p>
           <a:p>
             <a:pPr indent="0" lvl="0" marL="0" rtl="0" algn="l">
               <a:lnSpc>
@@ -3142,7 +3431,158 @@
       </p:sp>
       <p:sp>
         <p:nvSpPr>
-          <p:cNvPr id="99" name="Google Shape;99;g261f96dae8d_0_42:notes"/>
+          <p:cNvPr id="91" name="Google Shape;91;g261f96dae8d_0_42:notes"/>
+          <p:cNvSpPr/>
+          <p:nvPr>
+            <p:ph idx="2" type="sldImg"/>
+          </p:nvPr>
+        </p:nvSpPr>
+        <p:spPr>
+          <a:xfrm>
+            <a:off x="1143000" y="685800"/>
+            <a:ext cx="4572000" cy="3429000"/>
+          </a:xfrm>
+          <a:custGeom>
+            <a:rect b="b" l="l" r="r" t="t"/>
+            <a:pathLst>
+              <a:path extrusionOk="0" h="120000" w="120000">
+                <a:moveTo>
+                  <a:pt x="0" y="0"/>
+                </a:moveTo>
+                <a:lnTo>
+                  <a:pt x="120000" y="0"/>
+                </a:lnTo>
+                <a:lnTo>
+                  <a:pt x="120000" y="120000"/>
+                </a:lnTo>
+                <a:lnTo>
+                  <a:pt x="0" y="120000"/>
+                </a:lnTo>
+                <a:close/>
+              </a:path>
+            </a:pathLst>
+          </a:custGeom>
+          <a:noFill/>
+          <a:ln>
+            <a:noFill/>
+          </a:ln>
+        </p:spPr>
+      </p:sp>
+    </p:spTree>
+  </p:cSld>
+  <p:clrMapOvr>
+    <a:masterClrMapping/>
+  </p:clrMapOvr>
+</p:notes>
+</file>
+
+<file path=ppt/notesSlides/notesSlide4.xml><?xml version="1.0" encoding="utf-8"?>
+<p:notes xmlns:a="http://schemas.openxmlformats.org/drawingml/2006/main" xmlns:r="http://schemas.openxmlformats.org/officeDocument/2006/relationships" xmlns:mc="http://schemas.openxmlformats.org/markup-compatibility/2006" xmlns:mv="urn:schemas-microsoft-com:mac:vml" xmlns:p="http://schemas.openxmlformats.org/presentationml/2006/main" xmlns:c="http://schemas.openxmlformats.org/drawingml/2006/chart" xmlns:dgm="http://schemas.openxmlformats.org/drawingml/2006/diagram" xmlns:o="urn:schemas-microsoft-com:office:office" xmlns:v="urn:schemas-microsoft-com:vml" xmlns:pvml="urn:schemas-microsoft-com:office:powerpoint" xmlns:com="http://schemas.openxmlformats.org/drawingml/2006/compatibility" xmlns:p14="http://schemas.microsoft.com/office/powerpoint/2010/main" xmlns:p15="http://schemas.microsoft.com/office/powerpoint/2012/main" xmlns:ahyp="http://schemas.microsoft.com/office/drawing/2018/hyperlinkcolor" showMasterPhAnim="0" showMasterSp="0">
+  <p:cSld>
+    <p:spTree>
+      <p:nvGrpSpPr>
+        <p:cNvPr id="103" name="Shape 103"/>
+        <p:cNvGrpSpPr/>
+        <p:nvPr/>
+      </p:nvGrpSpPr>
+      <p:grpSpPr>
+        <a:xfrm>
+          <a:off x="0" y="0"/>
+          <a:ext cx="0" cy="0"/>
+          <a:chOff x="0" y="0"/>
+          <a:chExt cx="0" cy="0"/>
+        </a:xfrm>
+      </p:grpSpPr>
+      <p:sp>
+        <p:nvSpPr>
+          <p:cNvPr id="104" name="Google Shape;104;g261f96dae8d_0_35:notes"/>
+          <p:cNvSpPr txBox="1"/>
+          <p:nvPr>
+            <p:ph idx="1" type="body"/>
+          </p:nvPr>
+        </p:nvSpPr>
+        <p:spPr>
+          <a:xfrm>
+            <a:off x="914400" y="4343400"/>
+            <a:ext cx="5029200" cy="4114800"/>
+          </a:xfrm>
+          <a:prstGeom prst="rect">
+            <a:avLst/>
+          </a:prstGeom>
+          <a:noFill/>
+          <a:ln>
+            <a:noFill/>
+          </a:ln>
+        </p:spPr>
+        <p:txBody>
+          <a:bodyPr anchorCtr="0" anchor="t" bIns="45700" lIns="91425" spcFirstLastPara="1" rIns="91425" wrap="square" tIns="45700">
+            <a:noAutofit/>
+          </a:bodyPr>
+          <a:lstStyle/>
+          <a:p>
+            <a:pPr indent="0" lvl="0" marL="0" rtl="0" algn="l">
+              <a:lnSpc>
+                <a:spcPct val="115000"/>
+              </a:lnSpc>
+              <a:spcBef>
+                <a:spcPts val="0"/>
+              </a:spcBef>
+              <a:spcAft>
+                <a:spcPts val="0"/>
+              </a:spcAft>
+              <a:buClr>
+                <a:schemeClr val="dk1"/>
+              </a:buClr>
+              <a:buSzPts val="1100"/>
+              <a:buFont typeface="Arial"/>
+              <a:buNone/>
+            </a:pPr>
+            <a:r>
+              <a:rPr b="1" lang="ko" sz="1700">
+                <a:solidFill>
+                  <a:srgbClr val="333333"/>
+                </a:solidFill>
+                <a:latin typeface="Helvetica Neue"/>
+                <a:ea typeface="Helvetica Neue"/>
+                <a:cs typeface="Helvetica Neue"/>
+                <a:sym typeface="Helvetica Neue"/>
+              </a:rPr>
+              <a:t>LeNet과 ResNet을 기반으로 바닥부터 학습했을 때 validation accuacy가 50% 내외에서 개선되지 않아서 pretrained 모델을 기반으로 전이 학습을 하기로 하였습니다.</a:t>
+            </a:r>
+            <a:endParaRPr b="1" sz="1700">
+              <a:solidFill>
+                <a:srgbClr val="333333"/>
+              </a:solidFill>
+              <a:latin typeface="Helvetica Neue"/>
+              <a:ea typeface="Helvetica Neue"/>
+              <a:cs typeface="Helvetica Neue"/>
+              <a:sym typeface="Helvetica Neue"/>
+            </a:endParaRPr>
+          </a:p>
+          <a:p>
+            <a:pPr indent="0" lvl="0" marL="0" rtl="0" algn="l">
+              <a:lnSpc>
+                <a:spcPct val="100000"/>
+              </a:lnSpc>
+              <a:spcBef>
+                <a:spcPts val="0"/>
+              </a:spcBef>
+              <a:spcAft>
+                <a:spcPts val="0"/>
+              </a:spcAft>
+              <a:buSzPts val="1400"/>
+              <a:buNone/>
+            </a:pPr>
+            <a:r>
+              <a:t/>
+            </a:r>
+            <a:endParaRPr/>
+          </a:p>
+        </p:txBody>
+      </p:sp>
+      <p:sp>
+        <p:nvSpPr>
+          <p:cNvPr id="105" name="Google Shape;105;g261f96dae8d_0_35:notes"/>
           <p:cNvSpPr/>
           <p:nvPr>
             <p:ph idx="2" type="sldImg"/>
@@ -3192,7 +3632,7 @@
   <p:cSld>
     <p:spTree>
       <p:nvGrpSpPr>
-        <p:cNvPr id="111" name="Shape 111"/>
+        <p:cNvPr id="112" name="Shape 112"/>
         <p:cNvGrpSpPr/>
         <p:nvPr/>
       </p:nvGrpSpPr>
@@ -3206,7 +3646,7 @@
       </p:grpSpPr>
       <p:sp>
         <p:nvSpPr>
-          <p:cNvPr id="112" name="Google Shape;112;g261f96dae8d_0_52:notes"/>
+          <p:cNvPr id="113" name="Google Shape;113;g261f96dae8d_0_52:notes"/>
           <p:cNvSpPr txBox="1"/>
           <p:nvPr>
             <p:ph idx="1" type="body"/>
@@ -3258,7 +3698,7 @@
       </p:sp>
       <p:sp>
         <p:nvSpPr>
-          <p:cNvPr id="113" name="Google Shape;113;g261f96dae8d_0_52:notes"/>
+          <p:cNvPr id="114" name="Google Shape;114;g261f96dae8d_0_52:notes"/>
           <p:cNvSpPr/>
           <p:nvPr>
             <p:ph idx="2" type="sldImg"/>
@@ -3308,7 +3748,7 @@
   <p:cSld>
     <p:spTree>
       <p:nvGrpSpPr>
-        <p:cNvPr id="125" name="Shape 125"/>
+        <p:cNvPr id="126" name="Shape 126"/>
         <p:cNvGrpSpPr/>
         <p:nvPr/>
       </p:nvGrpSpPr>
@@ -3322,7 +3762,7 @@
       </p:grpSpPr>
       <p:sp>
         <p:nvSpPr>
-          <p:cNvPr id="126" name="Google Shape;126;g261f96dae8d_4_47:notes"/>
+          <p:cNvPr id="127" name="Google Shape;127;g261f96dae8d_4_47:notes"/>
           <p:cNvSpPr txBox="1"/>
           <p:nvPr>
             <p:ph idx="1" type="body"/>
@@ -3370,7 +3810,7 @@
       </p:sp>
       <p:sp>
         <p:nvSpPr>
-          <p:cNvPr id="127" name="Google Shape;127;g261f96dae8d_4_47:notes"/>
+          <p:cNvPr id="128" name="Google Shape;128;g261f96dae8d_4_47:notes"/>
           <p:cNvSpPr/>
           <p:nvPr>
             <p:ph idx="2" type="sldImg"/>
@@ -3420,7 +3860,7 @@
   <p:cSld>
     <p:spTree>
       <p:nvGrpSpPr>
-        <p:cNvPr id="135" name="Shape 135"/>
+        <p:cNvPr id="142" name="Shape 142"/>
         <p:cNvGrpSpPr/>
         <p:nvPr/>
       </p:nvGrpSpPr>
@@ -3434,7 +3874,7 @@
       </p:grpSpPr>
       <p:sp>
         <p:nvSpPr>
-          <p:cNvPr id="136" name="Google Shape;136;g261f96dae8d_4_75:notes"/>
+          <p:cNvPr id="143" name="Google Shape;143;g261f96dae8d_4_75:notes"/>
           <p:cNvSpPr txBox="1"/>
           <p:nvPr>
             <p:ph idx="1" type="body"/>
@@ -3482,7 +3922,7 @@
       </p:sp>
       <p:sp>
         <p:nvSpPr>
-          <p:cNvPr id="137" name="Google Shape;137;g261f96dae8d_4_75:notes"/>
+          <p:cNvPr id="144" name="Google Shape;144;g261f96dae8d_4_75:notes"/>
           <p:cNvSpPr/>
           <p:nvPr>
             <p:ph idx="2" type="sldImg"/>
@@ -3532,7 +3972,7 @@
   <p:cSld>
     <p:spTree>
       <p:nvGrpSpPr>
-        <p:cNvPr id="145" name="Shape 145"/>
+        <p:cNvPr id="153" name="Shape 153"/>
         <p:cNvGrpSpPr/>
         <p:nvPr/>
       </p:nvGrpSpPr>
@@ -3546,7 +3986,7 @@
       </p:grpSpPr>
       <p:sp>
         <p:nvSpPr>
-          <p:cNvPr id="146" name="Google Shape;146;g261f96dae8d_4_84:notes"/>
+          <p:cNvPr id="154" name="Google Shape;154;g261f96dae8d_4_84:notes"/>
           <p:cNvSpPr txBox="1"/>
           <p:nvPr>
             <p:ph idx="1" type="body"/>
@@ -3594,7 +4034,7 @@
       </p:sp>
       <p:sp>
         <p:nvSpPr>
-          <p:cNvPr id="147" name="Google Shape;147;g261f96dae8d_4_84:notes"/>
+          <p:cNvPr id="155" name="Google Shape;155;g261f96dae8d_4_84:notes"/>
           <p:cNvSpPr/>
           <p:nvPr>
             <p:ph idx="2" type="sldImg"/>
@@ -3644,7 +4084,7 @@
   <p:cSld>
     <p:spTree>
       <p:nvGrpSpPr>
-        <p:cNvPr id="155" name="Shape 155"/>
+        <p:cNvPr id="164" name="Shape 164"/>
         <p:cNvGrpSpPr/>
         <p:nvPr/>
       </p:nvGrpSpPr>
@@ -3658,7 +4098,7 @@
       </p:grpSpPr>
       <p:sp>
         <p:nvSpPr>
-          <p:cNvPr id="156" name="Google Shape;156;g261f96dae8d_6_38:notes"/>
+          <p:cNvPr id="165" name="Google Shape;165;g261f96dae8d_6_38:notes"/>
           <p:cNvSpPr txBox="1"/>
           <p:nvPr>
             <p:ph idx="1" type="body"/>
@@ -3705,7 +4145,7 @@
       </p:sp>
       <p:sp>
         <p:nvSpPr>
-          <p:cNvPr id="157" name="Google Shape;157;g261f96dae8d_6_38:notes"/>
+          <p:cNvPr id="166" name="Google Shape;166;g261f96dae8d_6_38:notes"/>
           <p:cNvSpPr/>
           <p:nvPr>
             <p:ph idx="2" type="sldImg"/>
@@ -9511,6 +9951,84 @@
           </a:p>
         </p:txBody>
       </p:sp>
+      <p:sp>
+        <p:nvSpPr>
+          <p:cNvPr id="64" name="Google Shape;64;p15"/>
+          <p:cNvSpPr txBox="1"/>
+          <p:nvPr/>
+        </p:nvSpPr>
+        <p:spPr>
+          <a:xfrm>
+            <a:off x="5950025" y="3107710"/>
+            <a:ext cx="2961300" cy="713100"/>
+          </a:xfrm>
+          <a:prstGeom prst="rect">
+            <a:avLst/>
+          </a:prstGeom>
+          <a:noFill/>
+          <a:ln>
+            <a:noFill/>
+          </a:ln>
+        </p:spPr>
+        <p:txBody>
+          <a:bodyPr anchorCtr="0" anchor="b" bIns="34275" lIns="34275" spcFirstLastPara="1" rIns="34275" wrap="square" tIns="34275">
+            <a:normAutofit/>
+          </a:bodyPr>
+          <a:lstStyle/>
+          <a:p>
+            <a:pPr indent="0" lvl="0" marL="0" marR="0" rtl="0" algn="l">
+              <a:lnSpc>
+                <a:spcPct val="120000"/>
+              </a:lnSpc>
+              <a:spcBef>
+                <a:spcPts val="0"/>
+              </a:spcBef>
+              <a:spcAft>
+                <a:spcPts val="0"/>
+              </a:spcAft>
+              <a:buClr>
+                <a:srgbClr val="DE5A5F"/>
+              </a:buClr>
+              <a:buSzPts val="1800"/>
+              <a:buFont typeface="Arial"/>
+              <a:buNone/>
+            </a:pPr>
+            <a:r>
+              <a:rPr b="1" lang="ko" sz="1900">
+                <a:solidFill>
+                  <a:srgbClr val="FFCD05"/>
+                </a:solidFill>
+                <a:latin typeface="Helvetica Neue"/>
+                <a:ea typeface="Helvetica Neue"/>
+                <a:cs typeface="Helvetica Neue"/>
+                <a:sym typeface="Helvetica Neue"/>
+              </a:rPr>
+              <a:t>팀명 </a:t>
+            </a:r>
+            <a:r>
+              <a:rPr b="1" lang="ko" sz="1900">
+                <a:solidFill>
+                  <a:srgbClr val="FFCD05"/>
+                </a:solidFill>
+                <a:latin typeface="Helvetica Neue"/>
+                <a:ea typeface="Helvetica Neue"/>
+                <a:cs typeface="Helvetica Neue"/>
+                <a:sym typeface="Helvetica Neue"/>
+              </a:rPr>
+              <a:t>: 이름없는 3팀</a:t>
+            </a:r>
+            <a:endParaRPr b="1" i="0" sz="1900" u="none" cap="none" strike="noStrike">
+              <a:solidFill>
+                <a:srgbClr val="FFCD05"/>
+              </a:solidFill>
+              <a:latin typeface="Helvetica Neue"/>
+              <a:ea typeface="Helvetica Neue"/>
+              <a:cs typeface="Helvetica Neue"/>
+              <a:sym typeface="Helvetica Neue"/>
+            </a:endParaRPr>
+          </a:p>
+        </p:txBody>
+      </p:sp>
     </p:spTree>
   </p:cSld>
   <p:clrMapOvr>
@@ -9531,7 +10049,7 @@
     </p:bg>
     <p:spTree>
       <p:nvGrpSpPr>
-        <p:cNvPr id="169" name="Shape 169"/>
+        <p:cNvPr id="178" name="Shape 178"/>
         <p:cNvGrpSpPr/>
         <p:nvPr/>
       </p:nvGrpSpPr>
@@ -9545,7 +10063,7 @@
       </p:grpSpPr>
       <p:sp>
         <p:nvSpPr>
-          <p:cNvPr id="170" name="Google Shape;170;p24"/>
+          <p:cNvPr id="179" name="Google Shape;179;p24"/>
           <p:cNvSpPr/>
           <p:nvPr/>
         </p:nvSpPr>
@@ -9604,7 +10122,7 @@
       </p:sp>
       <p:sp>
         <p:nvSpPr>
-          <p:cNvPr id="171" name="Google Shape;171;p24"/>
+          <p:cNvPr id="180" name="Google Shape;180;p24"/>
           <p:cNvSpPr txBox="1"/>
           <p:nvPr>
             <p:ph type="title"/>
@@ -9668,7 +10186,7 @@
       </p:sp>
       <p:pic>
         <p:nvPicPr>
-          <p:cNvPr id="172" name="Google Shape;172;p24"/>
+          <p:cNvPr id="181" name="Google Shape;181;p24"/>
           <p:cNvPicPr preferRelativeResize="0"/>
           <p:nvPr/>
         </p:nvPicPr>
@@ -9695,7 +10213,7 @@
       </p:pic>
       <p:sp>
         <p:nvSpPr>
-          <p:cNvPr id="173" name="Google Shape;173;p24"/>
+          <p:cNvPr id="182" name="Google Shape;182;p24"/>
           <p:cNvSpPr txBox="1"/>
           <p:nvPr/>
         </p:nvSpPr>
@@ -9775,7 +10293,7 @@
       </p:sp>
       <p:pic>
         <p:nvPicPr>
-          <p:cNvPr id="174" name="Google Shape;174;p24"/>
+          <p:cNvPr id="183" name="Google Shape;183;p24"/>
           <p:cNvPicPr preferRelativeResize="0"/>
           <p:nvPr/>
         </p:nvPicPr>
@@ -9803,7 +10321,7 @@
       </p:pic>
       <p:pic>
         <p:nvPicPr>
-          <p:cNvPr id="175" name="Google Shape;175;p24"/>
+          <p:cNvPr id="184" name="Google Shape;184;p24"/>
           <p:cNvPicPr preferRelativeResize="0"/>
           <p:nvPr/>
         </p:nvPicPr>
@@ -9831,7 +10349,7 @@
       </p:pic>
       <p:sp>
         <p:nvSpPr>
-          <p:cNvPr id="176" name="Google Shape;176;p24"/>
+          <p:cNvPr id="185" name="Google Shape;185;p24"/>
           <p:cNvSpPr txBox="1"/>
           <p:nvPr/>
         </p:nvSpPr>
@@ -9911,7 +10429,7 @@
       </p:sp>
       <p:pic>
         <p:nvPicPr>
-          <p:cNvPr id="177" name="Google Shape;177;p24"/>
+          <p:cNvPr id="186" name="Google Shape;186;p24"/>
           <p:cNvPicPr preferRelativeResize="0"/>
           <p:nvPr/>
         </p:nvPicPr>
@@ -9934,409 +10452,6 @@
           <a:noFill/>
           <a:ln>
             <a:noFill/>
-          </a:ln>
-        </p:spPr>
-      </p:pic>
-    </p:spTree>
-  </p:cSld>
-  <p:clrMapOvr>
-    <a:masterClrMapping/>
-  </p:clrMapOvr>
-</p:sld>
-</file>
-
-<file path=ppt/slides/slide11.xml><?xml version="1.0" encoding="utf-8"?>
-<p:sld xmlns:a="http://schemas.openxmlformats.org/drawingml/2006/main" xmlns:r="http://schemas.openxmlformats.org/officeDocument/2006/relationships" xmlns:mc="http://schemas.openxmlformats.org/markup-compatibility/2006" xmlns:mv="urn:schemas-microsoft-com:mac:vml" xmlns:p="http://schemas.openxmlformats.org/presentationml/2006/main" xmlns:c="http://schemas.openxmlformats.org/drawingml/2006/chart" xmlns:dgm="http://schemas.openxmlformats.org/drawingml/2006/diagram" xmlns:o="urn:schemas-microsoft-com:office:office" xmlns:v="urn:schemas-microsoft-com:vml" xmlns:pvml="urn:schemas-microsoft-com:office:powerpoint" xmlns:com="http://schemas.openxmlformats.org/drawingml/2006/compatibility" xmlns:p14="http://schemas.microsoft.com/office/powerpoint/2010/main" xmlns:p15="http://schemas.microsoft.com/office/powerpoint/2012/main" xmlns:ahyp="http://schemas.microsoft.com/office/drawing/2018/hyperlinkcolor">
-  <p:cSld>
-    <p:bg>
-      <p:bgPr>
-        <a:solidFill>
-          <a:srgbClr val="FFFFFF"/>
-        </a:solidFill>
-      </p:bgPr>
-    </p:bg>
-    <p:spTree>
-      <p:nvGrpSpPr>
-        <p:cNvPr id="181" name="Shape 181"/>
-        <p:cNvGrpSpPr/>
-        <p:nvPr/>
-      </p:nvGrpSpPr>
-      <p:grpSpPr>
-        <a:xfrm>
-          <a:off x="0" y="0"/>
-          <a:ext cx="0" cy="0"/>
-          <a:chOff x="0" y="0"/>
-          <a:chExt cx="0" cy="0"/>
-        </a:xfrm>
-      </p:grpSpPr>
-      <p:sp>
-        <p:nvSpPr>
-          <p:cNvPr id="182" name="Google Shape;182;p25"/>
-          <p:cNvSpPr txBox="1"/>
-          <p:nvPr/>
-        </p:nvSpPr>
-        <p:spPr>
-          <a:xfrm>
-            <a:off x="443749" y="1254400"/>
-            <a:ext cx="8051400" cy="1096800"/>
-          </a:xfrm>
-          <a:prstGeom prst="rect">
-            <a:avLst/>
-          </a:prstGeom>
-          <a:noFill/>
-          <a:ln>
-            <a:noFill/>
-          </a:ln>
-        </p:spPr>
-        <p:txBody>
-          <a:bodyPr anchorCtr="0" anchor="t" bIns="34275" lIns="34275" spcFirstLastPara="1" rIns="34275" wrap="square" tIns="34275">
-            <a:spAutoFit/>
-          </a:bodyPr>
-          <a:lstStyle/>
-          <a:p>
-            <a:pPr indent="0" lvl="0" marL="0" rtl="0" algn="l">
-              <a:lnSpc>
-                <a:spcPct val="115000"/>
-              </a:lnSpc>
-              <a:spcBef>
-                <a:spcPts val="0"/>
-              </a:spcBef>
-              <a:spcAft>
-                <a:spcPts val="0"/>
-              </a:spcAft>
-              <a:buNone/>
-            </a:pPr>
-            <a:r>
-              <a:rPr lang="ko" sz="1500">
-                <a:solidFill>
-                  <a:schemeClr val="dk1"/>
-                </a:solidFill>
-              </a:rPr>
-              <a:t>3</a:t>
-            </a:r>
-            <a:r>
-              <a:rPr lang="ko" sz="1500">
-                <a:solidFill>
-                  <a:schemeClr val="dk1"/>
-                </a:solidFill>
-              </a:rPr>
-              <a:t>. </a:t>
-            </a:r>
-            <a:r>
-              <a:rPr lang="ko" sz="1500">
-                <a:solidFill>
-                  <a:schemeClr val="dk1"/>
-                </a:solidFill>
-              </a:rPr>
-              <a:t>RGB 표준화를 진행했을 때 validataion 성능이 개선이 있었다.</a:t>
-            </a:r>
-            <a:endParaRPr sz="1500">
-              <a:solidFill>
-                <a:schemeClr val="dk1"/>
-              </a:solidFill>
-            </a:endParaRPr>
-          </a:p>
-          <a:p>
-            <a:pPr indent="0" lvl="0" marL="0" rtl="0" algn="l">
-              <a:lnSpc>
-                <a:spcPct val="115000"/>
-              </a:lnSpc>
-              <a:spcBef>
-                <a:spcPts val="0"/>
-              </a:spcBef>
-              <a:spcAft>
-                <a:spcPts val="0"/>
-              </a:spcAft>
-              <a:buNone/>
-            </a:pPr>
-            <a:r>
-              <a:t/>
-            </a:r>
-            <a:endParaRPr sz="1500">
-              <a:solidFill>
-                <a:schemeClr val="dk1"/>
-              </a:solidFill>
-            </a:endParaRPr>
-          </a:p>
-          <a:p>
-            <a:pPr indent="0" lvl="0" marL="0" rtl="0" algn="l">
-              <a:lnSpc>
-                <a:spcPct val="115000"/>
-              </a:lnSpc>
-              <a:spcBef>
-                <a:spcPts val="0"/>
-              </a:spcBef>
-              <a:spcAft>
-                <a:spcPts val="0"/>
-              </a:spcAft>
-              <a:buNone/>
-            </a:pPr>
-            <a:r>
-              <a:rPr lang="ko" sz="1500">
-                <a:solidFill>
-                  <a:schemeClr val="dk1"/>
-                </a:solidFill>
-              </a:rPr>
-              <a:t>- MobileNet 기준 </a:t>
-            </a:r>
-            <a:endParaRPr sz="1500">
-              <a:solidFill>
-                <a:schemeClr val="dk1"/>
-              </a:solidFill>
-            </a:endParaRPr>
-          </a:p>
-          <a:p>
-            <a:pPr indent="0" lvl="0" marL="0" rtl="0" algn="l">
-              <a:lnSpc>
-                <a:spcPct val="115000"/>
-              </a:lnSpc>
-              <a:spcBef>
-                <a:spcPts val="0"/>
-              </a:spcBef>
-              <a:spcAft>
-                <a:spcPts val="0"/>
-              </a:spcAft>
-              <a:buNone/>
-            </a:pPr>
-            <a:r>
-              <a:rPr lang="ko" sz="1500">
-                <a:solidFill>
-                  <a:schemeClr val="dk1"/>
-                </a:solidFill>
-              </a:rPr>
-              <a:t>- RGB 표준화</a:t>
-            </a:r>
-            <a:r>
-              <a:rPr lang="ko" sz="1500">
-                <a:solidFill>
-                  <a:schemeClr val="dk1"/>
-                </a:solidFill>
-              </a:rPr>
-              <a:t>를 했을  때 train loss, accuracy가 매우 빠른 속도로 수렴하여 과적합이 일어났다.</a:t>
-            </a:r>
-            <a:endParaRPr sz="1500">
-              <a:solidFill>
-                <a:schemeClr val="dk1"/>
-              </a:solidFill>
-            </a:endParaRPr>
-          </a:p>
-        </p:txBody>
-      </p:sp>
-      <p:sp>
-        <p:nvSpPr>
-          <p:cNvPr id="183" name="Google Shape;183;p25"/>
-          <p:cNvSpPr/>
-          <p:nvPr/>
-        </p:nvSpPr>
-        <p:spPr>
-          <a:xfrm>
-            <a:off x="469915" y="1025269"/>
-            <a:ext cx="802800" cy="36000"/>
-          </a:xfrm>
-          <a:prstGeom prst="rect">
-            <a:avLst/>
-          </a:prstGeom>
-          <a:solidFill>
-            <a:srgbClr val="FFCD05"/>
-          </a:solidFill>
-          <a:ln>
-            <a:noFill/>
-          </a:ln>
-        </p:spPr>
-        <p:txBody>
-          <a:bodyPr anchorCtr="0" anchor="ctr" bIns="34275" lIns="34275" spcFirstLastPara="1" rIns="34275" wrap="square" tIns="34275">
-            <a:noAutofit/>
-          </a:bodyPr>
-          <a:lstStyle/>
-          <a:p>
-            <a:pPr indent="0" lvl="0" marL="0" marR="0" rtl="0" algn="l">
-              <a:lnSpc>
-                <a:spcPct val="100000"/>
-              </a:lnSpc>
-              <a:spcBef>
-                <a:spcPts val="0"/>
-              </a:spcBef>
-              <a:spcAft>
-                <a:spcPts val="0"/>
-              </a:spcAft>
-              <a:buClr>
-                <a:srgbClr val="000000"/>
-              </a:buClr>
-              <a:buSzPts val="1400"/>
-              <a:buFont typeface="Arial"/>
-              <a:buNone/>
-            </a:pPr>
-            <a:r>
-              <a:t/>
-            </a:r>
-            <a:endParaRPr b="0" i="0" sz="1400" u="none" cap="none" strike="noStrike">
-              <a:solidFill>
-                <a:srgbClr val="000000"/>
-              </a:solidFill>
-              <a:latin typeface="Arial"/>
-              <a:ea typeface="Arial"/>
-              <a:cs typeface="Arial"/>
-              <a:sym typeface="Arial"/>
-            </a:endParaRPr>
-          </a:p>
-        </p:txBody>
-      </p:sp>
-      <p:sp>
-        <p:nvSpPr>
-          <p:cNvPr id="184" name="Google Shape;184;p25"/>
-          <p:cNvSpPr txBox="1"/>
-          <p:nvPr>
-            <p:ph type="title"/>
-          </p:nvPr>
-        </p:nvSpPr>
-        <p:spPr>
-          <a:xfrm>
-            <a:off x="390675" y="450919"/>
-            <a:ext cx="6720000" cy="533100"/>
-          </a:xfrm>
-          <a:prstGeom prst="rect">
-            <a:avLst/>
-          </a:prstGeom>
-          <a:noFill/>
-          <a:ln>
-            <a:noFill/>
-          </a:ln>
-        </p:spPr>
-        <p:txBody>
-          <a:bodyPr anchorCtr="0" anchor="ctr" bIns="34275" lIns="34275" spcFirstLastPara="1" rIns="34275" wrap="square" tIns="34275">
-            <a:normAutofit/>
-          </a:bodyPr>
-          <a:lstStyle/>
-          <a:p>
-            <a:pPr indent="0" lvl="0" marL="0" rtl="0" algn="l">
-              <a:lnSpc>
-                <a:spcPct val="90000"/>
-              </a:lnSpc>
-              <a:spcBef>
-                <a:spcPts val="0"/>
-              </a:spcBef>
-              <a:spcAft>
-                <a:spcPts val="0"/>
-              </a:spcAft>
-              <a:buClr>
-                <a:srgbClr val="FFFFFF"/>
-              </a:buClr>
-              <a:buSzPts val="2100"/>
-              <a:buFont typeface="Arial"/>
-              <a:buNone/>
-            </a:pPr>
-            <a:r>
-              <a:rPr lang="ko" sz="2100">
-                <a:solidFill>
-                  <a:srgbClr val="404040"/>
-                </a:solidFill>
-              </a:rPr>
-              <a:t>실험 결과</a:t>
-            </a:r>
-            <a:endParaRPr sz="2300">
-              <a:solidFill>
-                <a:srgbClr val="404040"/>
-              </a:solidFill>
-              <a:latin typeface="Arial"/>
-              <a:ea typeface="Arial"/>
-              <a:cs typeface="Arial"/>
-              <a:sym typeface="Arial"/>
-            </a:endParaRPr>
-          </a:p>
-        </p:txBody>
-      </p:sp>
-      <p:pic>
-        <p:nvPicPr>
-          <p:cNvPr id="185" name="Google Shape;185;p25"/>
-          <p:cNvPicPr preferRelativeResize="0"/>
-          <p:nvPr/>
-        </p:nvPicPr>
-        <p:blipFill rotWithShape="1">
-          <a:blip r:embed="rId3">
-            <a:alphaModFix/>
-          </a:blip>
-          <a:srcRect b="0" l="0" r="0" t="0"/>
-          <a:stretch/>
-        </p:blipFill>
-        <p:spPr>
-          <a:xfrm>
-            <a:off x="8204819" y="226331"/>
-            <a:ext cx="719411" cy="220950"/>
-          </a:xfrm>
-          <a:prstGeom prst="rect">
-            <a:avLst/>
-          </a:prstGeom>
-          <a:noFill/>
-          <a:ln>
-            <a:noFill/>
-          </a:ln>
-        </p:spPr>
-      </p:pic>
-      <p:pic>
-        <p:nvPicPr>
-          <p:cNvPr descr="image-2.png" id="186" name="Google Shape;186;p25"/>
-          <p:cNvPicPr preferRelativeResize="0"/>
-          <p:nvPr/>
-        </p:nvPicPr>
-        <p:blipFill>
-          <a:blip r:embed="rId4">
-            <a:alphaModFix/>
-          </a:blip>
-          <a:stretch>
-            <a:fillRect/>
-          </a:stretch>
-        </p:blipFill>
-        <p:spPr>
-          <a:xfrm>
-            <a:off x="228600" y="2503600"/>
-            <a:ext cx="7604642" cy="2487500"/>
-          </a:xfrm>
-          <a:prstGeom prst="rect">
-            <a:avLst/>
-          </a:prstGeom>
-          <a:noFill/>
-          <a:ln cap="flat" cmpd="sng" w="9525">
-            <a:solidFill>
-              <a:srgbClr val="000000"/>
-            </a:solidFill>
-            <a:prstDash val="solid"/>
-            <a:round/>
-            <a:headEnd len="sm" w="sm" type="none"/>
-            <a:tailEnd len="sm" w="sm" type="none"/>
-          </a:ln>
-        </p:spPr>
-      </p:pic>
-      <p:pic>
-        <p:nvPicPr>
-          <p:cNvPr descr="image-3.png" id="187" name="Google Shape;187;p25"/>
-          <p:cNvPicPr preferRelativeResize="0"/>
-          <p:nvPr/>
-        </p:nvPicPr>
-        <p:blipFill>
-          <a:blip r:embed="rId5">
-            <a:alphaModFix/>
-          </a:blip>
-          <a:stretch>
-            <a:fillRect/>
-          </a:stretch>
-        </p:blipFill>
-        <p:spPr>
-          <a:xfrm>
-            <a:off x="1196900" y="2544333"/>
-            <a:ext cx="7604651" cy="2414292"/>
-          </a:xfrm>
-          <a:prstGeom prst="rect">
-            <a:avLst/>
-          </a:prstGeom>
-          <a:noFill/>
-          <a:ln cap="flat" cmpd="sng" w="9525">
-            <a:solidFill>
-              <a:srgbClr val="000000"/>
-            </a:solidFill>
-            <a:prstDash val="solid"/>
-            <a:round/>
-            <a:headEnd len="sm" w="sm" type="none"/>
-            <a:tailEnd len="sm" w="sm" type="none"/>
           </a:ln>
         </p:spPr>
       </p:pic>
@@ -10398,6 +10513,484 @@
                       </p:childTnLst>
                     </p:cTn>
                   </p:par>
+                </p:childTnLst>
+              </p:cTn>
+              <p:prevCondLst>
+                <p:cond evt="onPrev">
+                  <p:tgtEl>
+                    <p:sldTgt/>
+                  </p:tgtEl>
+                </p:cond>
+              </p:prevCondLst>
+              <p:nextCondLst>
+                <p:cond evt="onNext">
+                  <p:tgtEl>
+                    <p:sldTgt/>
+                  </p:tgtEl>
+                </p:cond>
+              </p:nextCondLst>
+            </p:seq>
+          </p:childTnLst>
+        </p:cTn>
+      </p:par>
+    </p:tnLst>
+  </p:timing>
+</p:sld>
+</file>
+
+<file path=ppt/slides/slide11.xml><?xml version="1.0" encoding="utf-8"?>
+<p:sld xmlns:a="http://schemas.openxmlformats.org/drawingml/2006/main" xmlns:r="http://schemas.openxmlformats.org/officeDocument/2006/relationships" xmlns:mc="http://schemas.openxmlformats.org/markup-compatibility/2006" xmlns:mv="urn:schemas-microsoft-com:mac:vml" xmlns:p="http://schemas.openxmlformats.org/presentationml/2006/main" xmlns:c="http://schemas.openxmlformats.org/drawingml/2006/chart" xmlns:dgm="http://schemas.openxmlformats.org/drawingml/2006/diagram" xmlns:o="urn:schemas-microsoft-com:office:office" xmlns:v="urn:schemas-microsoft-com:vml" xmlns:pvml="urn:schemas-microsoft-com:office:powerpoint" xmlns:com="http://schemas.openxmlformats.org/drawingml/2006/compatibility" xmlns:p14="http://schemas.microsoft.com/office/powerpoint/2010/main" xmlns:p15="http://schemas.microsoft.com/office/powerpoint/2012/main" xmlns:ahyp="http://schemas.microsoft.com/office/drawing/2018/hyperlinkcolor">
+  <p:cSld>
+    <p:bg>
+      <p:bgPr>
+        <a:solidFill>
+          <a:srgbClr val="FFFFFF"/>
+        </a:solidFill>
+      </p:bgPr>
+    </p:bg>
+    <p:spTree>
+      <p:nvGrpSpPr>
+        <p:cNvPr id="190" name="Shape 190"/>
+        <p:cNvGrpSpPr/>
+        <p:nvPr/>
+      </p:nvGrpSpPr>
+      <p:grpSpPr>
+        <a:xfrm>
+          <a:off x="0" y="0"/>
+          <a:ext cx="0" cy="0"/>
+          <a:chOff x="0" y="0"/>
+          <a:chExt cx="0" cy="0"/>
+        </a:xfrm>
+      </p:grpSpPr>
+      <p:sp>
+        <p:nvSpPr>
+          <p:cNvPr id="191" name="Google Shape;191;p25"/>
+          <p:cNvSpPr txBox="1"/>
+          <p:nvPr/>
+        </p:nvSpPr>
+        <p:spPr>
+          <a:xfrm>
+            <a:off x="443749" y="1254400"/>
+            <a:ext cx="8051400" cy="1096800"/>
+          </a:xfrm>
+          <a:prstGeom prst="rect">
+            <a:avLst/>
+          </a:prstGeom>
+          <a:noFill/>
+          <a:ln>
+            <a:noFill/>
+          </a:ln>
+        </p:spPr>
+        <p:txBody>
+          <a:bodyPr anchorCtr="0" anchor="t" bIns="34275" lIns="34275" spcFirstLastPara="1" rIns="34275" wrap="square" tIns="34275">
+            <a:spAutoFit/>
+          </a:bodyPr>
+          <a:lstStyle/>
+          <a:p>
+            <a:pPr indent="0" lvl="0" marL="0" rtl="0" algn="l">
+              <a:lnSpc>
+                <a:spcPct val="115000"/>
+              </a:lnSpc>
+              <a:spcBef>
+                <a:spcPts val="0"/>
+              </a:spcBef>
+              <a:spcAft>
+                <a:spcPts val="0"/>
+              </a:spcAft>
+              <a:buNone/>
+            </a:pPr>
+            <a:r>
+              <a:rPr lang="ko" sz="1500">
+                <a:solidFill>
+                  <a:schemeClr val="dk1"/>
+                </a:solidFill>
+              </a:rPr>
+              <a:t>3</a:t>
+            </a:r>
+            <a:r>
+              <a:rPr lang="ko" sz="1500">
+                <a:solidFill>
+                  <a:schemeClr val="dk1"/>
+                </a:solidFill>
+              </a:rPr>
+              <a:t>. </a:t>
+            </a:r>
+            <a:r>
+              <a:rPr lang="ko" sz="1500">
+                <a:solidFill>
+                  <a:schemeClr val="dk1"/>
+                </a:solidFill>
+              </a:rPr>
+              <a:t>RGB 표준화를 진행했을 때 validataion 성능이 개선이 있었다.</a:t>
+            </a:r>
+            <a:endParaRPr sz="1500">
+              <a:solidFill>
+                <a:schemeClr val="dk1"/>
+              </a:solidFill>
+            </a:endParaRPr>
+          </a:p>
+          <a:p>
+            <a:pPr indent="0" lvl="0" marL="0" rtl="0" algn="l">
+              <a:lnSpc>
+                <a:spcPct val="115000"/>
+              </a:lnSpc>
+              <a:spcBef>
+                <a:spcPts val="0"/>
+              </a:spcBef>
+              <a:spcAft>
+                <a:spcPts val="0"/>
+              </a:spcAft>
+              <a:buNone/>
+            </a:pPr>
+            <a:r>
+              <a:t/>
+            </a:r>
+            <a:endParaRPr sz="1500">
+              <a:solidFill>
+                <a:schemeClr val="dk1"/>
+              </a:solidFill>
+            </a:endParaRPr>
+          </a:p>
+          <a:p>
+            <a:pPr indent="0" lvl="0" marL="0" rtl="0" algn="l">
+              <a:lnSpc>
+                <a:spcPct val="115000"/>
+              </a:lnSpc>
+              <a:spcBef>
+                <a:spcPts val="0"/>
+              </a:spcBef>
+              <a:spcAft>
+                <a:spcPts val="0"/>
+              </a:spcAft>
+              <a:buNone/>
+            </a:pPr>
+            <a:r>
+              <a:rPr lang="ko" sz="1500">
+                <a:solidFill>
+                  <a:schemeClr val="dk1"/>
+                </a:solidFill>
+              </a:rPr>
+              <a:t>- MobileNet 기준 </a:t>
+            </a:r>
+            <a:endParaRPr sz="1500">
+              <a:solidFill>
+                <a:schemeClr val="dk1"/>
+              </a:solidFill>
+            </a:endParaRPr>
+          </a:p>
+          <a:p>
+            <a:pPr indent="0" lvl="0" marL="0" rtl="0" algn="l">
+              <a:lnSpc>
+                <a:spcPct val="115000"/>
+              </a:lnSpc>
+              <a:spcBef>
+                <a:spcPts val="0"/>
+              </a:spcBef>
+              <a:spcAft>
+                <a:spcPts val="0"/>
+              </a:spcAft>
+              <a:buNone/>
+            </a:pPr>
+            <a:r>
+              <a:rPr lang="ko" sz="1500">
+                <a:solidFill>
+                  <a:schemeClr val="dk1"/>
+                </a:solidFill>
+              </a:rPr>
+              <a:t>- RGB 표준화</a:t>
+            </a:r>
+            <a:r>
+              <a:rPr lang="ko" sz="1500">
+                <a:solidFill>
+                  <a:schemeClr val="dk1"/>
+                </a:solidFill>
+              </a:rPr>
+              <a:t>를 했을  때 loss, accuracy가 매우 빠른 속도로 수렴하여 과적합이 일어났다.</a:t>
+            </a:r>
+            <a:endParaRPr sz="1500">
+              <a:solidFill>
+                <a:schemeClr val="dk1"/>
+              </a:solidFill>
+            </a:endParaRPr>
+          </a:p>
+        </p:txBody>
+      </p:sp>
+      <p:sp>
+        <p:nvSpPr>
+          <p:cNvPr id="192" name="Google Shape;192;p25"/>
+          <p:cNvSpPr/>
+          <p:nvPr/>
+        </p:nvSpPr>
+        <p:spPr>
+          <a:xfrm>
+            <a:off x="469915" y="1025269"/>
+            <a:ext cx="802800" cy="36000"/>
+          </a:xfrm>
+          <a:prstGeom prst="rect">
+            <a:avLst/>
+          </a:prstGeom>
+          <a:solidFill>
+            <a:srgbClr val="FFCD05"/>
+          </a:solidFill>
+          <a:ln>
+            <a:noFill/>
+          </a:ln>
+        </p:spPr>
+        <p:txBody>
+          <a:bodyPr anchorCtr="0" anchor="ctr" bIns="34275" lIns="34275" spcFirstLastPara="1" rIns="34275" wrap="square" tIns="34275">
+            <a:noAutofit/>
+          </a:bodyPr>
+          <a:lstStyle/>
+          <a:p>
+            <a:pPr indent="0" lvl="0" marL="0" marR="0" rtl="0" algn="l">
+              <a:lnSpc>
+                <a:spcPct val="100000"/>
+              </a:lnSpc>
+              <a:spcBef>
+                <a:spcPts val="0"/>
+              </a:spcBef>
+              <a:spcAft>
+                <a:spcPts val="0"/>
+              </a:spcAft>
+              <a:buClr>
+                <a:srgbClr val="000000"/>
+              </a:buClr>
+              <a:buSzPts val="1400"/>
+              <a:buFont typeface="Arial"/>
+              <a:buNone/>
+            </a:pPr>
+            <a:r>
+              <a:t/>
+            </a:r>
+            <a:endParaRPr b="0" i="0" sz="1400" u="none" cap="none" strike="noStrike">
+              <a:solidFill>
+                <a:srgbClr val="000000"/>
+              </a:solidFill>
+              <a:latin typeface="Arial"/>
+              <a:ea typeface="Arial"/>
+              <a:cs typeface="Arial"/>
+              <a:sym typeface="Arial"/>
+            </a:endParaRPr>
+          </a:p>
+        </p:txBody>
+      </p:sp>
+      <p:sp>
+        <p:nvSpPr>
+          <p:cNvPr id="193" name="Google Shape;193;p25"/>
+          <p:cNvSpPr txBox="1"/>
+          <p:nvPr>
+            <p:ph type="title"/>
+          </p:nvPr>
+        </p:nvSpPr>
+        <p:spPr>
+          <a:xfrm>
+            <a:off x="390675" y="450919"/>
+            <a:ext cx="6720000" cy="533100"/>
+          </a:xfrm>
+          <a:prstGeom prst="rect">
+            <a:avLst/>
+          </a:prstGeom>
+          <a:noFill/>
+          <a:ln>
+            <a:noFill/>
+          </a:ln>
+        </p:spPr>
+        <p:txBody>
+          <a:bodyPr anchorCtr="0" anchor="ctr" bIns="34275" lIns="34275" spcFirstLastPara="1" rIns="34275" wrap="square" tIns="34275">
+            <a:normAutofit/>
+          </a:bodyPr>
+          <a:lstStyle/>
+          <a:p>
+            <a:pPr indent="0" lvl="0" marL="0" rtl="0" algn="l">
+              <a:lnSpc>
+                <a:spcPct val="90000"/>
+              </a:lnSpc>
+              <a:spcBef>
+                <a:spcPts val="0"/>
+              </a:spcBef>
+              <a:spcAft>
+                <a:spcPts val="0"/>
+              </a:spcAft>
+              <a:buClr>
+                <a:srgbClr val="FFFFFF"/>
+              </a:buClr>
+              <a:buSzPts val="2100"/>
+              <a:buFont typeface="Arial"/>
+              <a:buNone/>
+            </a:pPr>
+            <a:r>
+              <a:rPr lang="ko" sz="2100">
+                <a:solidFill>
+                  <a:srgbClr val="404040"/>
+                </a:solidFill>
+              </a:rPr>
+              <a:t>실험 결과</a:t>
+            </a:r>
+            <a:endParaRPr sz="2300">
+              <a:solidFill>
+                <a:srgbClr val="404040"/>
+              </a:solidFill>
+              <a:latin typeface="Arial"/>
+              <a:ea typeface="Arial"/>
+              <a:cs typeface="Arial"/>
+              <a:sym typeface="Arial"/>
+            </a:endParaRPr>
+          </a:p>
+        </p:txBody>
+      </p:sp>
+      <p:pic>
+        <p:nvPicPr>
+          <p:cNvPr id="194" name="Google Shape;194;p25"/>
+          <p:cNvPicPr preferRelativeResize="0"/>
+          <p:nvPr/>
+        </p:nvPicPr>
+        <p:blipFill rotWithShape="1">
+          <a:blip r:embed="rId3">
+            <a:alphaModFix/>
+          </a:blip>
+          <a:srcRect b="0" l="0" r="0" t="0"/>
+          <a:stretch/>
+        </p:blipFill>
+        <p:spPr>
+          <a:xfrm>
+            <a:off x="8204819" y="226331"/>
+            <a:ext cx="719411" cy="220950"/>
+          </a:xfrm>
+          <a:prstGeom prst="rect">
+            <a:avLst/>
+          </a:prstGeom>
+          <a:noFill/>
+          <a:ln>
+            <a:noFill/>
+          </a:ln>
+        </p:spPr>
+      </p:pic>
+      <p:pic>
+        <p:nvPicPr>
+          <p:cNvPr descr="image-2.png" id="195" name="Google Shape;195;p25"/>
+          <p:cNvPicPr preferRelativeResize="0"/>
+          <p:nvPr/>
+        </p:nvPicPr>
+        <p:blipFill>
+          <a:blip r:embed="rId4">
+            <a:alphaModFix/>
+          </a:blip>
+          <a:stretch>
+            <a:fillRect/>
+          </a:stretch>
+        </p:blipFill>
+        <p:spPr>
+          <a:xfrm>
+            <a:off x="838200" y="2503600"/>
+            <a:ext cx="7604642" cy="2487500"/>
+          </a:xfrm>
+          <a:prstGeom prst="rect">
+            <a:avLst/>
+          </a:prstGeom>
+          <a:noFill/>
+          <a:ln cap="flat" cmpd="sng" w="9525">
+            <a:solidFill>
+              <a:srgbClr val="000000"/>
+            </a:solidFill>
+            <a:prstDash val="solid"/>
+            <a:round/>
+            <a:headEnd len="sm" w="sm" type="none"/>
+            <a:tailEnd len="sm" w="sm" type="none"/>
+          </a:ln>
+        </p:spPr>
+      </p:pic>
+      <p:pic>
+        <p:nvPicPr>
+          <p:cNvPr descr="image-3.png" id="196" name="Google Shape;196;p25"/>
+          <p:cNvPicPr preferRelativeResize="0"/>
+          <p:nvPr/>
+        </p:nvPicPr>
+        <p:blipFill>
+          <a:blip r:embed="rId5">
+            <a:alphaModFix/>
+          </a:blip>
+          <a:stretch>
+            <a:fillRect/>
+          </a:stretch>
+        </p:blipFill>
+        <p:spPr>
+          <a:xfrm>
+            <a:off x="790500" y="2544333"/>
+            <a:ext cx="7604651" cy="2414292"/>
+          </a:xfrm>
+          <a:prstGeom prst="rect">
+            <a:avLst/>
+          </a:prstGeom>
+          <a:noFill/>
+          <a:ln cap="flat" cmpd="sng" w="9525">
+            <a:solidFill>
+              <a:srgbClr val="000000"/>
+            </a:solidFill>
+            <a:prstDash val="solid"/>
+            <a:round/>
+            <a:headEnd len="sm" w="sm" type="none"/>
+            <a:tailEnd len="sm" w="sm" type="none"/>
+          </a:ln>
+        </p:spPr>
+      </p:pic>
+    </p:spTree>
+  </p:cSld>
+  <p:clrMapOvr>
+    <a:masterClrMapping/>
+  </p:clrMapOvr>
+  <p:timing>
+    <p:tnLst>
+      <p:par>
+        <p:cTn dur="indefinite" nodeType="tmRoot" restart="never">
+          <p:childTnLst>
+            <p:seq concurrent="1" nextAc="seek">
+              <p:cTn dur="indefinite" id="2" nodeType="mainSeq">
+                <p:childTnLst>
+                  <p:par>
+                    <p:cTn fill="hold">
+                      <p:stCondLst>
+                        <p:cond delay="indefinite"/>
+                      </p:stCondLst>
+                      <p:childTnLst>
+                        <p:par>
+                          <p:cTn fill="hold">
+                            <p:stCondLst>
+                              <p:cond delay="0"/>
+                            </p:stCondLst>
+                            <p:childTnLst>
+                              <p:par>
+                                <p:cTn fill="hold" nodeType="clickEffect" presetClass="entr" presetID="1" presetSubtype="0">
+                                  <p:stCondLst>
+                                    <p:cond delay="0"/>
+                                  </p:stCondLst>
+                                  <p:childTnLst>
+                                    <p:set>
+                                      <p:cBhvr>
+                                        <p:cTn dur="1" fill="hold">
+                                          <p:stCondLst>
+                                            <p:cond delay="0"/>
+                                          </p:stCondLst>
+                                        </p:cTn>
+                                        <p:tgtEl>
+                                          <p:spTgt spid="195"/>
+                                        </p:tgtEl>
+                                        <p:attrNameLst>
+                                          <p:attrName>style.visibility</p:attrName>
+                                        </p:attrNameLst>
+                                      </p:cBhvr>
+                                      <p:to>
+                                        <p:strVal val="visible"/>
+                                      </p:to>
+                                    </p:set>
+                                  </p:childTnLst>
+                                </p:cTn>
+                              </p:par>
+                            </p:childTnLst>
+                          </p:cTn>
+                        </p:par>
+                      </p:childTnLst>
+                    </p:cTn>
+                  </p:par>
                   <p:par>
                     <p:cTn fill="hold">
                       <p:stCondLst>
@@ -10424,7 +11017,7 @@
                                           </p:stCondLst>
                                         </p:cTn>
                                         <p:tgtEl>
-                                          <p:spTgt spid="186"/>
+                                          <p:spTgt spid="195"/>
                                         </p:tgtEl>
                                         <p:attrNameLst>
                                           <p:attrName>style.visibility</p:attrName>
@@ -10469,7 +11062,7 @@
                                           </p:stCondLst>
                                         </p:cTn>
                                         <p:tgtEl>
-                                          <p:spTgt spid="187"/>
+                                          <p:spTgt spid="196"/>
                                         </p:tgtEl>
                                         <p:attrNameLst>
                                           <p:attrName>style.visibility</p:attrName>
@@ -10525,7 +11118,7 @@
     </p:bg>
     <p:spTree>
       <p:nvGrpSpPr>
-        <p:cNvPr id="191" name="Shape 191"/>
+        <p:cNvPr id="200" name="Shape 200"/>
         <p:cNvGrpSpPr/>
         <p:nvPr/>
       </p:nvGrpSpPr>
@@ -10539,7 +11132,7 @@
       </p:grpSpPr>
       <p:sp>
         <p:nvSpPr>
-          <p:cNvPr id="192" name="Google Shape;192;p26"/>
+          <p:cNvPr id="201" name="Google Shape;201;p26"/>
           <p:cNvSpPr txBox="1"/>
           <p:nvPr/>
         </p:nvSpPr>
@@ -10670,7 +11263,7 @@
       </p:sp>
       <p:sp>
         <p:nvSpPr>
-          <p:cNvPr id="193" name="Google Shape;193;p26"/>
+          <p:cNvPr id="202" name="Google Shape;202;p26"/>
           <p:cNvSpPr/>
           <p:nvPr/>
         </p:nvSpPr>
@@ -10729,7 +11322,7 @@
       </p:sp>
       <p:sp>
         <p:nvSpPr>
-          <p:cNvPr id="194" name="Google Shape;194;p26"/>
+          <p:cNvPr id="203" name="Google Shape;203;p26"/>
           <p:cNvSpPr txBox="1"/>
           <p:nvPr>
             <p:ph type="title"/>
@@ -10793,7 +11386,7 @@
       </p:sp>
       <p:pic>
         <p:nvPicPr>
-          <p:cNvPr id="195" name="Google Shape;195;p26"/>
+          <p:cNvPr id="204" name="Google Shape;204;p26"/>
           <p:cNvPicPr preferRelativeResize="0"/>
           <p:nvPr/>
         </p:nvPicPr>
@@ -10820,7 +11413,7 @@
       </p:pic>
       <p:pic>
         <p:nvPicPr>
-          <p:cNvPr id="196" name="Google Shape;196;p26"/>
+          <p:cNvPr id="205" name="Google Shape;205;p26"/>
           <p:cNvPicPr preferRelativeResize="0"/>
           <p:nvPr/>
         </p:nvPicPr>
@@ -10854,7 +11447,7 @@
       </p:pic>
       <p:pic>
         <p:nvPicPr>
-          <p:cNvPr id="197" name="Google Shape;197;p26"/>
+          <p:cNvPr id="206" name="Google Shape;206;p26"/>
           <p:cNvPicPr preferRelativeResize="0"/>
           <p:nvPr/>
         </p:nvPicPr>
@@ -10925,7 +11518,7 @@
                                           </p:stCondLst>
                                         </p:cTn>
                                         <p:tgtEl>
-                                          <p:spTgt spid="196"/>
+                                          <p:spTgt spid="205"/>
                                         </p:tgtEl>
                                         <p:attrNameLst>
                                           <p:attrName>style.visibility</p:attrName>
@@ -10970,7 +11563,7 @@
                                           </p:stCondLst>
                                         </p:cTn>
                                         <p:tgtEl>
-                                          <p:spTgt spid="196"/>
+                                          <p:spTgt spid="205"/>
                                         </p:tgtEl>
                                         <p:attrNameLst>
                                           <p:attrName>style.visibility</p:attrName>
@@ -11015,7 +11608,7 @@
                                           </p:stCondLst>
                                         </p:cTn>
                                         <p:tgtEl>
-                                          <p:spTgt spid="197"/>
+                                          <p:spTgt spid="206"/>
                                         </p:tgtEl>
                                         <p:attrNameLst>
                                           <p:attrName>style.visibility</p:attrName>
@@ -11071,7 +11664,7 @@
     </p:bg>
     <p:spTree>
       <p:nvGrpSpPr>
-        <p:cNvPr id="201" name="Shape 201"/>
+        <p:cNvPr id="210" name="Shape 210"/>
         <p:cNvGrpSpPr/>
         <p:nvPr/>
       </p:nvGrpSpPr>
@@ -11085,7 +11678,7 @@
       </p:grpSpPr>
       <p:pic>
         <p:nvPicPr>
-          <p:cNvPr id="202" name="Google Shape;202;p27"/>
+          <p:cNvPr id="211" name="Google Shape;211;p27"/>
           <p:cNvPicPr preferRelativeResize="0"/>
           <p:nvPr/>
         </p:nvPicPr>
@@ -11119,7 +11712,7 @@
       </p:pic>
       <p:sp>
         <p:nvSpPr>
-          <p:cNvPr id="203" name="Google Shape;203;p27"/>
+          <p:cNvPr id="212" name="Google Shape;212;p27"/>
           <p:cNvSpPr txBox="1"/>
           <p:nvPr/>
         </p:nvSpPr>
@@ -11245,7 +11838,7 @@
       </p:sp>
       <p:sp>
         <p:nvSpPr>
-          <p:cNvPr id="204" name="Google Shape;204;p27"/>
+          <p:cNvPr id="213" name="Google Shape;213;p27"/>
           <p:cNvSpPr/>
           <p:nvPr/>
         </p:nvSpPr>
@@ -11304,7 +11897,7 @@
       </p:sp>
       <p:sp>
         <p:nvSpPr>
-          <p:cNvPr id="205" name="Google Shape;205;p27"/>
+          <p:cNvPr id="214" name="Google Shape;214;p27"/>
           <p:cNvSpPr txBox="1"/>
           <p:nvPr>
             <p:ph type="title"/>
@@ -11368,7 +11961,7 @@
       </p:sp>
       <p:pic>
         <p:nvPicPr>
-          <p:cNvPr id="206" name="Google Shape;206;p27"/>
+          <p:cNvPr id="215" name="Google Shape;215;p27"/>
           <p:cNvPicPr preferRelativeResize="0"/>
           <p:nvPr/>
         </p:nvPicPr>
@@ -11395,7 +11988,7 @@
       </p:pic>
       <p:pic>
         <p:nvPicPr>
-          <p:cNvPr id="207" name="Google Shape;207;p27"/>
+          <p:cNvPr id="216" name="Google Shape;216;p27"/>
           <p:cNvPicPr preferRelativeResize="0"/>
           <p:nvPr/>
         </p:nvPicPr>
@@ -11466,7 +12059,7 @@
                                           </p:stCondLst>
                                         </p:cTn>
                                         <p:tgtEl>
-                                          <p:spTgt spid="202"/>
+                                          <p:spTgt spid="211"/>
                                         </p:tgtEl>
                                         <p:attrNameLst>
                                           <p:attrName>style.visibility</p:attrName>
@@ -11511,7 +12104,7 @@
                                           </p:stCondLst>
                                         </p:cTn>
                                         <p:tgtEl>
-                                          <p:spTgt spid="202"/>
+                                          <p:spTgt spid="211"/>
                                         </p:tgtEl>
                                         <p:attrNameLst>
                                           <p:attrName>style.visibility</p:attrName>
@@ -11556,7 +12149,7 @@
                                           </p:stCondLst>
                                         </p:cTn>
                                         <p:tgtEl>
-                                          <p:spTgt spid="207"/>
+                                          <p:spTgt spid="216"/>
                                         </p:tgtEl>
                                         <p:attrNameLst>
                                           <p:attrName>style.visibility</p:attrName>
@@ -11612,7 +12205,7 @@
     </p:bg>
     <p:spTree>
       <p:nvGrpSpPr>
-        <p:cNvPr id="211" name="Shape 211"/>
+        <p:cNvPr id="220" name="Shape 220"/>
         <p:cNvGrpSpPr/>
         <p:nvPr/>
       </p:nvGrpSpPr>
@@ -11626,7 +12219,7 @@
       </p:grpSpPr>
       <p:sp>
         <p:nvSpPr>
-          <p:cNvPr id="212" name="Google Shape;212;p28"/>
+          <p:cNvPr id="221" name="Google Shape;221;p28"/>
           <p:cNvSpPr txBox="1"/>
           <p:nvPr/>
         </p:nvSpPr>
@@ -11676,7 +12269,7 @@
                 <a:cs typeface="Helvetica Neue"/>
                 <a:sym typeface="Helvetica Neue"/>
               </a:rPr>
-              <a:t>모델이 과적합 되어 있으므로 Dropout을 이용한 규제화</a:t>
+              <a:t>과적합 규제화</a:t>
             </a:r>
             <a:endParaRPr sz="1500">
               <a:solidFill>
@@ -11689,7 +12282,7 @@
             </a:endParaRPr>
           </a:p>
           <a:p>
-            <a:pPr indent="-260350" lvl="0" marL="342900" marR="0" rtl="0" algn="l">
+            <a:pPr indent="-260350" lvl="1" marL="685800" marR="0" rtl="0" algn="l">
               <a:lnSpc>
                 <a:spcPct val="115000"/>
               </a:lnSpc>
@@ -11704,7 +12297,7 @@
               </a:buClr>
               <a:buSzPts val="1500"/>
               <a:buFont typeface="Helvetica Neue"/>
-              <a:buChar char="•"/>
+              <a:buChar char="○"/>
             </a:pPr>
             <a:r>
               <a:rPr lang="ko" sz="1500">
@@ -11716,7 +12309,47 @@
                 <a:cs typeface="Helvetica Neue"/>
                 <a:sym typeface="Helvetica Neue"/>
               </a:rPr>
-              <a:t>Dropout을 적용했을 때 DenseNet의 val_loss, val_accuray가 과적합을 피하는 모습을 보임</a:t>
+              <a:t>Dropout을 이용한 규제화</a:t>
+            </a:r>
+            <a:endParaRPr sz="1500">
+              <a:solidFill>
+                <a:srgbClr val="333333"/>
+              </a:solidFill>
+              <a:latin typeface="Helvetica Neue"/>
+              <a:ea typeface="Helvetica Neue"/>
+              <a:cs typeface="Helvetica Neue"/>
+              <a:sym typeface="Helvetica Neue"/>
+            </a:endParaRPr>
+          </a:p>
+          <a:p>
+            <a:pPr indent="-260350" lvl="1" marL="685800" marR="0" rtl="0" algn="l">
+              <a:lnSpc>
+                <a:spcPct val="115000"/>
+              </a:lnSpc>
+              <a:spcBef>
+                <a:spcPts val="0"/>
+              </a:spcBef>
+              <a:spcAft>
+                <a:spcPts val="0"/>
+              </a:spcAft>
+              <a:buClr>
+                <a:srgbClr val="333333"/>
+              </a:buClr>
+              <a:buSzPts val="1500"/>
+              <a:buFont typeface="Helvetica Neue"/>
+              <a:buChar char="○"/>
+            </a:pPr>
+            <a:r>
+              <a:rPr lang="ko" sz="1500">
+                <a:solidFill>
+                  <a:srgbClr val="333333"/>
+                </a:solidFill>
+                <a:latin typeface="Helvetica Neue"/>
+                <a:ea typeface="Helvetica Neue"/>
+                <a:cs typeface="Helvetica Neue"/>
+                <a:sym typeface="Helvetica Neue"/>
+              </a:rPr>
+              <a:t>재학습 layer 개수 감수</a:t>
             </a:r>
             <a:endParaRPr sz="1500">
               <a:solidFill>
@@ -11732,7 +12365,7 @@
       </p:sp>
       <p:sp>
         <p:nvSpPr>
-          <p:cNvPr id="213" name="Google Shape;213;p28"/>
+          <p:cNvPr id="222" name="Google Shape;222;p28"/>
           <p:cNvSpPr/>
           <p:nvPr/>
         </p:nvSpPr>
@@ -11791,7 +12424,7 @@
       </p:sp>
       <p:sp>
         <p:nvSpPr>
-          <p:cNvPr id="214" name="Google Shape;214;p28"/>
+          <p:cNvPr id="223" name="Google Shape;223;p28"/>
           <p:cNvSpPr txBox="1"/>
           <p:nvPr>
             <p:ph type="title"/>
@@ -11855,7 +12488,516 @@
       </p:sp>
       <p:pic>
         <p:nvPicPr>
-          <p:cNvPr id="215" name="Google Shape;215;p28"/>
+          <p:cNvPr id="224" name="Google Shape;224;p28"/>
+          <p:cNvPicPr preferRelativeResize="0"/>
+          <p:nvPr/>
+        </p:nvPicPr>
+        <p:blipFill rotWithShape="1">
+          <a:blip r:embed="rId3">
+            <a:alphaModFix/>
+          </a:blip>
+          <a:srcRect b="0" l="0" r="0" t="0"/>
+          <a:stretch/>
+        </p:blipFill>
+        <p:spPr>
+          <a:xfrm>
+            <a:off x="8204819" y="226331"/>
+            <a:ext cx="719411" cy="220950"/>
+          </a:xfrm>
+          <a:prstGeom prst="rect">
+            <a:avLst/>
+          </a:prstGeom>
+          <a:noFill/>
+          <a:ln>
+            <a:noFill/>
+          </a:ln>
+        </p:spPr>
+      </p:pic>
+      <p:pic>
+        <p:nvPicPr>
+          <p:cNvPr id="225" name="Google Shape;225;p28"/>
+          <p:cNvPicPr preferRelativeResize="0"/>
+          <p:nvPr/>
+        </p:nvPicPr>
+        <p:blipFill>
+          <a:blip r:embed="rId4">
+            <a:alphaModFix/>
+          </a:blip>
+          <a:stretch>
+            <a:fillRect/>
+          </a:stretch>
+        </p:blipFill>
+        <p:spPr>
+          <a:xfrm>
+            <a:off x="276225" y="1940600"/>
+            <a:ext cx="8134350" cy="2943225"/>
+          </a:xfrm>
+          <a:prstGeom prst="rect">
+            <a:avLst/>
+          </a:prstGeom>
+          <a:noFill/>
+          <a:ln>
+            <a:noFill/>
+          </a:ln>
+        </p:spPr>
+      </p:pic>
+      <p:pic>
+        <p:nvPicPr>
+          <p:cNvPr id="226" name="Google Shape;226;p28"/>
+          <p:cNvPicPr preferRelativeResize="0"/>
+          <p:nvPr/>
+        </p:nvPicPr>
+        <p:blipFill>
+          <a:blip r:embed="rId5">
+            <a:alphaModFix/>
+          </a:blip>
+          <a:stretch>
+            <a:fillRect/>
+          </a:stretch>
+        </p:blipFill>
+        <p:spPr>
+          <a:xfrm>
+            <a:off x="4298025" y="1845338"/>
+            <a:ext cx="4514850" cy="3133725"/>
+          </a:xfrm>
+          <a:prstGeom prst="rect">
+            <a:avLst/>
+          </a:prstGeom>
+          <a:noFill/>
+          <a:ln>
+            <a:noFill/>
+          </a:ln>
+        </p:spPr>
+      </p:pic>
+    </p:spTree>
+  </p:cSld>
+  <p:clrMapOvr>
+    <a:masterClrMapping/>
+  </p:clrMapOvr>
+  <p:timing>
+    <p:tnLst>
+      <p:par>
+        <p:cTn dur="indefinite" nodeType="tmRoot" restart="never">
+          <p:childTnLst>
+            <p:seq concurrent="1" nextAc="seek">
+              <p:cTn dur="indefinite" id="2" nodeType="mainSeq">
+                <p:childTnLst>
+                  <p:par>
+                    <p:cTn fill="hold">
+                      <p:stCondLst>
+                        <p:cond delay="indefinite"/>
+                      </p:stCondLst>
+                      <p:childTnLst>
+                        <p:par>
+                          <p:cTn fill="hold">
+                            <p:stCondLst>
+                              <p:cond delay="0"/>
+                            </p:stCondLst>
+                            <p:childTnLst>
+                              <p:par>
+                                <p:cTn fill="hold" nodeType="clickEffect" presetClass="entr" presetID="1" presetSubtype="0">
+                                  <p:stCondLst>
+                                    <p:cond delay="0"/>
+                                  </p:stCondLst>
+                                  <p:childTnLst>
+                                    <p:set>
+                                      <p:cBhvr>
+                                        <p:cTn dur="1" fill="hold">
+                                          <p:stCondLst>
+                                            <p:cond delay="0"/>
+                                          </p:stCondLst>
+                                        </p:cTn>
+                                        <p:tgtEl>
+                                          <p:spTgt spid="226"/>
+                                        </p:tgtEl>
+                                        <p:attrNameLst>
+                                          <p:attrName>style.visibility</p:attrName>
+                                        </p:attrNameLst>
+                                      </p:cBhvr>
+                                      <p:to>
+                                        <p:strVal val="visible"/>
+                                      </p:to>
+                                    </p:set>
+                                  </p:childTnLst>
+                                </p:cTn>
+                              </p:par>
+                            </p:childTnLst>
+                          </p:cTn>
+                        </p:par>
+                      </p:childTnLst>
+                    </p:cTn>
+                  </p:par>
+                  <p:par>
+                    <p:cTn fill="hold">
+                      <p:stCondLst>
+                        <p:cond delay="indefinite"/>
+                      </p:stCondLst>
+                      <p:childTnLst>
+                        <p:par>
+                          <p:cTn fill="hold">
+                            <p:stCondLst>
+                              <p:cond delay="0"/>
+                            </p:stCondLst>
+                            <p:childTnLst>
+                              <p:par>
+                                <p:cTn fill="hold" nodeType="clickEffect" presetClass="exit" presetID="1" presetSubtype="0">
+                                  <p:stCondLst>
+                                    <p:cond delay="0"/>
+                                  </p:stCondLst>
+                                  <p:childTnLst>
+                                    <p:set>
+                                      <p:cBhvr>
+                                        <p:cTn dur="1" fill="hold">
+                                          <p:stCondLst>
+                                            <p:cond delay="0"/>
+                                          </p:stCondLst>
+                                        </p:cTn>
+                                        <p:tgtEl>
+                                          <p:spTgt spid="226"/>
+                                        </p:tgtEl>
+                                        <p:attrNameLst>
+                                          <p:attrName>style.visibility</p:attrName>
+                                        </p:attrNameLst>
+                                      </p:cBhvr>
+                                      <p:to>
+                                        <p:strVal val="hidden"/>
+                                      </p:to>
+                                    </p:set>
+                                  </p:childTnLst>
+                                </p:cTn>
+                              </p:par>
+                            </p:childTnLst>
+                          </p:cTn>
+                        </p:par>
+                      </p:childTnLst>
+                    </p:cTn>
+                  </p:par>
+                  <p:par>
+                    <p:cTn fill="hold">
+                      <p:stCondLst>
+                        <p:cond delay="indefinite"/>
+                      </p:stCondLst>
+                      <p:childTnLst>
+                        <p:par>
+                          <p:cTn fill="hold">
+                            <p:stCondLst>
+                              <p:cond delay="0"/>
+                            </p:stCondLst>
+                            <p:childTnLst>
+                              <p:par>
+                                <p:cTn fill="hold" nodeType="clickEffect" presetClass="entr" presetID="1" presetSubtype="0">
+                                  <p:stCondLst>
+                                    <p:cond delay="0"/>
+                                  </p:stCondLst>
+                                  <p:childTnLst>
+                                    <p:set>
+                                      <p:cBhvr>
+                                        <p:cTn dur="1" fill="hold">
+                                          <p:stCondLst>
+                                            <p:cond delay="0"/>
+                                          </p:stCondLst>
+                                        </p:cTn>
+                                        <p:tgtEl>
+                                          <p:spTgt spid="225"/>
+                                        </p:tgtEl>
+                                        <p:attrNameLst>
+                                          <p:attrName>style.visibility</p:attrName>
+                                        </p:attrNameLst>
+                                      </p:cBhvr>
+                                      <p:to>
+                                        <p:strVal val="visible"/>
+                                      </p:to>
+                                    </p:set>
+                                  </p:childTnLst>
+                                </p:cTn>
+                              </p:par>
+                            </p:childTnLst>
+                          </p:cTn>
+                        </p:par>
+                      </p:childTnLst>
+                    </p:cTn>
+                  </p:par>
+                </p:childTnLst>
+              </p:cTn>
+              <p:prevCondLst>
+                <p:cond evt="onPrev">
+                  <p:tgtEl>
+                    <p:sldTgt/>
+                  </p:tgtEl>
+                </p:cond>
+              </p:prevCondLst>
+              <p:nextCondLst>
+                <p:cond evt="onNext">
+                  <p:tgtEl>
+                    <p:sldTgt/>
+                  </p:tgtEl>
+                </p:cond>
+              </p:nextCondLst>
+            </p:seq>
+          </p:childTnLst>
+        </p:cTn>
+      </p:par>
+    </p:tnLst>
+  </p:timing>
+</p:sld>
+</file>
+
+<file path=ppt/slides/slide15.xml><?xml version="1.0" encoding="utf-8"?>
+<p:sld xmlns:a="http://schemas.openxmlformats.org/drawingml/2006/main" xmlns:r="http://schemas.openxmlformats.org/officeDocument/2006/relationships" xmlns:mc="http://schemas.openxmlformats.org/markup-compatibility/2006" xmlns:mv="urn:schemas-microsoft-com:mac:vml" xmlns:p="http://schemas.openxmlformats.org/presentationml/2006/main" xmlns:c="http://schemas.openxmlformats.org/drawingml/2006/chart" xmlns:dgm="http://schemas.openxmlformats.org/drawingml/2006/diagram" xmlns:o="urn:schemas-microsoft-com:office:office" xmlns:v="urn:schemas-microsoft-com:vml" xmlns:pvml="urn:schemas-microsoft-com:office:powerpoint" xmlns:com="http://schemas.openxmlformats.org/drawingml/2006/compatibility" xmlns:p14="http://schemas.microsoft.com/office/powerpoint/2010/main" xmlns:p15="http://schemas.microsoft.com/office/powerpoint/2012/main" xmlns:ahyp="http://schemas.microsoft.com/office/drawing/2018/hyperlinkcolor">
+  <p:cSld>
+    <p:bg>
+      <p:bgPr>
+        <a:solidFill>
+          <a:srgbClr val="FFFFFF"/>
+        </a:solidFill>
+      </p:bgPr>
+    </p:bg>
+    <p:spTree>
+      <p:nvGrpSpPr>
+        <p:cNvPr id="230" name="Shape 230"/>
+        <p:cNvGrpSpPr/>
+        <p:nvPr/>
+      </p:nvGrpSpPr>
+      <p:grpSpPr>
+        <a:xfrm>
+          <a:off x="0" y="0"/>
+          <a:ext cx="0" cy="0"/>
+          <a:chOff x="0" y="0"/>
+          <a:chExt cx="0" cy="0"/>
+        </a:xfrm>
+      </p:grpSpPr>
+      <p:sp>
+        <p:nvSpPr>
+          <p:cNvPr id="231" name="Google Shape;231;p29"/>
+          <p:cNvSpPr txBox="1"/>
+          <p:nvPr/>
+        </p:nvSpPr>
+        <p:spPr>
+          <a:xfrm>
+            <a:off x="443757" y="1254400"/>
+            <a:ext cx="8096700" cy="565500"/>
+          </a:xfrm>
+          <a:prstGeom prst="rect">
+            <a:avLst/>
+          </a:prstGeom>
+          <a:noFill/>
+          <a:ln>
+            <a:noFill/>
+          </a:ln>
+        </p:spPr>
+        <p:txBody>
+          <a:bodyPr anchorCtr="0" anchor="t" bIns="34275" lIns="34275" spcFirstLastPara="1" rIns="34275" wrap="square" tIns="34275">
+            <a:spAutoFit/>
+          </a:bodyPr>
+          <a:lstStyle/>
+          <a:p>
+            <a:pPr indent="-260350" lvl="0" marL="342900" marR="0" rtl="0" algn="l">
+              <a:lnSpc>
+                <a:spcPct val="115000"/>
+              </a:lnSpc>
+              <a:spcBef>
+                <a:spcPts val="0"/>
+              </a:spcBef>
+              <a:spcAft>
+                <a:spcPts val="0"/>
+              </a:spcAft>
+              <a:buClr>
+                <a:srgbClr val="333333"/>
+              </a:buClr>
+              <a:buSzPts val="1500"/>
+              <a:buFont typeface="Helvetica Neue"/>
+              <a:buChar char="•"/>
+            </a:pPr>
+            <a:r>
+              <a:rPr lang="ko" sz="1500">
+                <a:solidFill>
+                  <a:srgbClr val="333333"/>
+                </a:solidFill>
+                <a:latin typeface="Helvetica Neue"/>
+                <a:ea typeface="Helvetica Neue"/>
+                <a:cs typeface="Helvetica Neue"/>
+                <a:sym typeface="Helvetica Neue"/>
+              </a:rPr>
+              <a:t>규제를 적용했을 때 모델들의 val_loss, val_accuracy가 과적합을 피하는 모습을 보인다.</a:t>
+            </a:r>
+            <a:endParaRPr sz="1500">
+              <a:solidFill>
+                <a:srgbClr val="333333"/>
+              </a:solidFill>
+              <a:latin typeface="Helvetica Neue"/>
+              <a:ea typeface="Helvetica Neue"/>
+              <a:cs typeface="Helvetica Neue"/>
+              <a:sym typeface="Helvetica Neue"/>
+            </a:endParaRPr>
+          </a:p>
+          <a:p>
+            <a:pPr indent="-260350" lvl="0" marL="342900" marR="0" rtl="0" algn="l">
+              <a:lnSpc>
+                <a:spcPct val="115000"/>
+              </a:lnSpc>
+              <a:spcBef>
+                <a:spcPts val="0"/>
+              </a:spcBef>
+              <a:spcAft>
+                <a:spcPts val="0"/>
+              </a:spcAft>
+              <a:buClr>
+                <a:srgbClr val="333333"/>
+              </a:buClr>
+              <a:buSzPts val="1500"/>
+              <a:buFont typeface="Helvetica Neue"/>
+              <a:buChar char="•"/>
+            </a:pPr>
+            <a:r>
+              <a:rPr lang="ko" sz="1500">
+                <a:solidFill>
+                  <a:srgbClr val="333333"/>
+                </a:solidFill>
+                <a:latin typeface="Helvetica Neue"/>
+                <a:ea typeface="Helvetica Neue"/>
+                <a:cs typeface="Helvetica Neue"/>
+                <a:sym typeface="Helvetica Neue"/>
+              </a:rPr>
+              <a:t>그 중에서 과적합 규제 효과가 가장 좋았던 DenseNet V2를 최종 모델로 선정했다.</a:t>
+            </a:r>
+            <a:endParaRPr sz="1500">
+              <a:solidFill>
+                <a:srgbClr val="333333"/>
+              </a:solidFill>
+              <a:latin typeface="Helvetica Neue"/>
+              <a:ea typeface="Helvetica Neue"/>
+              <a:cs typeface="Helvetica Neue"/>
+              <a:sym typeface="Helvetica Neue"/>
+            </a:endParaRPr>
+          </a:p>
+        </p:txBody>
+      </p:sp>
+      <p:sp>
+        <p:nvSpPr>
+          <p:cNvPr id="232" name="Google Shape;232;p29"/>
+          <p:cNvSpPr/>
+          <p:nvPr/>
+        </p:nvSpPr>
+        <p:spPr>
+          <a:xfrm>
+            <a:off x="469915" y="1025269"/>
+            <a:ext cx="802800" cy="36000"/>
+          </a:xfrm>
+          <a:prstGeom prst="rect">
+            <a:avLst/>
+          </a:prstGeom>
+          <a:solidFill>
+            <a:srgbClr val="FFCD05"/>
+          </a:solidFill>
+          <a:ln>
+            <a:noFill/>
+          </a:ln>
+        </p:spPr>
+        <p:txBody>
+          <a:bodyPr anchorCtr="0" anchor="ctr" bIns="34275" lIns="34275" spcFirstLastPara="1" rIns="34275" wrap="square" tIns="34275">
+            <a:noAutofit/>
+          </a:bodyPr>
+          <a:lstStyle/>
+          <a:p>
+            <a:pPr indent="0" lvl="0" marL="0" marR="0" rtl="0" algn="l">
+              <a:lnSpc>
+                <a:spcPct val="100000"/>
+              </a:lnSpc>
+              <a:spcBef>
+                <a:spcPts val="0"/>
+              </a:spcBef>
+              <a:spcAft>
+                <a:spcPts val="0"/>
+              </a:spcAft>
+              <a:buClr>
+                <a:srgbClr val="000000"/>
+              </a:buClr>
+              <a:buSzPts val="1400"/>
+              <a:buFont typeface="Arial"/>
+              <a:buNone/>
+            </a:pPr>
+            <a:r>
+              <a:t/>
+            </a:r>
+            <a:endParaRPr b="0" i="0" sz="1400" u="none" cap="none" strike="noStrike">
+              <a:solidFill>
+                <a:srgbClr val="000000"/>
+              </a:solidFill>
+              <a:latin typeface="Arial"/>
+              <a:ea typeface="Arial"/>
+              <a:cs typeface="Arial"/>
+              <a:sym typeface="Arial"/>
+            </a:endParaRPr>
+          </a:p>
+        </p:txBody>
+      </p:sp>
+      <p:sp>
+        <p:nvSpPr>
+          <p:cNvPr id="233" name="Google Shape;233;p29"/>
+          <p:cNvSpPr txBox="1"/>
+          <p:nvPr>
+            <p:ph type="title"/>
+          </p:nvPr>
+        </p:nvSpPr>
+        <p:spPr>
+          <a:xfrm>
+            <a:off x="390675" y="450919"/>
+            <a:ext cx="6720000" cy="533100"/>
+          </a:xfrm>
+          <a:prstGeom prst="rect">
+            <a:avLst/>
+          </a:prstGeom>
+          <a:noFill/>
+          <a:ln>
+            <a:noFill/>
+          </a:ln>
+        </p:spPr>
+        <p:txBody>
+          <a:bodyPr anchorCtr="0" anchor="ctr" bIns="34275" lIns="34275" spcFirstLastPara="1" rIns="34275" wrap="square" tIns="34275">
+            <a:normAutofit/>
+          </a:bodyPr>
+          <a:lstStyle/>
+          <a:p>
+            <a:pPr indent="0" lvl="0" marL="0" rtl="0" algn="l">
+              <a:lnSpc>
+                <a:spcPct val="90000"/>
+              </a:lnSpc>
+              <a:spcBef>
+                <a:spcPts val="0"/>
+              </a:spcBef>
+              <a:spcAft>
+                <a:spcPts val="0"/>
+              </a:spcAft>
+              <a:buClr>
+                <a:srgbClr val="FFFFFF"/>
+              </a:buClr>
+              <a:buSzPts val="2100"/>
+              <a:buFont typeface="Arial"/>
+              <a:buNone/>
+            </a:pPr>
+            <a:r>
+              <a:rPr lang="ko" sz="2100">
+                <a:solidFill>
+                  <a:srgbClr val="404040"/>
+                </a:solidFill>
+              </a:rPr>
+              <a:t>과적합 규제와 최종 모델 선정 (DenseNet V2)</a:t>
+            </a:r>
+            <a:endParaRPr sz="2300">
+              <a:solidFill>
+                <a:srgbClr val="404040"/>
+              </a:solidFill>
+              <a:latin typeface="Arial"/>
+              <a:ea typeface="Arial"/>
+              <a:cs typeface="Arial"/>
+              <a:sym typeface="Arial"/>
+            </a:endParaRPr>
+          </a:p>
+        </p:txBody>
+      </p:sp>
+      <p:pic>
+        <p:nvPicPr>
+          <p:cNvPr id="234" name="Google Shape;234;p29"/>
           <p:cNvPicPr preferRelativeResize="0"/>
           <p:nvPr/>
         </p:nvPicPr>
@@ -11889,7 +13031,7 @@
       </p:pic>
       <p:pic>
         <p:nvPicPr>
-          <p:cNvPr id="216" name="Google Shape;216;p28"/>
+          <p:cNvPr id="235" name="Google Shape;235;p29"/>
           <p:cNvPicPr preferRelativeResize="0"/>
           <p:nvPr/>
         </p:nvPicPr>
@@ -11916,7 +13058,7 @@
       </p:pic>
       <p:pic>
         <p:nvPicPr>
-          <p:cNvPr id="217" name="Google Shape;217;p28"/>
+          <p:cNvPr id="236" name="Google Shape;236;p29"/>
           <p:cNvPicPr preferRelativeResize="0"/>
           <p:nvPr/>
         </p:nvPicPr>
@@ -11950,7 +13092,7 @@
       </p:pic>
       <p:pic>
         <p:nvPicPr>
-          <p:cNvPr id="218" name="Google Shape;218;p28"/>
+          <p:cNvPr id="237" name="Google Shape;237;p29"/>
           <p:cNvPicPr preferRelativeResize="0"/>
           <p:nvPr/>
         </p:nvPicPr>
@@ -11964,7 +13106,7 @@
         </p:blipFill>
         <p:spPr>
           <a:xfrm>
-            <a:off x="713600" y="2239388"/>
+            <a:off x="539450" y="2239388"/>
             <a:ext cx="8153400" cy="2667000"/>
           </a:xfrm>
           <a:prstGeom prst="rect">
@@ -11984,7 +13126,7 @@
       </p:pic>
       <p:pic>
         <p:nvPicPr>
-          <p:cNvPr id="219" name="Google Shape;219;p28"/>
+          <p:cNvPr id="238" name="Google Shape;238;p29"/>
           <p:cNvPicPr preferRelativeResize="0"/>
           <p:nvPr/>
         </p:nvPicPr>
@@ -12049,7 +13191,7 @@
                                           </p:stCondLst>
                                         </p:cTn>
                                         <p:tgtEl>
-                                          <p:spTgt spid="215"/>
+                                          <p:spTgt spid="234"/>
                                         </p:tgtEl>
                                         <p:attrNameLst>
                                           <p:attrName>style.visibility</p:attrName>
@@ -12094,7 +13236,52 @@
                                           </p:stCondLst>
                                         </p:cTn>
                                         <p:tgtEl>
-                                          <p:spTgt spid="215"/>
+                                          <p:spTgt spid="234"/>
+                                        </p:tgtEl>
+                                        <p:attrNameLst>
+                                          <p:attrName>style.visibility</p:attrName>
+                                        </p:attrNameLst>
+                                      </p:cBhvr>
+                                      <p:to>
+                                        <p:strVal val="hidden"/>
+                                      </p:to>
+                                    </p:set>
+                                  </p:childTnLst>
+                                </p:cTn>
+                              </p:par>
+                            </p:childTnLst>
+                          </p:cTn>
+                        </p:par>
+                      </p:childTnLst>
+                    </p:cTn>
+                  </p:par>
+                  <p:par>
+                    <p:cTn fill="hold">
+                      <p:stCondLst>
+                        <p:cond delay="indefinite"/>
+                      </p:stCondLst>
+                      <p:childTnLst>
+                        <p:par>
+                          <p:cTn fill="hold">
+                            <p:stCondLst>
+                              <p:cond delay="0"/>
+                            </p:stCondLst>
+                            <p:childTnLst>
+                              <p:par>
+                                <p:cTn fill="hold" nodeType="clickEffect" presetClass="exit" presetID="1" presetSubtype="0">
+                                  <p:stCondLst>
+                                    <p:cond delay="0"/>
+                                  </p:stCondLst>
+                                  <p:childTnLst>
+                                    <p:set>
+                                      <p:cBhvr>
+                                        <p:cTn dur="1" fill="hold">
+                                          <p:stCondLst>
+                                            <p:cond delay="0"/>
+                                          </p:stCondLst>
+                                        </p:cTn>
+                                        <p:tgtEl>
+                                          <p:spTgt spid="234"/>
                                         </p:tgtEl>
                                         <p:attrNameLst>
                                           <p:attrName>style.visibility</p:attrName>
@@ -12139,7 +13326,7 @@
                                           </p:stCondLst>
                                         </p:cTn>
                                         <p:tgtEl>
-                                          <p:spTgt spid="217"/>
+                                          <p:spTgt spid="236"/>
                                         </p:tgtEl>
                                         <p:attrNameLst>
                                           <p:attrName>style.visibility</p:attrName>
@@ -12184,7 +13371,7 @@
                                           </p:stCondLst>
                                         </p:cTn>
                                         <p:tgtEl>
-                                          <p:spTgt spid="217"/>
+                                          <p:spTgt spid="236"/>
                                         </p:tgtEl>
                                         <p:attrNameLst>
                                           <p:attrName>style.visibility</p:attrName>
@@ -12229,7 +13416,7 @@
                                           </p:stCondLst>
                                         </p:cTn>
                                         <p:tgtEl>
-                                          <p:spTgt spid="218"/>
+                                          <p:spTgt spid="237"/>
                                         </p:tgtEl>
                                         <p:attrNameLst>
                                           <p:attrName>style.visibility</p:attrName>
@@ -12274,7 +13461,7 @@
                                           </p:stCondLst>
                                         </p:cTn>
                                         <p:tgtEl>
-                                          <p:spTgt spid="219"/>
+                                          <p:spTgt spid="238"/>
                                         </p:tgtEl>
                                         <p:attrNameLst>
                                           <p:attrName>style.visibility</p:attrName>
@@ -12319,7 +13506,7 @@
                                           </p:stCondLst>
                                         </p:cTn>
                                         <p:tgtEl>
-                                          <p:spTgt spid="218"/>
+                                          <p:spTgt spid="237"/>
                                         </p:tgtEl>
                                         <p:attrNameLst>
                                           <p:attrName>style.visibility</p:attrName>
@@ -12364,7 +13551,7 @@
                                           </p:stCondLst>
                                         </p:cTn>
                                         <p:tgtEl>
-                                          <p:spTgt spid="218"/>
+                                          <p:spTgt spid="237"/>
                                         </p:tgtEl>
                                         <p:attrNameLst>
                                           <p:attrName>style.visibility</p:attrName>
@@ -12408,7 +13595,7 @@
 </p:sld>
 </file>
 
-<file path=ppt/slides/slide15.xml><?xml version="1.0" encoding="utf-8"?>
+<file path=ppt/slides/slide16.xml><?xml version="1.0" encoding="utf-8"?>
 <p:sld xmlns:a="http://schemas.openxmlformats.org/drawingml/2006/main" xmlns:r="http://schemas.openxmlformats.org/officeDocument/2006/relationships" xmlns:mc="http://schemas.openxmlformats.org/markup-compatibility/2006" xmlns:mv="urn:schemas-microsoft-com:mac:vml" xmlns:p="http://schemas.openxmlformats.org/presentationml/2006/main" xmlns:c="http://schemas.openxmlformats.org/drawingml/2006/chart" xmlns:dgm="http://schemas.openxmlformats.org/drawingml/2006/diagram" xmlns:o="urn:schemas-microsoft-com:office:office" xmlns:v="urn:schemas-microsoft-com:vml" xmlns:pvml="urn:schemas-microsoft-com:office:powerpoint" xmlns:com="http://schemas.openxmlformats.org/drawingml/2006/compatibility" xmlns:p14="http://schemas.microsoft.com/office/powerpoint/2010/main" xmlns:p15="http://schemas.microsoft.com/office/powerpoint/2012/main" xmlns:ahyp="http://schemas.microsoft.com/office/drawing/2018/hyperlinkcolor">
   <p:cSld>
     <p:bg>
@@ -12420,7 +13607,7 @@
     </p:bg>
     <p:spTree>
       <p:nvGrpSpPr>
-        <p:cNvPr id="223" name="Shape 223"/>
+        <p:cNvPr id="242" name="Shape 242"/>
         <p:cNvGrpSpPr/>
         <p:nvPr/>
       </p:nvGrpSpPr>
@@ -12434,7 +13621,511 @@
       </p:grpSpPr>
       <p:sp>
         <p:nvSpPr>
-          <p:cNvPr id="224" name="Google Shape;224;p29"/>
+          <p:cNvPr id="243" name="Google Shape;243;p30"/>
+          <p:cNvSpPr/>
+          <p:nvPr/>
+        </p:nvSpPr>
+        <p:spPr>
+          <a:xfrm>
+            <a:off x="469915" y="1025269"/>
+            <a:ext cx="802800" cy="36000"/>
+          </a:xfrm>
+          <a:prstGeom prst="rect">
+            <a:avLst/>
+          </a:prstGeom>
+          <a:solidFill>
+            <a:srgbClr val="FFCD05"/>
+          </a:solidFill>
+          <a:ln>
+            <a:noFill/>
+          </a:ln>
+        </p:spPr>
+        <p:txBody>
+          <a:bodyPr anchorCtr="0" anchor="ctr" bIns="34275" lIns="34275" spcFirstLastPara="1" rIns="34275" wrap="square" tIns="34275">
+            <a:noAutofit/>
+          </a:bodyPr>
+          <a:lstStyle/>
+          <a:p>
+            <a:pPr indent="0" lvl="0" marL="0" marR="0" rtl="0" algn="l">
+              <a:lnSpc>
+                <a:spcPct val="100000"/>
+              </a:lnSpc>
+              <a:spcBef>
+                <a:spcPts val="0"/>
+              </a:spcBef>
+              <a:spcAft>
+                <a:spcPts val="0"/>
+              </a:spcAft>
+              <a:buClr>
+                <a:srgbClr val="000000"/>
+              </a:buClr>
+              <a:buSzPts val="1400"/>
+              <a:buFont typeface="Arial"/>
+              <a:buNone/>
+            </a:pPr>
+            <a:r>
+              <a:t/>
+            </a:r>
+            <a:endParaRPr b="0" i="0" sz="1400" u="none" cap="none" strike="noStrike">
+              <a:solidFill>
+                <a:srgbClr val="000000"/>
+              </a:solidFill>
+              <a:latin typeface="Arial"/>
+              <a:ea typeface="Arial"/>
+              <a:cs typeface="Arial"/>
+              <a:sym typeface="Arial"/>
+            </a:endParaRPr>
+          </a:p>
+        </p:txBody>
+      </p:sp>
+      <p:sp>
+        <p:nvSpPr>
+          <p:cNvPr id="244" name="Google Shape;244;p30"/>
+          <p:cNvSpPr txBox="1"/>
+          <p:nvPr>
+            <p:ph type="title"/>
+          </p:nvPr>
+        </p:nvSpPr>
+        <p:spPr>
+          <a:xfrm>
+            <a:off x="390675" y="450919"/>
+            <a:ext cx="6720000" cy="533100"/>
+          </a:xfrm>
+          <a:prstGeom prst="rect">
+            <a:avLst/>
+          </a:prstGeom>
+          <a:noFill/>
+          <a:ln>
+            <a:noFill/>
+          </a:ln>
+        </p:spPr>
+        <p:txBody>
+          <a:bodyPr anchorCtr="0" anchor="ctr" bIns="34275" lIns="34275" spcFirstLastPara="1" rIns="34275" wrap="square" tIns="34275">
+            <a:normAutofit/>
+          </a:bodyPr>
+          <a:lstStyle/>
+          <a:p>
+            <a:pPr indent="0" lvl="0" marL="0" rtl="0" algn="l">
+              <a:lnSpc>
+                <a:spcPct val="90000"/>
+              </a:lnSpc>
+              <a:spcBef>
+                <a:spcPts val="0"/>
+              </a:spcBef>
+              <a:spcAft>
+                <a:spcPts val="0"/>
+              </a:spcAft>
+              <a:buClr>
+                <a:srgbClr val="FFFFFF"/>
+              </a:buClr>
+              <a:buSzPts val="2100"/>
+              <a:buFont typeface="Arial"/>
+              <a:buNone/>
+            </a:pPr>
+            <a:r>
+              <a:rPr lang="ko" sz="2100">
+                <a:solidFill>
+                  <a:srgbClr val="404040"/>
+                </a:solidFill>
+              </a:rPr>
+              <a:t>학습 결과 비교 (vs Teacherable Machine)</a:t>
+            </a:r>
+            <a:endParaRPr sz="2300">
+              <a:solidFill>
+                <a:srgbClr val="404040"/>
+              </a:solidFill>
+              <a:latin typeface="Arial"/>
+              <a:ea typeface="Arial"/>
+              <a:cs typeface="Arial"/>
+              <a:sym typeface="Arial"/>
+            </a:endParaRPr>
+          </a:p>
+        </p:txBody>
+      </p:sp>
+      <p:pic>
+        <p:nvPicPr>
+          <p:cNvPr id="245" name="Google Shape;245;p30"/>
+          <p:cNvPicPr preferRelativeResize="0"/>
+          <p:nvPr/>
+        </p:nvPicPr>
+        <p:blipFill rotWithShape="1">
+          <a:blip r:embed="rId3">
+            <a:alphaModFix/>
+          </a:blip>
+          <a:srcRect b="0" l="0" r="0" t="0"/>
+          <a:stretch/>
+        </p:blipFill>
+        <p:spPr>
+          <a:xfrm>
+            <a:off x="8204819" y="226331"/>
+            <a:ext cx="719411" cy="220950"/>
+          </a:xfrm>
+          <a:prstGeom prst="rect">
+            <a:avLst/>
+          </a:prstGeom>
+          <a:noFill/>
+          <a:ln>
+            <a:noFill/>
+          </a:ln>
+        </p:spPr>
+      </p:pic>
+      <p:pic>
+        <p:nvPicPr>
+          <p:cNvPr id="246" name="Google Shape;246;p30"/>
+          <p:cNvPicPr preferRelativeResize="0"/>
+          <p:nvPr/>
+        </p:nvPicPr>
+        <p:blipFill>
+          <a:blip r:embed="rId4">
+            <a:alphaModFix/>
+          </a:blip>
+          <a:stretch>
+            <a:fillRect/>
+          </a:stretch>
+        </p:blipFill>
+        <p:spPr>
+          <a:xfrm>
+            <a:off x="750975" y="1391019"/>
+            <a:ext cx="3810000" cy="3048000"/>
+          </a:xfrm>
+          <a:prstGeom prst="rect">
+            <a:avLst/>
+          </a:prstGeom>
+          <a:noFill/>
+          <a:ln>
+            <a:noFill/>
+          </a:ln>
+        </p:spPr>
+      </p:pic>
+      <p:pic>
+        <p:nvPicPr>
+          <p:cNvPr id="247" name="Google Shape;247;p30"/>
+          <p:cNvPicPr preferRelativeResize="0"/>
+          <p:nvPr/>
+        </p:nvPicPr>
+        <p:blipFill>
+          <a:blip r:embed="rId5">
+            <a:alphaModFix/>
+          </a:blip>
+          <a:stretch>
+            <a:fillRect/>
+          </a:stretch>
+        </p:blipFill>
+        <p:spPr>
+          <a:xfrm>
+            <a:off x="1272725" y="987681"/>
+            <a:ext cx="1975352" cy="3854681"/>
+          </a:xfrm>
+          <a:prstGeom prst="rect">
+            <a:avLst/>
+          </a:prstGeom>
+          <a:noFill/>
+          <a:ln>
+            <a:noFill/>
+          </a:ln>
+        </p:spPr>
+      </p:pic>
+      <p:pic>
+        <p:nvPicPr>
+          <p:cNvPr id="248" name="Google Shape;248;p30"/>
+          <p:cNvPicPr preferRelativeResize="0"/>
+          <p:nvPr/>
+        </p:nvPicPr>
+        <p:blipFill>
+          <a:blip r:embed="rId6">
+            <a:alphaModFix/>
+          </a:blip>
+          <a:stretch>
+            <a:fillRect/>
+          </a:stretch>
+        </p:blipFill>
+        <p:spPr>
+          <a:xfrm>
+            <a:off x="4872563" y="936588"/>
+            <a:ext cx="3286125" cy="3438525"/>
+          </a:xfrm>
+          <a:prstGeom prst="rect">
+            <a:avLst/>
+          </a:prstGeom>
+          <a:noFill/>
+          <a:ln>
+            <a:noFill/>
+          </a:ln>
+        </p:spPr>
+      </p:pic>
+      <p:pic>
+        <p:nvPicPr>
+          <p:cNvPr id="249" name="Google Shape;249;p30"/>
+          <p:cNvPicPr preferRelativeResize="0"/>
+          <p:nvPr/>
+        </p:nvPicPr>
+        <p:blipFill>
+          <a:blip r:embed="rId7">
+            <a:alphaModFix/>
+          </a:blip>
+          <a:stretch>
+            <a:fillRect/>
+          </a:stretch>
+        </p:blipFill>
+        <p:spPr>
+          <a:xfrm>
+            <a:off x="3683500" y="1552948"/>
+            <a:ext cx="5240725" cy="2608300"/>
+          </a:xfrm>
+          <a:prstGeom prst="rect">
+            <a:avLst/>
+          </a:prstGeom>
+          <a:noFill/>
+          <a:ln>
+            <a:noFill/>
+          </a:ln>
+        </p:spPr>
+      </p:pic>
+    </p:spTree>
+  </p:cSld>
+  <p:clrMapOvr>
+    <a:masterClrMapping/>
+  </p:clrMapOvr>
+  <p:timing>
+    <p:tnLst>
+      <p:par>
+        <p:cTn dur="indefinite" nodeType="tmRoot" restart="never">
+          <p:childTnLst>
+            <p:seq concurrent="1" nextAc="seek">
+              <p:cTn dur="indefinite" id="2" nodeType="mainSeq">
+                <p:childTnLst>
+                  <p:par>
+                    <p:cTn fill="hold">
+                      <p:stCondLst>
+                        <p:cond delay="indefinite"/>
+                      </p:stCondLst>
+                      <p:childTnLst>
+                        <p:par>
+                          <p:cTn fill="hold">
+                            <p:stCondLst>
+                              <p:cond delay="0"/>
+                            </p:stCondLst>
+                            <p:childTnLst>
+                              <p:par>
+                                <p:cTn fill="hold" nodeType="clickEffect" presetClass="exit" presetID="1" presetSubtype="0">
+                                  <p:stCondLst>
+                                    <p:cond delay="0"/>
+                                  </p:stCondLst>
+                                  <p:childTnLst>
+                                    <p:set>
+                                      <p:cBhvr>
+                                        <p:cTn dur="1" fill="hold">
+                                          <p:stCondLst>
+                                            <p:cond delay="0"/>
+                                          </p:stCondLst>
+                                        </p:cTn>
+                                        <p:tgtEl>
+                                          <p:spTgt spid="246"/>
+                                        </p:tgtEl>
+                                        <p:attrNameLst>
+                                          <p:attrName>style.visibility</p:attrName>
+                                        </p:attrNameLst>
+                                      </p:cBhvr>
+                                      <p:to>
+                                        <p:strVal val="hidden"/>
+                                      </p:to>
+                                    </p:set>
+                                  </p:childTnLst>
+                                </p:cTn>
+                              </p:par>
+                            </p:childTnLst>
+                          </p:cTn>
+                        </p:par>
+                      </p:childTnLst>
+                    </p:cTn>
+                  </p:par>
+                  <p:par>
+                    <p:cTn fill="hold">
+                      <p:stCondLst>
+                        <p:cond delay="indefinite"/>
+                      </p:stCondLst>
+                      <p:childTnLst>
+                        <p:par>
+                          <p:cTn fill="hold">
+                            <p:stCondLst>
+                              <p:cond delay="0"/>
+                            </p:stCondLst>
+                            <p:childTnLst>
+                              <p:par>
+                                <p:cTn fill="hold" nodeType="clickEffect" presetClass="exit" presetID="1" presetSubtype="0">
+                                  <p:stCondLst>
+                                    <p:cond delay="0"/>
+                                  </p:stCondLst>
+                                  <p:childTnLst>
+                                    <p:set>
+                                      <p:cBhvr>
+                                        <p:cTn dur="1" fill="hold">
+                                          <p:stCondLst>
+                                            <p:cond delay="0"/>
+                                          </p:stCondLst>
+                                        </p:cTn>
+                                        <p:tgtEl>
+                                          <p:spTgt spid="248"/>
+                                        </p:tgtEl>
+                                        <p:attrNameLst>
+                                          <p:attrName>style.visibility</p:attrName>
+                                        </p:attrNameLst>
+                                      </p:cBhvr>
+                                      <p:to>
+                                        <p:strVal val="hidden"/>
+                                      </p:to>
+                                    </p:set>
+                                  </p:childTnLst>
+                                </p:cTn>
+                              </p:par>
+                            </p:childTnLst>
+                          </p:cTn>
+                        </p:par>
+                      </p:childTnLst>
+                    </p:cTn>
+                  </p:par>
+                  <p:par>
+                    <p:cTn fill="hold">
+                      <p:stCondLst>
+                        <p:cond delay="indefinite"/>
+                      </p:stCondLst>
+                      <p:childTnLst>
+                        <p:par>
+                          <p:cTn fill="hold">
+                            <p:stCondLst>
+                              <p:cond delay="0"/>
+                            </p:stCondLst>
+                            <p:childTnLst>
+                              <p:par>
+                                <p:cTn fill="hold" nodeType="clickEffect" presetClass="entr" presetID="1" presetSubtype="0">
+                                  <p:stCondLst>
+                                    <p:cond delay="0"/>
+                                  </p:stCondLst>
+                                  <p:childTnLst>
+                                    <p:set>
+                                      <p:cBhvr>
+                                        <p:cTn dur="1" fill="hold">
+                                          <p:stCondLst>
+                                            <p:cond delay="0"/>
+                                          </p:stCondLst>
+                                        </p:cTn>
+                                        <p:tgtEl>
+                                          <p:spTgt spid="247"/>
+                                        </p:tgtEl>
+                                        <p:attrNameLst>
+                                          <p:attrName>style.visibility</p:attrName>
+                                        </p:attrNameLst>
+                                      </p:cBhvr>
+                                      <p:to>
+                                        <p:strVal val="visible"/>
+                                      </p:to>
+                                    </p:set>
+                                  </p:childTnLst>
+                                </p:cTn>
+                              </p:par>
+                            </p:childTnLst>
+                          </p:cTn>
+                        </p:par>
+                      </p:childTnLst>
+                    </p:cTn>
+                  </p:par>
+                  <p:par>
+                    <p:cTn fill="hold">
+                      <p:stCondLst>
+                        <p:cond delay="indefinite"/>
+                      </p:stCondLst>
+                      <p:childTnLst>
+                        <p:par>
+                          <p:cTn fill="hold">
+                            <p:stCondLst>
+                              <p:cond delay="0"/>
+                            </p:stCondLst>
+                            <p:childTnLst>
+                              <p:par>
+                                <p:cTn fill="hold" nodeType="clickEffect" presetClass="entr" presetID="1" presetSubtype="0">
+                                  <p:stCondLst>
+                                    <p:cond delay="0"/>
+                                  </p:stCondLst>
+                                  <p:childTnLst>
+                                    <p:set>
+                                      <p:cBhvr>
+                                        <p:cTn dur="1" fill="hold">
+                                          <p:stCondLst>
+                                            <p:cond delay="0"/>
+                                          </p:stCondLst>
+                                        </p:cTn>
+                                        <p:tgtEl>
+                                          <p:spTgt spid="249"/>
+                                        </p:tgtEl>
+                                        <p:attrNameLst>
+                                          <p:attrName>style.visibility</p:attrName>
+                                        </p:attrNameLst>
+                                      </p:cBhvr>
+                                      <p:to>
+                                        <p:strVal val="visible"/>
+                                      </p:to>
+                                    </p:set>
+                                  </p:childTnLst>
+                                </p:cTn>
+                              </p:par>
+                            </p:childTnLst>
+                          </p:cTn>
+                        </p:par>
+                      </p:childTnLst>
+                    </p:cTn>
+                  </p:par>
+                </p:childTnLst>
+              </p:cTn>
+              <p:prevCondLst>
+                <p:cond evt="onPrev">
+                  <p:tgtEl>
+                    <p:sldTgt/>
+                  </p:tgtEl>
+                </p:cond>
+              </p:prevCondLst>
+              <p:nextCondLst>
+                <p:cond evt="onNext">
+                  <p:tgtEl>
+                    <p:sldTgt/>
+                  </p:tgtEl>
+                </p:cond>
+              </p:nextCondLst>
+            </p:seq>
+          </p:childTnLst>
+        </p:cTn>
+      </p:par>
+    </p:tnLst>
+  </p:timing>
+</p:sld>
+</file>
+
+<file path=ppt/slides/slide17.xml><?xml version="1.0" encoding="utf-8"?>
+<p:sld xmlns:a="http://schemas.openxmlformats.org/drawingml/2006/main" xmlns:r="http://schemas.openxmlformats.org/officeDocument/2006/relationships" xmlns:mc="http://schemas.openxmlformats.org/markup-compatibility/2006" xmlns:mv="urn:schemas-microsoft-com:mac:vml" xmlns:p="http://schemas.openxmlformats.org/presentationml/2006/main" xmlns:c="http://schemas.openxmlformats.org/drawingml/2006/chart" xmlns:dgm="http://schemas.openxmlformats.org/drawingml/2006/diagram" xmlns:o="urn:schemas-microsoft-com:office:office" xmlns:v="urn:schemas-microsoft-com:vml" xmlns:pvml="urn:schemas-microsoft-com:office:powerpoint" xmlns:com="http://schemas.openxmlformats.org/drawingml/2006/compatibility" xmlns:p14="http://schemas.microsoft.com/office/powerpoint/2010/main" xmlns:p15="http://schemas.microsoft.com/office/powerpoint/2012/main" xmlns:ahyp="http://schemas.microsoft.com/office/drawing/2018/hyperlinkcolor">
+  <p:cSld>
+    <p:bg>
+      <p:bgPr>
+        <a:solidFill>
+          <a:srgbClr val="FFFFFF"/>
+        </a:solidFill>
+      </p:bgPr>
+    </p:bg>
+    <p:spTree>
+      <p:nvGrpSpPr>
+        <p:cNvPr id="253" name="Shape 253"/>
+        <p:cNvGrpSpPr/>
+        <p:nvPr/>
+      </p:nvGrpSpPr>
+      <p:grpSpPr>
+        <a:xfrm>
+          <a:off x="0" y="0"/>
+          <a:ext cx="0" cy="0"/>
+          <a:chOff x="0" y="0"/>
+          <a:chExt cx="0" cy="0"/>
+        </a:xfrm>
+      </p:grpSpPr>
+      <p:sp>
+        <p:nvSpPr>
+          <p:cNvPr id="254" name="Google Shape;254;p31"/>
           <p:cNvSpPr txBox="1"/>
           <p:nvPr/>
         </p:nvSpPr>
@@ -12537,47 +14228,7 @@
             </a:endParaRPr>
           </a:p>
           <a:p>
-            <a:pPr indent="-260350" lvl="1" marL="685800" marR="0" rtl="0" algn="l">
-              <a:lnSpc>
-                <a:spcPct val="115000"/>
-              </a:lnSpc>
-              <a:spcBef>
-                <a:spcPts val="0"/>
-              </a:spcBef>
-              <a:spcAft>
-                <a:spcPts val="0"/>
-              </a:spcAft>
-              <a:buClr>
-                <a:srgbClr val="333333"/>
-              </a:buClr>
-              <a:buSzPts val="1500"/>
-              <a:buFont typeface="Helvetica Neue"/>
-              <a:buChar char="○"/>
-            </a:pPr>
-            <a:r>
-              <a:rPr lang="ko" sz="1500">
-                <a:solidFill>
-                  <a:srgbClr val="333333"/>
-                </a:solidFill>
-                <a:latin typeface="Helvetica Neue"/>
-                <a:ea typeface="Helvetica Neue"/>
-                <a:cs typeface="Helvetica Neue"/>
-                <a:sym typeface="Helvetica Neue"/>
-              </a:rPr>
-              <a:t>해결할 문제. 사람들이 산에서 독이 들어간 음식을 먹고 사망할 수도 있음.</a:t>
-            </a:r>
-            <a:endParaRPr sz="1500">
-              <a:solidFill>
-                <a:srgbClr val="333333"/>
-              </a:solidFill>
-              <a:latin typeface="Helvetica Neue"/>
-              <a:ea typeface="Helvetica Neue"/>
-              <a:cs typeface="Helvetica Neue"/>
-              <a:sym typeface="Helvetica Neue"/>
-            </a:endParaRPr>
-          </a:p>
-          <a:p>
-            <a:pPr indent="-260350" lvl="1" marL="685800" marR="0" rtl="0" algn="l">
+            <a:pPr indent="-260350" lvl="1" marL="685800" rtl="0" algn="l">
               <a:lnSpc>
                 <a:spcPct val="115000"/>
               </a:lnSpc>
@@ -12644,7 +14295,47 @@
                 <a:cs typeface="Helvetica Neue"/>
                 <a:sym typeface="Helvetica Neue"/>
               </a:rPr>
-              <a:t>Recall 수치가</a:t>
+              <a:t>해결할 문제. 사람들이 산에서 독이 들어간 음식을 먹고 해를 입을수도 있음.</a:t>
+            </a:r>
+            <a:endParaRPr sz="1500">
+              <a:solidFill>
+                <a:srgbClr val="333333"/>
+              </a:solidFill>
+              <a:latin typeface="Helvetica Neue"/>
+              <a:ea typeface="Helvetica Neue"/>
+              <a:cs typeface="Helvetica Neue"/>
+              <a:sym typeface="Helvetica Neue"/>
+            </a:endParaRPr>
+          </a:p>
+          <a:p>
+            <a:pPr indent="-260350" lvl="1" marL="685800" marR="0" rtl="0" algn="l">
+              <a:lnSpc>
+                <a:spcPct val="115000"/>
+              </a:lnSpc>
+              <a:spcBef>
+                <a:spcPts val="0"/>
+              </a:spcBef>
+              <a:spcAft>
+                <a:spcPts val="0"/>
+              </a:spcAft>
+              <a:buClr>
+                <a:srgbClr val="333333"/>
+              </a:buClr>
+              <a:buSzPts val="1500"/>
+              <a:buFont typeface="Helvetica Neue"/>
+              <a:buChar char="○"/>
+            </a:pPr>
+            <a:r>
+              <a:rPr lang="ko" sz="1500">
+                <a:solidFill>
+                  <a:srgbClr val="333333"/>
+                </a:solidFill>
+                <a:latin typeface="Helvetica Neue"/>
+                <a:ea typeface="Helvetica Neue"/>
+                <a:cs typeface="Helvetica Neue"/>
+                <a:sym typeface="Helvetica Neue"/>
+              </a:rPr>
+              <a:t>Recall, precision</a:t>
             </a:r>
             <a:r>
               <a:rPr lang="ko" sz="1500">
@@ -12656,7 +14347,7 @@
                 <a:cs typeface="Helvetica Neue"/>
                 <a:sym typeface="Helvetica Neue"/>
               </a:rPr>
-              <a:t> 100%가 필요하다 -&gt; 학습으로 수치 확인 필요!</a:t>
+              <a:t> 필요하다 -&gt; 학습으로 수치 확인 필요!</a:t>
             </a:r>
             <a:endParaRPr sz="1500">
               <a:solidFill>
@@ -12672,7 +14363,7 @@
       </p:sp>
       <p:sp>
         <p:nvSpPr>
-          <p:cNvPr id="225" name="Google Shape;225;p29"/>
+          <p:cNvPr id="255" name="Google Shape;255;p31"/>
           <p:cNvSpPr/>
           <p:nvPr/>
         </p:nvSpPr>
@@ -12731,7 +14422,7 @@
       </p:sp>
       <p:sp>
         <p:nvSpPr>
-          <p:cNvPr id="226" name="Google Shape;226;p29"/>
+          <p:cNvPr id="256" name="Google Shape;256;p31"/>
           <p:cNvSpPr txBox="1"/>
           <p:nvPr>
             <p:ph type="title"/>
@@ -12795,7 +14486,7 @@
       </p:sp>
       <p:pic>
         <p:nvPicPr>
-          <p:cNvPr id="227" name="Google Shape;227;p29"/>
+          <p:cNvPr id="257" name="Google Shape;257;p31"/>
           <p:cNvPicPr preferRelativeResize="0"/>
           <p:nvPr/>
         </p:nvPicPr>
@@ -12822,7 +14513,7 @@
       </p:pic>
       <p:pic>
         <p:nvPicPr>
-          <p:cNvPr id="228" name="Google Shape;228;p29"/>
+          <p:cNvPr id="258" name="Google Shape;258;p31"/>
           <p:cNvPicPr preferRelativeResize="0"/>
           <p:nvPr/>
         </p:nvPicPr>
@@ -12850,7 +14541,7 @@
       </p:pic>
       <p:sp>
         <p:nvSpPr>
-          <p:cNvPr id="229" name="Google Shape;229;p29"/>
+          <p:cNvPr id="259" name="Google Shape;259;p31"/>
           <p:cNvSpPr/>
           <p:nvPr/>
         </p:nvSpPr>
@@ -12902,7 +14593,7 @@
       </p:sp>
       <p:sp>
         <p:nvSpPr>
-          <p:cNvPr id="230" name="Google Shape;230;p29"/>
+          <p:cNvPr id="260" name="Google Shape;260;p31"/>
           <p:cNvSpPr/>
           <p:nvPr/>
         </p:nvSpPr>
@@ -12954,7 +14645,7 @@
       </p:sp>
       <p:pic>
         <p:nvPicPr>
-          <p:cNvPr id="231" name="Google Shape;231;p29"/>
+          <p:cNvPr id="261" name="Google Shape;261;p31"/>
           <p:cNvPicPr preferRelativeResize="0"/>
           <p:nvPr/>
         </p:nvPicPr>
@@ -12982,7 +14673,7 @@
       </p:pic>
       <p:pic>
         <p:nvPicPr>
-          <p:cNvPr id="232" name="Google Shape;232;p29"/>
+          <p:cNvPr id="262" name="Google Shape;262;p31"/>
           <p:cNvPicPr preferRelativeResize="0"/>
           <p:nvPr/>
         </p:nvPicPr>
@@ -13010,7 +14701,7 @@
       </p:pic>
       <p:pic>
         <p:nvPicPr>
-          <p:cNvPr id="233" name="Google Shape;233;p29"/>
+          <p:cNvPr id="263" name="Google Shape;263;p31"/>
           <p:cNvPicPr preferRelativeResize="0"/>
           <p:nvPr/>
         </p:nvPicPr>
@@ -13038,7 +14729,7 @@
       </p:pic>
       <p:sp>
         <p:nvSpPr>
-          <p:cNvPr id="234" name="Google Shape;234;p29"/>
+          <p:cNvPr id="264" name="Google Shape;264;p31"/>
           <p:cNvSpPr/>
           <p:nvPr/>
         </p:nvSpPr>
@@ -13090,7 +14781,7 @@
       </p:sp>
       <p:sp>
         <p:nvSpPr>
-          <p:cNvPr id="235" name="Google Shape;235;p29"/>
+          <p:cNvPr id="265" name="Google Shape;265;p31"/>
           <p:cNvSpPr txBox="1"/>
           <p:nvPr/>
         </p:nvSpPr>
@@ -13146,7 +14837,7 @@
 </p:sld>
 </file>
 
-<file path=ppt/slides/slide16.xml><?xml version="1.0" encoding="utf-8"?>
+<file path=ppt/slides/slide18.xml><?xml version="1.0" encoding="utf-8"?>
 <p:sld xmlns:a="http://schemas.openxmlformats.org/drawingml/2006/main" xmlns:r="http://schemas.openxmlformats.org/officeDocument/2006/relationships" xmlns:mc="http://schemas.openxmlformats.org/markup-compatibility/2006" xmlns:mv="urn:schemas-microsoft-com:mac:vml" xmlns:p="http://schemas.openxmlformats.org/presentationml/2006/main" xmlns:c="http://schemas.openxmlformats.org/drawingml/2006/chart" xmlns:dgm="http://schemas.openxmlformats.org/drawingml/2006/diagram" xmlns:o="urn:schemas-microsoft-com:office:office" xmlns:v="urn:schemas-microsoft-com:vml" xmlns:pvml="urn:schemas-microsoft-com:office:powerpoint" xmlns:com="http://schemas.openxmlformats.org/drawingml/2006/compatibility" xmlns:p14="http://schemas.microsoft.com/office/powerpoint/2010/main" xmlns:p15="http://schemas.microsoft.com/office/powerpoint/2012/main" xmlns:ahyp="http://schemas.microsoft.com/office/drawing/2018/hyperlinkcolor">
   <p:cSld>
     <p:bg>
@@ -13158,7 +14849,7 @@
     </p:bg>
     <p:spTree>
       <p:nvGrpSpPr>
-        <p:cNvPr id="239" name="Shape 239"/>
+        <p:cNvPr id="269" name="Shape 269"/>
         <p:cNvGrpSpPr/>
         <p:nvPr/>
       </p:nvGrpSpPr>
@@ -13172,14 +14863,14 @@
       </p:grpSpPr>
       <p:sp>
         <p:nvSpPr>
-          <p:cNvPr id="240" name="Google Shape;240;p30"/>
+          <p:cNvPr id="270" name="Google Shape;270;p32"/>
           <p:cNvSpPr txBox="1"/>
           <p:nvPr/>
         </p:nvSpPr>
         <p:spPr>
           <a:xfrm>
             <a:off x="525800" y="1268675"/>
-            <a:ext cx="7880700" cy="3198600"/>
+            <a:ext cx="7880700" cy="3213900"/>
           </a:xfrm>
           <a:prstGeom prst="rect">
             <a:avLst/>
@@ -13505,7 +15196,35 @@
                   <a:schemeClr val="dk1"/>
                 </a:solidFill>
               </a:rPr>
-              <a:t>혼자 해결하기 어려운 문제도 팀원들과 함께하니 같이 해결할 수 있었습니다. 팀의 소중함을 느꼈습니다.</a:t>
+              <a:t>혼자 해결하기 어려운 문제도 팀원들과 함께하니 같이 해결할 수 있었습니다.</a:t>
+            </a:r>
+            <a:endParaRPr sz="1500">
+              <a:solidFill>
+                <a:schemeClr val="dk1"/>
+              </a:solidFill>
+            </a:endParaRPr>
+          </a:p>
+          <a:p>
+            <a:pPr indent="-266700" lvl="1" marL="685800" rtl="0" algn="l">
+              <a:spcBef>
+                <a:spcPts val="0"/>
+              </a:spcBef>
+              <a:spcAft>
+                <a:spcPts val="0"/>
+              </a:spcAft>
+              <a:buClr>
+                <a:schemeClr val="dk1"/>
+              </a:buClr>
+              <a:buSzPts val="1600"/>
+              <a:buChar char="○"/>
+            </a:pPr>
+            <a:r>
+              <a:rPr lang="ko" sz="1500">
+                <a:solidFill>
+                  <a:schemeClr val="dk1"/>
+                </a:solidFill>
+              </a:rPr>
+              <a:t>팀의 소중함을 느꼈습니다.</a:t>
             </a:r>
             <a:endParaRPr sz="1500">
               <a:solidFill>
@@ -13517,7 +15236,7 @@
       </p:sp>
       <p:sp>
         <p:nvSpPr>
-          <p:cNvPr id="241" name="Google Shape;241;p30"/>
+          <p:cNvPr id="271" name="Google Shape;271;p32"/>
           <p:cNvSpPr/>
           <p:nvPr/>
         </p:nvSpPr>
@@ -13576,7 +15295,7 @@
       </p:sp>
       <p:sp>
         <p:nvSpPr>
-          <p:cNvPr id="242" name="Google Shape;242;p30"/>
+          <p:cNvPr id="272" name="Google Shape;272;p32"/>
           <p:cNvSpPr txBox="1"/>
           <p:nvPr>
             <p:ph type="title"/>
@@ -13640,7 +15359,7 @@
       </p:sp>
       <p:pic>
         <p:nvPicPr>
-          <p:cNvPr id="243" name="Google Shape;243;p30"/>
+          <p:cNvPr id="273" name="Google Shape;273;p32"/>
           <p:cNvPicPr preferRelativeResize="0"/>
           <p:nvPr/>
         </p:nvPicPr>
@@ -13673,7 +15392,7 @@
 </p:sld>
 </file>
 
-<file path=ppt/slides/slide17.xml><?xml version="1.0" encoding="utf-8"?>
+<file path=ppt/slides/slide19.xml><?xml version="1.0" encoding="utf-8"?>
 <p:sld xmlns:a="http://schemas.openxmlformats.org/drawingml/2006/main" xmlns:r="http://schemas.openxmlformats.org/officeDocument/2006/relationships" xmlns:mc="http://schemas.openxmlformats.org/markup-compatibility/2006" xmlns:mv="urn:schemas-microsoft-com:mac:vml" xmlns:p="http://schemas.openxmlformats.org/presentationml/2006/main" xmlns:c="http://schemas.openxmlformats.org/drawingml/2006/chart" xmlns:dgm="http://schemas.openxmlformats.org/drawingml/2006/diagram" xmlns:o="urn:schemas-microsoft-com:office:office" xmlns:v="urn:schemas-microsoft-com:vml" xmlns:pvml="urn:schemas-microsoft-com:office:powerpoint" xmlns:com="http://schemas.openxmlformats.org/drawingml/2006/compatibility" xmlns:p14="http://schemas.microsoft.com/office/powerpoint/2010/main" xmlns:p15="http://schemas.microsoft.com/office/powerpoint/2012/main" xmlns:ahyp="http://schemas.microsoft.com/office/drawing/2018/hyperlinkcolor">
   <p:cSld>
     <p:bg>
@@ -13685,7 +15404,7 @@
     </p:bg>
     <p:spTree>
       <p:nvGrpSpPr>
-        <p:cNvPr id="247" name="Shape 247"/>
+        <p:cNvPr id="277" name="Shape 277"/>
         <p:cNvGrpSpPr/>
         <p:nvPr/>
       </p:nvGrpSpPr>
@@ -13699,7 +15418,7 @@
       </p:grpSpPr>
       <p:sp>
         <p:nvSpPr>
-          <p:cNvPr id="248" name="Google Shape;248;p31"/>
+          <p:cNvPr id="278" name="Google Shape;278;p33"/>
           <p:cNvSpPr/>
           <p:nvPr/>
         </p:nvSpPr>
@@ -13758,7 +15477,7 @@
       </p:sp>
       <p:sp>
         <p:nvSpPr>
-          <p:cNvPr id="249" name="Google Shape;249;p31"/>
+          <p:cNvPr id="279" name="Google Shape;279;p33"/>
           <p:cNvSpPr txBox="1"/>
           <p:nvPr>
             <p:ph type="title"/>
@@ -13822,7 +15541,7 @@
       </p:sp>
       <p:pic>
         <p:nvPicPr>
-          <p:cNvPr id="250" name="Google Shape;250;p31"/>
+          <p:cNvPr id="280" name="Google Shape;280;p33"/>
           <p:cNvPicPr preferRelativeResize="0"/>
           <p:nvPr/>
         </p:nvPicPr>
@@ -13849,7 +15568,7 @@
       </p:pic>
       <p:pic>
         <p:nvPicPr>
-          <p:cNvPr id="251" name="Google Shape;251;p31"/>
+          <p:cNvPr id="281" name="Google Shape;281;p33"/>
           <p:cNvPicPr preferRelativeResize="0"/>
           <p:nvPr/>
         </p:nvPicPr>
@@ -13883,214 +15602,12 @@
 </p:sld>
 </file>
 
-<file path=ppt/slides/slide18.xml><?xml version="1.0" encoding="utf-8"?>
-<p:sld xmlns:a="http://schemas.openxmlformats.org/drawingml/2006/main" xmlns:r="http://schemas.openxmlformats.org/officeDocument/2006/relationships" xmlns:mc="http://schemas.openxmlformats.org/markup-compatibility/2006" xmlns:mv="urn:schemas-microsoft-com:mac:vml" xmlns:p="http://schemas.openxmlformats.org/presentationml/2006/main" xmlns:c="http://schemas.openxmlformats.org/drawingml/2006/chart" xmlns:dgm="http://schemas.openxmlformats.org/drawingml/2006/diagram" xmlns:o="urn:schemas-microsoft-com:office:office" xmlns:v="urn:schemas-microsoft-com:vml" xmlns:pvml="urn:schemas-microsoft-com:office:powerpoint" xmlns:com="http://schemas.openxmlformats.org/drawingml/2006/compatibility" xmlns:p14="http://schemas.microsoft.com/office/powerpoint/2010/main" xmlns:p15="http://schemas.microsoft.com/office/powerpoint/2012/main" xmlns:ahyp="http://schemas.microsoft.com/office/drawing/2018/hyperlinkcolor">
-  <p:cSld>
-    <p:bg>
-      <p:bgPr>
-        <a:solidFill>
-          <a:srgbClr val="FFCD05"/>
-        </a:solidFill>
-      </p:bgPr>
-    </p:bg>
-    <p:spTree>
-      <p:nvGrpSpPr>
-        <p:cNvPr id="255" name="Shape 255"/>
-        <p:cNvGrpSpPr/>
-        <p:nvPr/>
-      </p:nvGrpSpPr>
-      <p:grpSpPr>
-        <a:xfrm>
-          <a:off x="0" y="0"/>
-          <a:ext cx="0" cy="0"/>
-          <a:chOff x="0" y="0"/>
-          <a:chExt cx="0" cy="0"/>
-        </a:xfrm>
-      </p:grpSpPr>
-      <p:pic>
-        <p:nvPicPr>
-          <p:cNvPr descr="Picture 8" id="256" name="Google Shape;256;p32"/>
-          <p:cNvPicPr preferRelativeResize="0"/>
-          <p:nvPr/>
-        </p:nvPicPr>
-        <p:blipFill rotWithShape="1">
-          <a:blip r:embed="rId3">
-            <a:alphaModFix/>
-          </a:blip>
-          <a:srcRect b="0" l="0" r="0" t="0"/>
-          <a:stretch/>
-        </p:blipFill>
-        <p:spPr>
-          <a:xfrm>
-            <a:off x="322120" y="-909436"/>
-            <a:ext cx="950090" cy="674759"/>
-          </a:xfrm>
-          <a:prstGeom prst="rect">
-            <a:avLst/>
-          </a:prstGeom>
-          <a:noFill/>
-          <a:ln>
-            <a:noFill/>
-          </a:ln>
-        </p:spPr>
-      </p:pic>
-      <p:sp>
-        <p:nvSpPr>
-          <p:cNvPr id="257" name="Google Shape;257;p32"/>
-          <p:cNvSpPr txBox="1"/>
-          <p:nvPr>
-            <p:ph type="title"/>
-          </p:nvPr>
-        </p:nvSpPr>
-        <p:spPr>
-          <a:xfrm>
-            <a:off x="218638" y="2251629"/>
-            <a:ext cx="8302800" cy="2056200"/>
-          </a:xfrm>
-          <a:prstGeom prst="rect">
-            <a:avLst/>
-          </a:prstGeom>
-          <a:noFill/>
-          <a:ln>
-            <a:noFill/>
-          </a:ln>
-        </p:spPr>
-        <p:txBody>
-          <a:bodyPr anchorCtr="0" anchor="b" bIns="34275" lIns="34275" spcFirstLastPara="1" rIns="34275" wrap="square" tIns="34275">
-            <a:normAutofit/>
-          </a:bodyPr>
-          <a:lstStyle/>
-          <a:p>
-            <a:pPr indent="0" lvl="0" marL="0" marR="0" rtl="0" algn="l">
-              <a:lnSpc>
-                <a:spcPct val="120000"/>
-              </a:lnSpc>
-              <a:spcBef>
-                <a:spcPts val="0"/>
-              </a:spcBef>
-              <a:spcAft>
-                <a:spcPts val="0"/>
-              </a:spcAft>
-              <a:buClr>
-                <a:srgbClr val="F9FFFC"/>
-              </a:buClr>
-              <a:buSzPts val="5400"/>
-              <a:buFont typeface="Arial"/>
-              <a:buNone/>
-            </a:pPr>
-            <a:r>
-              <a:rPr lang="ko" sz="5400">
-                <a:solidFill>
-                  <a:srgbClr val="434343"/>
-                </a:solidFill>
-                <a:latin typeface="Arial"/>
-                <a:ea typeface="Arial"/>
-                <a:cs typeface="Arial"/>
-                <a:sym typeface="Arial"/>
-              </a:rPr>
-              <a:t>수고하셨습니다!</a:t>
-            </a:r>
-            <a:endParaRPr>
-              <a:solidFill>
-                <a:srgbClr val="434343"/>
-              </a:solidFill>
-            </a:endParaRPr>
-          </a:p>
-        </p:txBody>
-      </p:sp>
-      <p:cxnSp>
-        <p:nvCxnSpPr>
-          <p:cNvPr id="258" name="Google Shape;258;p32"/>
-          <p:cNvCxnSpPr/>
-          <p:nvPr/>
-        </p:nvCxnSpPr>
-        <p:spPr>
-          <a:xfrm>
-            <a:off x="232817" y="4431488"/>
-            <a:ext cx="8678400" cy="0"/>
-          </a:xfrm>
-          <a:prstGeom prst="straightConnector1">
-            <a:avLst/>
-          </a:prstGeom>
-          <a:noFill/>
-          <a:ln cap="flat" cmpd="sng" w="25400">
-            <a:solidFill>
-              <a:srgbClr val="DE5A5F"/>
-            </a:solidFill>
-            <a:prstDash val="solid"/>
-            <a:miter lim="8000"/>
-            <a:headEnd len="sm" w="sm" type="none"/>
-            <a:tailEnd len="sm" w="sm" type="none"/>
-          </a:ln>
-        </p:spPr>
-      </p:cxnSp>
-      <p:cxnSp>
-        <p:nvCxnSpPr>
-          <p:cNvPr id="259" name="Google Shape;259;p32"/>
-          <p:cNvCxnSpPr/>
-          <p:nvPr/>
-        </p:nvCxnSpPr>
-        <p:spPr>
-          <a:xfrm>
-            <a:off x="232817" y="4431488"/>
-            <a:ext cx="8678400" cy="0"/>
-          </a:xfrm>
-          <a:prstGeom prst="straightConnector1">
-            <a:avLst/>
-          </a:prstGeom>
-          <a:noFill/>
-          <a:ln cap="flat" cmpd="sng" w="25400">
-            <a:solidFill>
-              <a:srgbClr val="434343"/>
-            </a:solidFill>
-            <a:prstDash val="solid"/>
-            <a:miter lim="8000"/>
-            <a:headEnd len="sm" w="sm" type="none"/>
-            <a:tailEnd len="sm" w="sm" type="none"/>
-          </a:ln>
-        </p:spPr>
-      </p:cxnSp>
-      <p:pic>
-        <p:nvPicPr>
-          <p:cNvPr id="260" name="Google Shape;260;p32"/>
-          <p:cNvPicPr preferRelativeResize="0"/>
-          <p:nvPr/>
-        </p:nvPicPr>
-        <p:blipFill rotWithShape="1">
-          <a:blip r:embed="rId4">
-            <a:alphaModFix/>
-          </a:blip>
-          <a:srcRect b="0" l="0" r="0" t="0"/>
-          <a:stretch/>
-        </p:blipFill>
-        <p:spPr>
-          <a:xfrm>
-            <a:off x="8204819" y="226331"/>
-            <a:ext cx="719411" cy="220950"/>
-          </a:xfrm>
-          <a:prstGeom prst="rect">
-            <a:avLst/>
-          </a:prstGeom>
-          <a:noFill/>
-          <a:ln>
-            <a:noFill/>
-          </a:ln>
-        </p:spPr>
-      </p:pic>
-    </p:spTree>
-  </p:cSld>
-  <p:clrMapOvr>
-    <a:masterClrMapping/>
-  </p:clrMapOvr>
-</p:sld>
-</file>
-
 <file path=ppt/slides/slide2.xml><?xml version="1.0" encoding="utf-8"?>
 <p:sld xmlns:a="http://schemas.openxmlformats.org/drawingml/2006/main" xmlns:r="http://schemas.openxmlformats.org/officeDocument/2006/relationships" xmlns:mc="http://schemas.openxmlformats.org/markup-compatibility/2006" xmlns:mv="urn:schemas-microsoft-com:mac:vml" xmlns:p="http://schemas.openxmlformats.org/presentationml/2006/main" xmlns:c="http://schemas.openxmlformats.org/drawingml/2006/chart" xmlns:dgm="http://schemas.openxmlformats.org/drawingml/2006/diagram" xmlns:o="urn:schemas-microsoft-com:office:office" xmlns:v="urn:schemas-microsoft-com:vml" xmlns:pvml="urn:schemas-microsoft-com:office:powerpoint" xmlns:com="http://schemas.openxmlformats.org/drawingml/2006/compatibility" xmlns:p14="http://schemas.microsoft.com/office/powerpoint/2010/main" xmlns:p15="http://schemas.microsoft.com/office/powerpoint/2012/main" xmlns:ahyp="http://schemas.microsoft.com/office/drawing/2018/hyperlinkcolor">
   <p:cSld>
     <p:spTree>
       <p:nvGrpSpPr>
-        <p:cNvPr id="68" name="Shape 68"/>
+        <p:cNvPr id="69" name="Shape 69"/>
         <p:cNvGrpSpPr/>
         <p:nvPr/>
       </p:nvGrpSpPr>
@@ -14104,7 +15621,7 @@
       </p:grpSpPr>
       <p:cxnSp>
         <p:nvCxnSpPr>
-          <p:cNvPr id="69" name="Google Shape;69;p16"/>
+          <p:cNvPr id="70" name="Google Shape;70;p16"/>
           <p:cNvCxnSpPr/>
           <p:nvPr/>
         </p:nvCxnSpPr>
@@ -14130,7 +15647,7 @@
       </p:cxnSp>
       <p:sp>
         <p:nvSpPr>
-          <p:cNvPr id="70" name="Google Shape;70;p16"/>
+          <p:cNvPr id="71" name="Google Shape;71;p16"/>
           <p:cNvSpPr txBox="1"/>
           <p:nvPr/>
         </p:nvSpPr>
@@ -14196,7 +15713,7 @@
       </p:sp>
       <p:sp>
         <p:nvSpPr>
-          <p:cNvPr id="71" name="Google Shape;71;p16"/>
+          <p:cNvPr id="72" name="Google Shape;72;p16"/>
           <p:cNvSpPr/>
           <p:nvPr/>
         </p:nvSpPr>
@@ -14266,7 +15783,7 @@
       </p:sp>
       <p:sp>
         <p:nvSpPr>
-          <p:cNvPr id="72" name="Google Shape;72;p16"/>
+          <p:cNvPr id="73" name="Google Shape;73;p16"/>
           <p:cNvSpPr/>
           <p:nvPr/>
         </p:nvSpPr>
@@ -14334,7 +15851,7 @@
       </p:sp>
       <p:sp>
         <p:nvSpPr>
-          <p:cNvPr id="73" name="Google Shape;73;p16"/>
+          <p:cNvPr id="74" name="Google Shape;74;p16"/>
           <p:cNvSpPr/>
           <p:nvPr/>
         </p:nvSpPr>
@@ -14393,7 +15910,7 @@
       </p:sp>
       <p:sp>
         <p:nvSpPr>
-          <p:cNvPr id="74" name="Google Shape;74;p16"/>
+          <p:cNvPr id="75" name="Google Shape;75;p16"/>
           <p:cNvSpPr/>
           <p:nvPr/>
         </p:nvSpPr>
@@ -14452,7 +15969,7 @@
       </p:sp>
       <p:sp>
         <p:nvSpPr>
-          <p:cNvPr id="75" name="Google Shape;75;p16"/>
+          <p:cNvPr id="76" name="Google Shape;76;p16"/>
           <p:cNvSpPr/>
           <p:nvPr/>
         </p:nvSpPr>
@@ -14511,7 +16028,7 @@
       </p:sp>
       <p:sp>
         <p:nvSpPr>
-          <p:cNvPr id="76" name="Google Shape;76;p16"/>
+          <p:cNvPr id="77" name="Google Shape;77;p16"/>
           <p:cNvSpPr txBox="1"/>
           <p:nvPr/>
         </p:nvSpPr>
@@ -14566,7 +16083,7 @@
       </p:sp>
       <p:sp>
         <p:nvSpPr>
-          <p:cNvPr id="77" name="Google Shape;77;p16"/>
+          <p:cNvPr id="78" name="Google Shape;78;p16"/>
           <p:cNvSpPr/>
           <p:nvPr/>
         </p:nvSpPr>
@@ -14634,7 +16151,7 @@
       </p:sp>
       <p:sp>
         <p:nvSpPr>
-          <p:cNvPr id="78" name="Google Shape;78;p16"/>
+          <p:cNvPr id="79" name="Google Shape;79;p16"/>
           <p:cNvSpPr/>
           <p:nvPr/>
         </p:nvSpPr>
@@ -14702,7 +16219,7 @@
       </p:sp>
       <p:sp>
         <p:nvSpPr>
-          <p:cNvPr id="79" name="Google Shape;79;p16"/>
+          <p:cNvPr id="80" name="Google Shape;80;p16"/>
           <p:cNvSpPr/>
           <p:nvPr/>
         </p:nvSpPr>
@@ -14770,7 +16287,7 @@
       </p:sp>
       <p:sp>
         <p:nvSpPr>
-          <p:cNvPr id="80" name="Google Shape;80;p16"/>
+          <p:cNvPr id="81" name="Google Shape;81;p16"/>
           <p:cNvSpPr/>
           <p:nvPr/>
         </p:nvSpPr>
@@ -14846,7 +16363,7 @@
       </p:sp>
       <p:sp>
         <p:nvSpPr>
-          <p:cNvPr id="81" name="Google Shape;81;p16"/>
+          <p:cNvPr id="82" name="Google Shape;82;p16"/>
           <p:cNvSpPr/>
           <p:nvPr/>
         </p:nvSpPr>
@@ -14910,7 +16427,7 @@
       </p:sp>
       <p:pic>
         <p:nvPicPr>
-          <p:cNvPr id="82" name="Google Shape;82;p16"/>
+          <p:cNvPr id="83" name="Google Shape;83;p16"/>
           <p:cNvPicPr preferRelativeResize="0"/>
           <p:nvPr/>
         </p:nvPicPr>
@@ -14937,7 +16454,7 @@
       </p:pic>
       <p:sp>
         <p:nvSpPr>
-          <p:cNvPr id="83" name="Google Shape;83;p16"/>
+          <p:cNvPr id="84" name="Google Shape;84;p16"/>
           <p:cNvSpPr/>
           <p:nvPr/>
         </p:nvSpPr>
@@ -14996,7 +16513,7 @@
       </p:sp>
       <p:sp>
         <p:nvSpPr>
-          <p:cNvPr id="84" name="Google Shape;84;p16"/>
+          <p:cNvPr id="85" name="Google Shape;85;p16"/>
           <p:cNvSpPr/>
           <p:nvPr/>
         </p:nvSpPr>
@@ -15055,7 +16572,7 @@
       </p:sp>
       <p:sp>
         <p:nvSpPr>
-          <p:cNvPr id="85" name="Google Shape;85;p16"/>
+          <p:cNvPr id="86" name="Google Shape;86;p16"/>
           <p:cNvSpPr/>
           <p:nvPr/>
         </p:nvSpPr>
@@ -15114,7 +16631,7 @@
       </p:sp>
       <p:sp>
         <p:nvSpPr>
-          <p:cNvPr id="86" name="Google Shape;86;p16"/>
+          <p:cNvPr id="87" name="Google Shape;87;p16"/>
           <p:cNvSpPr txBox="1"/>
           <p:nvPr/>
         </p:nvSpPr>
@@ -15169,7 +16686,7 @@
       </p:sp>
       <p:sp>
         <p:nvSpPr>
-          <p:cNvPr id="87" name="Google Shape;87;p16"/>
+          <p:cNvPr id="88" name="Google Shape;88;p16"/>
           <p:cNvSpPr txBox="1"/>
           <p:nvPr/>
         </p:nvSpPr>
@@ -15259,6 +16776,208 @@
 </p:sld>
 </file>
 
+<file path=ppt/slides/slide20.xml><?xml version="1.0" encoding="utf-8"?>
+<p:sld xmlns:a="http://schemas.openxmlformats.org/drawingml/2006/main" xmlns:r="http://schemas.openxmlformats.org/officeDocument/2006/relationships" xmlns:mc="http://schemas.openxmlformats.org/markup-compatibility/2006" xmlns:mv="urn:schemas-microsoft-com:mac:vml" xmlns:p="http://schemas.openxmlformats.org/presentationml/2006/main" xmlns:c="http://schemas.openxmlformats.org/drawingml/2006/chart" xmlns:dgm="http://schemas.openxmlformats.org/drawingml/2006/diagram" xmlns:o="urn:schemas-microsoft-com:office:office" xmlns:v="urn:schemas-microsoft-com:vml" xmlns:pvml="urn:schemas-microsoft-com:office:powerpoint" xmlns:com="http://schemas.openxmlformats.org/drawingml/2006/compatibility" xmlns:p14="http://schemas.microsoft.com/office/powerpoint/2010/main" xmlns:p15="http://schemas.microsoft.com/office/powerpoint/2012/main" xmlns:ahyp="http://schemas.microsoft.com/office/drawing/2018/hyperlinkcolor">
+  <p:cSld>
+    <p:bg>
+      <p:bgPr>
+        <a:solidFill>
+          <a:srgbClr val="FFCD05"/>
+        </a:solidFill>
+      </p:bgPr>
+    </p:bg>
+    <p:spTree>
+      <p:nvGrpSpPr>
+        <p:cNvPr id="285" name="Shape 285"/>
+        <p:cNvGrpSpPr/>
+        <p:nvPr/>
+      </p:nvGrpSpPr>
+      <p:grpSpPr>
+        <a:xfrm>
+          <a:off x="0" y="0"/>
+          <a:ext cx="0" cy="0"/>
+          <a:chOff x="0" y="0"/>
+          <a:chExt cx="0" cy="0"/>
+        </a:xfrm>
+      </p:grpSpPr>
+      <p:pic>
+        <p:nvPicPr>
+          <p:cNvPr descr="Picture 8" id="286" name="Google Shape;286;p34"/>
+          <p:cNvPicPr preferRelativeResize="0"/>
+          <p:nvPr/>
+        </p:nvPicPr>
+        <p:blipFill rotWithShape="1">
+          <a:blip r:embed="rId3">
+            <a:alphaModFix/>
+          </a:blip>
+          <a:srcRect b="0" l="0" r="0" t="0"/>
+          <a:stretch/>
+        </p:blipFill>
+        <p:spPr>
+          <a:xfrm>
+            <a:off x="322120" y="-909436"/>
+            <a:ext cx="950090" cy="674759"/>
+          </a:xfrm>
+          <a:prstGeom prst="rect">
+            <a:avLst/>
+          </a:prstGeom>
+          <a:noFill/>
+          <a:ln>
+            <a:noFill/>
+          </a:ln>
+        </p:spPr>
+      </p:pic>
+      <p:sp>
+        <p:nvSpPr>
+          <p:cNvPr id="287" name="Google Shape;287;p34"/>
+          <p:cNvSpPr txBox="1"/>
+          <p:nvPr>
+            <p:ph type="title"/>
+          </p:nvPr>
+        </p:nvSpPr>
+        <p:spPr>
+          <a:xfrm>
+            <a:off x="218638" y="2251629"/>
+            <a:ext cx="8302800" cy="2056200"/>
+          </a:xfrm>
+          <a:prstGeom prst="rect">
+            <a:avLst/>
+          </a:prstGeom>
+          <a:noFill/>
+          <a:ln>
+            <a:noFill/>
+          </a:ln>
+        </p:spPr>
+        <p:txBody>
+          <a:bodyPr anchorCtr="0" anchor="b" bIns="34275" lIns="34275" spcFirstLastPara="1" rIns="34275" wrap="square" tIns="34275">
+            <a:normAutofit/>
+          </a:bodyPr>
+          <a:lstStyle/>
+          <a:p>
+            <a:pPr indent="0" lvl="0" marL="0" marR="0" rtl="0" algn="l">
+              <a:lnSpc>
+                <a:spcPct val="120000"/>
+              </a:lnSpc>
+              <a:spcBef>
+                <a:spcPts val="0"/>
+              </a:spcBef>
+              <a:spcAft>
+                <a:spcPts val="0"/>
+              </a:spcAft>
+              <a:buClr>
+                <a:srgbClr val="F9FFFC"/>
+              </a:buClr>
+              <a:buSzPts val="5400"/>
+              <a:buFont typeface="Arial"/>
+              <a:buNone/>
+            </a:pPr>
+            <a:r>
+              <a:rPr lang="ko" sz="5400">
+                <a:solidFill>
+                  <a:srgbClr val="434343"/>
+                </a:solidFill>
+                <a:latin typeface="Arial"/>
+                <a:ea typeface="Arial"/>
+                <a:cs typeface="Arial"/>
+                <a:sym typeface="Arial"/>
+              </a:rPr>
+              <a:t>수고하셨습니다!</a:t>
+            </a:r>
+            <a:endParaRPr>
+              <a:solidFill>
+                <a:srgbClr val="434343"/>
+              </a:solidFill>
+            </a:endParaRPr>
+          </a:p>
+        </p:txBody>
+      </p:sp>
+      <p:cxnSp>
+        <p:nvCxnSpPr>
+          <p:cNvPr id="288" name="Google Shape;288;p34"/>
+          <p:cNvCxnSpPr/>
+          <p:nvPr/>
+        </p:nvCxnSpPr>
+        <p:spPr>
+          <a:xfrm>
+            <a:off x="232817" y="4431488"/>
+            <a:ext cx="8678400" cy="0"/>
+          </a:xfrm>
+          <a:prstGeom prst="straightConnector1">
+            <a:avLst/>
+          </a:prstGeom>
+          <a:noFill/>
+          <a:ln cap="flat" cmpd="sng" w="25400">
+            <a:solidFill>
+              <a:srgbClr val="DE5A5F"/>
+            </a:solidFill>
+            <a:prstDash val="solid"/>
+            <a:miter lim="8000"/>
+            <a:headEnd len="sm" w="sm" type="none"/>
+            <a:tailEnd len="sm" w="sm" type="none"/>
+          </a:ln>
+        </p:spPr>
+      </p:cxnSp>
+      <p:cxnSp>
+        <p:nvCxnSpPr>
+          <p:cNvPr id="289" name="Google Shape;289;p34"/>
+          <p:cNvCxnSpPr/>
+          <p:nvPr/>
+        </p:nvCxnSpPr>
+        <p:spPr>
+          <a:xfrm>
+            <a:off x="232817" y="4431488"/>
+            <a:ext cx="8678400" cy="0"/>
+          </a:xfrm>
+          <a:prstGeom prst="straightConnector1">
+            <a:avLst/>
+          </a:prstGeom>
+          <a:noFill/>
+          <a:ln cap="flat" cmpd="sng" w="25400">
+            <a:solidFill>
+              <a:srgbClr val="434343"/>
+            </a:solidFill>
+            <a:prstDash val="solid"/>
+            <a:miter lim="8000"/>
+            <a:headEnd len="sm" w="sm" type="none"/>
+            <a:tailEnd len="sm" w="sm" type="none"/>
+          </a:ln>
+        </p:spPr>
+      </p:cxnSp>
+      <p:pic>
+        <p:nvPicPr>
+          <p:cNvPr id="290" name="Google Shape;290;p34"/>
+          <p:cNvPicPr preferRelativeResize="0"/>
+          <p:nvPr/>
+        </p:nvPicPr>
+        <p:blipFill rotWithShape="1">
+          <a:blip r:embed="rId4">
+            <a:alphaModFix/>
+          </a:blip>
+          <a:srcRect b="0" l="0" r="0" t="0"/>
+          <a:stretch/>
+        </p:blipFill>
+        <p:spPr>
+          <a:xfrm>
+            <a:off x="8204819" y="226331"/>
+            <a:ext cx="719411" cy="220950"/>
+          </a:xfrm>
+          <a:prstGeom prst="rect">
+            <a:avLst/>
+          </a:prstGeom>
+          <a:noFill/>
+          <a:ln>
+            <a:noFill/>
+          </a:ln>
+        </p:spPr>
+      </p:pic>
+    </p:spTree>
+  </p:cSld>
+  <p:clrMapOvr>
+    <a:masterClrMapping/>
+  </p:clrMapOvr>
+</p:sld>
+</file>
+
 <file path=ppt/slides/slide3.xml><?xml version="1.0" encoding="utf-8"?>
 <p:sld xmlns:a="http://schemas.openxmlformats.org/drawingml/2006/main" xmlns:r="http://schemas.openxmlformats.org/officeDocument/2006/relationships" xmlns:mc="http://schemas.openxmlformats.org/markup-compatibility/2006" xmlns:mv="urn:schemas-microsoft-com:mac:vml" xmlns:p="http://schemas.openxmlformats.org/presentationml/2006/main" xmlns:c="http://schemas.openxmlformats.org/drawingml/2006/chart" xmlns:dgm="http://schemas.openxmlformats.org/drawingml/2006/diagram" xmlns:o="urn:schemas-microsoft-com:office:office" xmlns:v="urn:schemas-microsoft-com:vml" xmlns:pvml="urn:schemas-microsoft-com:office:powerpoint" xmlns:com="http://schemas.openxmlformats.org/drawingml/2006/compatibility" xmlns:p14="http://schemas.microsoft.com/office/powerpoint/2010/main" xmlns:p15="http://schemas.microsoft.com/office/powerpoint/2012/main" xmlns:ahyp="http://schemas.microsoft.com/office/drawing/2018/hyperlinkcolor">
   <p:cSld>
@@ -15271,7 +16990,7 @@
     </p:bg>
     <p:spTree>
       <p:nvGrpSpPr>
-        <p:cNvPr id="91" name="Shape 91"/>
+        <p:cNvPr id="92" name="Shape 92"/>
         <p:cNvGrpSpPr/>
         <p:nvPr/>
       </p:nvGrpSpPr>
@@ -15285,7 +17004,1439 @@
       </p:grpSpPr>
       <p:sp>
         <p:nvSpPr>
-          <p:cNvPr id="92" name="Google Shape;92;p17"/>
+          <p:cNvPr id="93" name="Google Shape;93;p17"/>
+          <p:cNvSpPr txBox="1"/>
+          <p:nvPr/>
+        </p:nvSpPr>
+        <p:spPr>
+          <a:xfrm>
+            <a:off x="443757" y="1254400"/>
+            <a:ext cx="8198100" cy="3663300"/>
+          </a:xfrm>
+          <a:prstGeom prst="rect">
+            <a:avLst/>
+          </a:prstGeom>
+          <a:noFill/>
+          <a:ln>
+            <a:noFill/>
+          </a:ln>
+        </p:spPr>
+        <p:txBody>
+          <a:bodyPr anchorCtr="0" anchor="t" bIns="34275" lIns="34275" spcFirstLastPara="1" rIns="34275" wrap="square" tIns="34275">
+            <a:spAutoFit/>
+          </a:bodyPr>
+          <a:lstStyle/>
+          <a:p>
+            <a:pPr indent="-260350" lvl="0" marL="342900" marR="0" rtl="0" algn="l">
+              <a:lnSpc>
+                <a:spcPct val="115000"/>
+              </a:lnSpc>
+              <a:spcBef>
+                <a:spcPts val="0"/>
+              </a:spcBef>
+              <a:spcAft>
+                <a:spcPts val="0"/>
+              </a:spcAft>
+              <a:buClr>
+                <a:srgbClr val="333333"/>
+              </a:buClr>
+              <a:buSzPts val="1500"/>
+              <a:buFont typeface="Helvetica Neue"/>
+              <a:buChar char="•"/>
+            </a:pPr>
+            <a:r>
+              <a:rPr lang="ko" sz="1500">
+                <a:solidFill>
+                  <a:srgbClr val="333333"/>
+                </a:solidFill>
+                <a:latin typeface="Helvetica Neue"/>
+                <a:ea typeface="Helvetica Neue"/>
+                <a:cs typeface="Helvetica Neue"/>
+                <a:sym typeface="Helvetica Neue"/>
+              </a:rPr>
+              <a:t>데이터셋: </a:t>
+            </a:r>
+            <a:r>
+              <a:rPr b="1" lang="ko" sz="1600">
+                <a:solidFill>
+                  <a:srgbClr val="202124"/>
+                </a:solidFill>
+                <a:highlight>
+                  <a:srgbClr val="FFFFFF"/>
+                </a:highlight>
+              </a:rPr>
+              <a:t>Jellyfish Image Dataset</a:t>
+            </a:r>
+            <a:endParaRPr b="1" sz="1600">
+              <a:solidFill>
+                <a:srgbClr val="202124"/>
+              </a:solidFill>
+              <a:highlight>
+                <a:srgbClr val="FFFFFF"/>
+              </a:highlight>
+            </a:endParaRPr>
+          </a:p>
+          <a:p>
+            <a:pPr indent="0" lvl="0" marL="0" marR="0" rtl="0" algn="l">
+              <a:lnSpc>
+                <a:spcPct val="115000"/>
+              </a:lnSpc>
+              <a:spcBef>
+                <a:spcPts val="0"/>
+              </a:spcBef>
+              <a:spcAft>
+                <a:spcPts val="0"/>
+              </a:spcAft>
+              <a:buNone/>
+            </a:pPr>
+            <a:r>
+              <a:t/>
+            </a:r>
+            <a:endParaRPr sz="1200">
+              <a:solidFill>
+                <a:srgbClr val="333333"/>
+              </a:solidFill>
+              <a:latin typeface="Helvetica Neue"/>
+              <a:ea typeface="Helvetica Neue"/>
+              <a:cs typeface="Helvetica Neue"/>
+              <a:sym typeface="Helvetica Neue"/>
+            </a:endParaRPr>
+          </a:p>
+          <a:p>
+            <a:pPr indent="0" lvl="0" marL="0" rtl="0" algn="l">
+              <a:lnSpc>
+                <a:spcPct val="115000"/>
+              </a:lnSpc>
+              <a:spcBef>
+                <a:spcPts val="0"/>
+              </a:spcBef>
+              <a:spcAft>
+                <a:spcPts val="0"/>
+              </a:spcAft>
+              <a:buNone/>
+            </a:pPr>
+            <a:r>
+              <a:rPr lang="ko" sz="1300">
+                <a:solidFill>
+                  <a:srgbClr val="333333"/>
+                </a:solidFill>
+                <a:latin typeface="Helvetica Neue"/>
+                <a:ea typeface="Helvetica Neue"/>
+                <a:cs typeface="Helvetica Neue"/>
+                <a:sym typeface="Helvetica Neue"/>
+              </a:rPr>
+              <a:t>- Moon jellyfish (Aurelia aurita): 반투명한 몸통(exumbrella) 넘어로 4개의 말발굽 모양의 생식선이 보이는 일반적인 해파리 </a:t>
+            </a:r>
+            <a:endParaRPr sz="1300">
+              <a:solidFill>
+                <a:srgbClr val="333333"/>
+              </a:solidFill>
+              <a:latin typeface="Helvetica Neue"/>
+              <a:ea typeface="Helvetica Neue"/>
+              <a:cs typeface="Helvetica Neue"/>
+              <a:sym typeface="Helvetica Neue"/>
+            </a:endParaRPr>
+          </a:p>
+          <a:p>
+            <a:pPr indent="0" lvl="0" marL="0" rtl="0" algn="l">
+              <a:lnSpc>
+                <a:spcPct val="115000"/>
+              </a:lnSpc>
+              <a:spcBef>
+                <a:spcPts val="0"/>
+              </a:spcBef>
+              <a:spcAft>
+                <a:spcPts val="0"/>
+              </a:spcAft>
+              <a:buNone/>
+            </a:pPr>
+            <a:r>
+              <a:rPr lang="ko" sz="1300">
+                <a:solidFill>
+                  <a:srgbClr val="333333"/>
+                </a:solidFill>
+                <a:latin typeface="Helvetica Neue"/>
+                <a:ea typeface="Helvetica Neue"/>
+                <a:cs typeface="Helvetica Neue"/>
+                <a:sym typeface="Helvetica Neue"/>
+              </a:rPr>
+              <a:t>- Barrel jellyfish (Rhizostoma pulmo): 영국 해역에서 발견되는 가장 큰 해파리로 지름이 90cm까지 자랄 수 있음.</a:t>
+            </a:r>
+            <a:endParaRPr sz="1300">
+              <a:solidFill>
+                <a:srgbClr val="333333"/>
+              </a:solidFill>
+              <a:latin typeface="Helvetica Neue"/>
+              <a:ea typeface="Helvetica Neue"/>
+              <a:cs typeface="Helvetica Neue"/>
+              <a:sym typeface="Helvetica Neue"/>
+            </a:endParaRPr>
+          </a:p>
+          <a:p>
+            <a:pPr indent="0" lvl="0" marL="0" rtl="0" algn="l">
+              <a:lnSpc>
+                <a:spcPct val="115000"/>
+              </a:lnSpc>
+              <a:spcBef>
+                <a:spcPts val="0"/>
+              </a:spcBef>
+              <a:spcAft>
+                <a:spcPts val="0"/>
+              </a:spcAft>
+              <a:buNone/>
+            </a:pPr>
+            <a:r>
+              <a:rPr lang="ko" sz="1300">
+                <a:solidFill>
+                  <a:srgbClr val="333333"/>
+                </a:solidFill>
+                <a:latin typeface="Helvetica Neue"/>
+                <a:ea typeface="Helvetica Neue"/>
+                <a:cs typeface="Helvetica Neue"/>
+                <a:sym typeface="Helvetica Neue"/>
+              </a:rPr>
+              <a:t>- Blue jellyfish (Cyanea lamarckii): 지름이 30cm까지 자랄 수 있는 큰 해파리 </a:t>
+            </a:r>
+            <a:endParaRPr sz="1300">
+              <a:solidFill>
+                <a:srgbClr val="333333"/>
+              </a:solidFill>
+              <a:latin typeface="Helvetica Neue"/>
+              <a:ea typeface="Helvetica Neue"/>
+              <a:cs typeface="Helvetica Neue"/>
+              <a:sym typeface="Helvetica Neue"/>
+            </a:endParaRPr>
+          </a:p>
+          <a:p>
+            <a:pPr indent="0" lvl="0" marL="0" rtl="0" algn="l">
+              <a:lnSpc>
+                <a:spcPct val="115000"/>
+              </a:lnSpc>
+              <a:spcBef>
+                <a:spcPts val="0"/>
+              </a:spcBef>
+              <a:spcAft>
+                <a:spcPts val="0"/>
+              </a:spcAft>
+              <a:buNone/>
+            </a:pPr>
+            <a:r>
+              <a:rPr lang="ko" sz="1300">
+                <a:solidFill>
+                  <a:srgbClr val="333333"/>
+                </a:solidFill>
+                <a:latin typeface="Helvetica Neue"/>
+                <a:ea typeface="Helvetica Neue"/>
+                <a:cs typeface="Helvetica Neue"/>
+                <a:sym typeface="Helvetica Neue"/>
+              </a:rPr>
+              <a:t>- Compass jellyfish (Chrysaora hysoscella): 몸통의 갈색 모양이 나침반을 닮아 이름지어짐</a:t>
+            </a:r>
+            <a:endParaRPr sz="1300">
+              <a:solidFill>
+                <a:srgbClr val="333333"/>
+              </a:solidFill>
+              <a:latin typeface="Helvetica Neue"/>
+              <a:ea typeface="Helvetica Neue"/>
+              <a:cs typeface="Helvetica Neue"/>
+              <a:sym typeface="Helvetica Neue"/>
+            </a:endParaRPr>
+          </a:p>
+          <a:p>
+            <a:pPr indent="0" lvl="0" marL="0" rtl="0" algn="l">
+              <a:lnSpc>
+                <a:spcPct val="115000"/>
+              </a:lnSpc>
+              <a:spcBef>
+                <a:spcPts val="0"/>
+              </a:spcBef>
+              <a:spcAft>
+                <a:spcPts val="0"/>
+              </a:spcAft>
+              <a:buNone/>
+            </a:pPr>
+            <a:r>
+              <a:rPr lang="ko" sz="1300">
+                <a:solidFill>
+                  <a:srgbClr val="333333"/>
+                </a:solidFill>
+                <a:latin typeface="Helvetica Neue"/>
+                <a:ea typeface="Helvetica Neue"/>
+                <a:cs typeface="Helvetica Neue"/>
+                <a:sym typeface="Helvetica Neue"/>
+              </a:rPr>
+              <a:t>- Lion’s mane jellyfish (Cyanea capillata): 세계에서 가장 큰 해파리로, 몸통은 2미터까지 자라며 촉수는 30미터에 다다름</a:t>
+            </a:r>
+            <a:endParaRPr sz="1300">
+              <a:solidFill>
+                <a:srgbClr val="333333"/>
+              </a:solidFill>
+              <a:latin typeface="Helvetica Neue"/>
+              <a:ea typeface="Helvetica Neue"/>
+              <a:cs typeface="Helvetica Neue"/>
+              <a:sym typeface="Helvetica Neue"/>
+            </a:endParaRPr>
+          </a:p>
+          <a:p>
+            <a:pPr indent="0" lvl="0" marL="0" rtl="0" algn="l">
+              <a:lnSpc>
+                <a:spcPct val="115000"/>
+              </a:lnSpc>
+              <a:spcBef>
+                <a:spcPts val="0"/>
+              </a:spcBef>
+              <a:spcAft>
+                <a:spcPts val="0"/>
+              </a:spcAft>
+              <a:buNone/>
+            </a:pPr>
+            <a:r>
+              <a:rPr lang="ko" sz="1300">
+                <a:solidFill>
+                  <a:srgbClr val="333333"/>
+                </a:solidFill>
+                <a:latin typeface="Helvetica Neue"/>
+                <a:ea typeface="Helvetica Neue"/>
+                <a:cs typeface="Helvetica Neue"/>
+                <a:sym typeface="Helvetica Neue"/>
+              </a:rPr>
+              <a:t>- Mauve stinger (Pelagia noctiluca): 긴 촉수를 가졌으며 몸통에 독을 쏘는 세포로 가득찬 혹 같은 구조물을 가진 작은 해파리</a:t>
+            </a:r>
+            <a:endParaRPr sz="1300">
+              <a:solidFill>
+                <a:srgbClr val="333333"/>
+              </a:solidFill>
+              <a:latin typeface="Helvetica Neue"/>
+              <a:ea typeface="Helvetica Neue"/>
+              <a:cs typeface="Helvetica Neue"/>
+              <a:sym typeface="Helvetica Neue"/>
+            </a:endParaRPr>
+          </a:p>
+          <a:p>
+            <a:pPr indent="0" lvl="0" marL="0" rtl="0" algn="l">
+              <a:lnSpc>
+                <a:spcPct val="115000"/>
+              </a:lnSpc>
+              <a:spcBef>
+                <a:spcPts val="0"/>
+              </a:spcBef>
+              <a:spcAft>
+                <a:spcPts val="0"/>
+              </a:spcAft>
+              <a:buNone/>
+            </a:pPr>
+            <a:r>
+              <a:t/>
+            </a:r>
+            <a:endParaRPr sz="1500">
+              <a:solidFill>
+                <a:srgbClr val="333333"/>
+              </a:solidFill>
+              <a:latin typeface="Helvetica Neue"/>
+              <a:ea typeface="Helvetica Neue"/>
+              <a:cs typeface="Helvetica Neue"/>
+              <a:sym typeface="Helvetica Neue"/>
+            </a:endParaRPr>
+          </a:p>
+          <a:p>
+            <a:pPr indent="0" lvl="0" marL="0" rtl="0" algn="l">
+              <a:lnSpc>
+                <a:spcPct val="115000"/>
+              </a:lnSpc>
+              <a:spcBef>
+                <a:spcPts val="0"/>
+              </a:spcBef>
+              <a:spcAft>
+                <a:spcPts val="0"/>
+              </a:spcAft>
+              <a:buNone/>
+            </a:pPr>
+            <a:r>
+              <a:t/>
+            </a:r>
+            <a:endParaRPr sz="1500">
+              <a:solidFill>
+                <a:srgbClr val="333333"/>
+              </a:solidFill>
+              <a:latin typeface="Helvetica Neue"/>
+              <a:ea typeface="Helvetica Neue"/>
+              <a:cs typeface="Helvetica Neue"/>
+              <a:sym typeface="Helvetica Neue"/>
+            </a:endParaRPr>
+          </a:p>
+          <a:p>
+            <a:pPr indent="0" lvl="0" marL="0" rtl="0" algn="l">
+              <a:lnSpc>
+                <a:spcPct val="115000"/>
+              </a:lnSpc>
+              <a:spcBef>
+                <a:spcPts val="0"/>
+              </a:spcBef>
+              <a:spcAft>
+                <a:spcPts val="0"/>
+              </a:spcAft>
+              <a:buNone/>
+            </a:pPr>
+            <a:r>
+              <a:t/>
+            </a:r>
+            <a:endParaRPr sz="1500">
+              <a:solidFill>
+                <a:srgbClr val="333333"/>
+              </a:solidFill>
+              <a:latin typeface="Helvetica Neue"/>
+              <a:ea typeface="Helvetica Neue"/>
+              <a:cs typeface="Helvetica Neue"/>
+              <a:sym typeface="Helvetica Neue"/>
+            </a:endParaRPr>
+          </a:p>
+          <a:p>
+            <a:pPr indent="0" lvl="0" marL="0" marR="0" rtl="0" algn="l">
+              <a:lnSpc>
+                <a:spcPct val="115000"/>
+              </a:lnSpc>
+              <a:spcBef>
+                <a:spcPts val="0"/>
+              </a:spcBef>
+              <a:spcAft>
+                <a:spcPts val="0"/>
+              </a:spcAft>
+              <a:buNone/>
+            </a:pPr>
+            <a:r>
+              <a:t/>
+            </a:r>
+            <a:endParaRPr sz="1500">
+              <a:solidFill>
+                <a:srgbClr val="333333"/>
+              </a:solidFill>
+              <a:latin typeface="Helvetica Neue"/>
+              <a:ea typeface="Helvetica Neue"/>
+              <a:cs typeface="Helvetica Neue"/>
+              <a:sym typeface="Helvetica Neue"/>
+            </a:endParaRPr>
+          </a:p>
+        </p:txBody>
+      </p:sp>
+      <p:sp>
+        <p:nvSpPr>
+          <p:cNvPr id="94" name="Google Shape;94;p17"/>
+          <p:cNvSpPr/>
+          <p:nvPr/>
+        </p:nvSpPr>
+        <p:spPr>
+          <a:xfrm>
+            <a:off x="469915" y="1025269"/>
+            <a:ext cx="802800" cy="36000"/>
+          </a:xfrm>
+          <a:prstGeom prst="rect">
+            <a:avLst/>
+          </a:prstGeom>
+          <a:solidFill>
+            <a:srgbClr val="FFCD05"/>
+          </a:solidFill>
+          <a:ln>
+            <a:noFill/>
+          </a:ln>
+        </p:spPr>
+        <p:txBody>
+          <a:bodyPr anchorCtr="0" anchor="ctr" bIns="34275" lIns="34275" spcFirstLastPara="1" rIns="34275" wrap="square" tIns="34275">
+            <a:noAutofit/>
+          </a:bodyPr>
+          <a:lstStyle/>
+          <a:p>
+            <a:pPr indent="0" lvl="0" marL="0" marR="0" rtl="0" algn="l">
+              <a:lnSpc>
+                <a:spcPct val="100000"/>
+              </a:lnSpc>
+              <a:spcBef>
+                <a:spcPts val="0"/>
+              </a:spcBef>
+              <a:spcAft>
+                <a:spcPts val="0"/>
+              </a:spcAft>
+              <a:buClr>
+                <a:srgbClr val="000000"/>
+              </a:buClr>
+              <a:buSzPts val="1400"/>
+              <a:buFont typeface="Arial"/>
+              <a:buNone/>
+            </a:pPr>
+            <a:r>
+              <a:t/>
+            </a:r>
+            <a:endParaRPr b="0" i="0" sz="1400" u="none" cap="none" strike="noStrike">
+              <a:solidFill>
+                <a:srgbClr val="000000"/>
+              </a:solidFill>
+              <a:latin typeface="Arial"/>
+              <a:ea typeface="Arial"/>
+              <a:cs typeface="Arial"/>
+              <a:sym typeface="Arial"/>
+            </a:endParaRPr>
+          </a:p>
+        </p:txBody>
+      </p:sp>
+      <p:sp>
+        <p:nvSpPr>
+          <p:cNvPr id="95" name="Google Shape;95;p17"/>
+          <p:cNvSpPr txBox="1"/>
+          <p:nvPr>
+            <p:ph type="title"/>
+          </p:nvPr>
+        </p:nvSpPr>
+        <p:spPr>
+          <a:xfrm>
+            <a:off x="390675" y="450919"/>
+            <a:ext cx="6720000" cy="533100"/>
+          </a:xfrm>
+          <a:prstGeom prst="rect">
+            <a:avLst/>
+          </a:prstGeom>
+          <a:noFill/>
+          <a:ln>
+            <a:noFill/>
+          </a:ln>
+        </p:spPr>
+        <p:txBody>
+          <a:bodyPr anchorCtr="0" anchor="ctr" bIns="34275" lIns="34275" spcFirstLastPara="1" rIns="34275" wrap="square" tIns="34275">
+            <a:normAutofit/>
+          </a:bodyPr>
+          <a:lstStyle/>
+          <a:p>
+            <a:pPr indent="0" lvl="0" marL="0" rtl="0" algn="l">
+              <a:lnSpc>
+                <a:spcPct val="90000"/>
+              </a:lnSpc>
+              <a:spcBef>
+                <a:spcPts val="0"/>
+              </a:spcBef>
+              <a:spcAft>
+                <a:spcPts val="0"/>
+              </a:spcAft>
+              <a:buClr>
+                <a:srgbClr val="FFFFFF"/>
+              </a:buClr>
+              <a:buSzPts val="2100"/>
+              <a:buFont typeface="Arial"/>
+              <a:buNone/>
+            </a:pPr>
+            <a:r>
+              <a:rPr lang="ko" sz="2100">
+                <a:solidFill>
+                  <a:srgbClr val="404040"/>
+                </a:solidFill>
+              </a:rPr>
+              <a:t>데이터 가공과 수집</a:t>
+            </a:r>
+            <a:endParaRPr sz="2300">
+              <a:solidFill>
+                <a:srgbClr val="404040"/>
+              </a:solidFill>
+              <a:latin typeface="Arial"/>
+              <a:ea typeface="Arial"/>
+              <a:cs typeface="Arial"/>
+              <a:sym typeface="Arial"/>
+            </a:endParaRPr>
+          </a:p>
+        </p:txBody>
+      </p:sp>
+      <p:pic>
+        <p:nvPicPr>
+          <p:cNvPr id="96" name="Google Shape;96;p17"/>
+          <p:cNvPicPr preferRelativeResize="0"/>
+          <p:nvPr/>
+        </p:nvPicPr>
+        <p:blipFill rotWithShape="1">
+          <a:blip r:embed="rId3">
+            <a:alphaModFix/>
+          </a:blip>
+          <a:srcRect b="0" l="0" r="0" t="0"/>
+          <a:stretch/>
+        </p:blipFill>
+        <p:spPr>
+          <a:xfrm>
+            <a:off x="8204819" y="226331"/>
+            <a:ext cx="719411" cy="220950"/>
+          </a:xfrm>
+          <a:prstGeom prst="rect">
+            <a:avLst/>
+          </a:prstGeom>
+          <a:noFill/>
+          <a:ln>
+            <a:noFill/>
+          </a:ln>
+        </p:spPr>
+      </p:pic>
+      <p:pic>
+        <p:nvPicPr>
+          <p:cNvPr id="97" name="Google Shape;97;p17"/>
+          <p:cNvPicPr preferRelativeResize="0"/>
+          <p:nvPr/>
+        </p:nvPicPr>
+        <p:blipFill>
+          <a:blip r:embed="rId4">
+            <a:alphaModFix/>
+          </a:blip>
+          <a:stretch>
+            <a:fillRect/>
+          </a:stretch>
+        </p:blipFill>
+        <p:spPr>
+          <a:xfrm>
+            <a:off x="972875" y="447275"/>
+            <a:ext cx="2133600" cy="2133600"/>
+          </a:xfrm>
+          <a:prstGeom prst="rect">
+            <a:avLst/>
+          </a:prstGeom>
+          <a:noFill/>
+          <a:ln>
+            <a:noFill/>
+          </a:ln>
+        </p:spPr>
+      </p:pic>
+      <p:pic>
+        <p:nvPicPr>
+          <p:cNvPr id="98" name="Google Shape;98;p17"/>
+          <p:cNvPicPr preferRelativeResize="0"/>
+          <p:nvPr/>
+        </p:nvPicPr>
+        <p:blipFill>
+          <a:blip r:embed="rId5">
+            <a:alphaModFix/>
+          </a:blip>
+          <a:stretch>
+            <a:fillRect/>
+          </a:stretch>
+        </p:blipFill>
+        <p:spPr>
+          <a:xfrm>
+            <a:off x="3603750" y="447275"/>
+            <a:ext cx="2133600" cy="2133600"/>
+          </a:xfrm>
+          <a:prstGeom prst="rect">
+            <a:avLst/>
+          </a:prstGeom>
+          <a:noFill/>
+          <a:ln>
+            <a:noFill/>
+          </a:ln>
+        </p:spPr>
+      </p:pic>
+      <p:pic>
+        <p:nvPicPr>
+          <p:cNvPr id="99" name="Google Shape;99;p17"/>
+          <p:cNvPicPr preferRelativeResize="0"/>
+          <p:nvPr/>
+        </p:nvPicPr>
+        <p:blipFill>
+          <a:blip r:embed="rId6">
+            <a:alphaModFix/>
+          </a:blip>
+          <a:stretch>
+            <a:fillRect/>
+          </a:stretch>
+        </p:blipFill>
+        <p:spPr>
+          <a:xfrm>
+            <a:off x="6131175" y="447275"/>
+            <a:ext cx="2133600" cy="2133600"/>
+          </a:xfrm>
+          <a:prstGeom prst="rect">
+            <a:avLst/>
+          </a:prstGeom>
+          <a:noFill/>
+          <a:ln>
+            <a:noFill/>
+          </a:ln>
+        </p:spPr>
+      </p:pic>
+      <p:pic>
+        <p:nvPicPr>
+          <p:cNvPr id="100" name="Google Shape;100;p17"/>
+          <p:cNvPicPr preferRelativeResize="0"/>
+          <p:nvPr/>
+        </p:nvPicPr>
+        <p:blipFill>
+          <a:blip r:embed="rId7">
+            <a:alphaModFix/>
+          </a:blip>
+          <a:stretch>
+            <a:fillRect/>
+          </a:stretch>
+        </p:blipFill>
+        <p:spPr>
+          <a:xfrm>
+            <a:off x="972875" y="2798225"/>
+            <a:ext cx="2133600" cy="2133600"/>
+          </a:xfrm>
+          <a:prstGeom prst="rect">
+            <a:avLst/>
+          </a:prstGeom>
+          <a:noFill/>
+          <a:ln>
+            <a:noFill/>
+          </a:ln>
+        </p:spPr>
+      </p:pic>
+      <p:pic>
+        <p:nvPicPr>
+          <p:cNvPr id="101" name="Google Shape;101;p17"/>
+          <p:cNvPicPr preferRelativeResize="0"/>
+          <p:nvPr/>
+        </p:nvPicPr>
+        <p:blipFill>
+          <a:blip r:embed="rId8">
+            <a:alphaModFix/>
+          </a:blip>
+          <a:stretch>
+            <a:fillRect/>
+          </a:stretch>
+        </p:blipFill>
+        <p:spPr>
+          <a:xfrm>
+            <a:off x="3603750" y="2798225"/>
+            <a:ext cx="2133600" cy="2133600"/>
+          </a:xfrm>
+          <a:prstGeom prst="rect">
+            <a:avLst/>
+          </a:prstGeom>
+          <a:noFill/>
+          <a:ln>
+            <a:noFill/>
+          </a:ln>
+        </p:spPr>
+      </p:pic>
+      <p:pic>
+        <p:nvPicPr>
+          <p:cNvPr id="102" name="Google Shape;102;p17"/>
+          <p:cNvPicPr preferRelativeResize="0"/>
+          <p:nvPr/>
+        </p:nvPicPr>
+        <p:blipFill>
+          <a:blip r:embed="rId9">
+            <a:alphaModFix/>
+          </a:blip>
+          <a:stretch>
+            <a:fillRect/>
+          </a:stretch>
+        </p:blipFill>
+        <p:spPr>
+          <a:xfrm>
+            <a:off x="6131175" y="2798225"/>
+            <a:ext cx="2133600" cy="2133600"/>
+          </a:xfrm>
+          <a:prstGeom prst="rect">
+            <a:avLst/>
+          </a:prstGeom>
+          <a:noFill/>
+          <a:ln>
+            <a:noFill/>
+          </a:ln>
+        </p:spPr>
+      </p:pic>
+    </p:spTree>
+  </p:cSld>
+  <p:clrMapOvr>
+    <a:masterClrMapping/>
+  </p:clrMapOvr>
+  <p:timing>
+    <p:tnLst>
+      <p:par>
+        <p:cTn dur="indefinite" nodeType="tmRoot" restart="never">
+          <p:childTnLst>
+            <p:seq concurrent="1" nextAc="seek">
+              <p:cTn dur="indefinite" id="2" nodeType="mainSeq">
+                <p:childTnLst>
+                  <p:par>
+                    <p:cTn fill="hold">
+                      <p:stCondLst>
+                        <p:cond delay="indefinite"/>
+                      </p:stCondLst>
+                      <p:childTnLst>
+                        <p:par>
+                          <p:cTn fill="hold">
+                            <p:stCondLst>
+                              <p:cond delay="0"/>
+                            </p:stCondLst>
+                            <p:childTnLst>
+                              <p:par>
+                                <p:cTn fill="hold" nodeType="clickEffect" presetClass="entr" presetID="23" presetSubtype="16">
+                                  <p:stCondLst>
+                                    <p:cond delay="0"/>
+                                  </p:stCondLst>
+                                  <p:childTnLst>
+                                    <p:set>
+                                      <p:cBhvr>
+                                        <p:cTn dur="1" fill="hold">
+                                          <p:stCondLst>
+                                            <p:cond delay="0"/>
+                                          </p:stCondLst>
+                                        </p:cTn>
+                                        <p:tgtEl>
+                                          <p:spTgt spid="97"/>
+                                        </p:tgtEl>
+                                        <p:attrNameLst>
+                                          <p:attrName>style.visibility</p:attrName>
+                                        </p:attrNameLst>
+                                      </p:cBhvr>
+                                      <p:to>
+                                        <p:strVal val="visible"/>
+                                      </p:to>
+                                    </p:set>
+                                    <p:anim calcmode="lin" valueType="num">
+                                      <p:cBhvr additive="base">
+                                        <p:cTn dur="500"/>
+                                        <p:tgtEl>
+                                          <p:spTgt spid="97"/>
+                                        </p:tgtEl>
+                                        <p:attrNameLst>
+                                          <p:attrName>ppt_w</p:attrName>
+                                        </p:attrNameLst>
+                                      </p:cBhvr>
+                                      <p:tavLst>
+                                        <p:tav fmla="" tm="0">
+                                          <p:val>
+                                            <p:strVal val="0"/>
+                                          </p:val>
+                                        </p:tav>
+                                        <p:tav fmla="" tm="100000">
+                                          <p:val>
+                                            <p:strVal val="#ppt_w"/>
+                                          </p:val>
+                                        </p:tav>
+                                      </p:tavLst>
+                                    </p:anim>
+                                    <p:anim calcmode="lin" valueType="num">
+                                      <p:cBhvr additive="base">
+                                        <p:cTn dur="500"/>
+                                        <p:tgtEl>
+                                          <p:spTgt spid="97"/>
+                                        </p:tgtEl>
+                                        <p:attrNameLst>
+                                          <p:attrName>ppt_h</p:attrName>
+                                        </p:attrNameLst>
+                                      </p:cBhvr>
+                                      <p:tavLst>
+                                        <p:tav fmla="" tm="0">
+                                          <p:val>
+                                            <p:strVal val="0"/>
+                                          </p:val>
+                                        </p:tav>
+                                        <p:tav fmla="" tm="100000">
+                                          <p:val>
+                                            <p:strVal val="#ppt_h"/>
+                                          </p:val>
+                                        </p:tav>
+                                      </p:tavLst>
+                                    </p:anim>
+                                  </p:childTnLst>
+                                </p:cTn>
+                              </p:par>
+                            </p:childTnLst>
+                          </p:cTn>
+                        </p:par>
+                      </p:childTnLst>
+                    </p:cTn>
+                  </p:par>
+                  <p:par>
+                    <p:cTn fill="hold">
+                      <p:stCondLst>
+                        <p:cond delay="indefinite"/>
+                      </p:stCondLst>
+                      <p:childTnLst>
+                        <p:par>
+                          <p:cTn fill="hold">
+                            <p:stCondLst>
+                              <p:cond delay="0"/>
+                            </p:stCondLst>
+                            <p:childTnLst>
+                              <p:par>
+                                <p:cTn fill="hold" nodeType="clickEffect" presetClass="entr" presetID="23" presetSubtype="16">
+                                  <p:stCondLst>
+                                    <p:cond delay="0"/>
+                                  </p:stCondLst>
+                                  <p:childTnLst>
+                                    <p:set>
+                                      <p:cBhvr>
+                                        <p:cTn dur="1" fill="hold">
+                                          <p:stCondLst>
+                                            <p:cond delay="0"/>
+                                          </p:stCondLst>
+                                        </p:cTn>
+                                        <p:tgtEl>
+                                          <p:spTgt spid="98"/>
+                                        </p:tgtEl>
+                                        <p:attrNameLst>
+                                          <p:attrName>style.visibility</p:attrName>
+                                        </p:attrNameLst>
+                                      </p:cBhvr>
+                                      <p:to>
+                                        <p:strVal val="visible"/>
+                                      </p:to>
+                                    </p:set>
+                                    <p:anim calcmode="lin" valueType="num">
+                                      <p:cBhvr additive="base">
+                                        <p:cTn dur="500"/>
+                                        <p:tgtEl>
+                                          <p:spTgt spid="98"/>
+                                        </p:tgtEl>
+                                        <p:attrNameLst>
+                                          <p:attrName>ppt_w</p:attrName>
+                                        </p:attrNameLst>
+                                      </p:cBhvr>
+                                      <p:tavLst>
+                                        <p:tav fmla="" tm="0">
+                                          <p:val>
+                                            <p:strVal val="0"/>
+                                          </p:val>
+                                        </p:tav>
+                                        <p:tav fmla="" tm="100000">
+                                          <p:val>
+                                            <p:strVal val="#ppt_w"/>
+                                          </p:val>
+                                        </p:tav>
+                                      </p:tavLst>
+                                    </p:anim>
+                                    <p:anim calcmode="lin" valueType="num">
+                                      <p:cBhvr additive="base">
+                                        <p:cTn dur="500"/>
+                                        <p:tgtEl>
+                                          <p:spTgt spid="98"/>
+                                        </p:tgtEl>
+                                        <p:attrNameLst>
+                                          <p:attrName>ppt_h</p:attrName>
+                                        </p:attrNameLst>
+                                      </p:cBhvr>
+                                      <p:tavLst>
+                                        <p:tav fmla="" tm="0">
+                                          <p:val>
+                                            <p:strVal val="0"/>
+                                          </p:val>
+                                        </p:tav>
+                                        <p:tav fmla="" tm="100000">
+                                          <p:val>
+                                            <p:strVal val="#ppt_h"/>
+                                          </p:val>
+                                        </p:tav>
+                                      </p:tavLst>
+                                    </p:anim>
+                                  </p:childTnLst>
+                                </p:cTn>
+                              </p:par>
+                            </p:childTnLst>
+                          </p:cTn>
+                        </p:par>
+                      </p:childTnLst>
+                    </p:cTn>
+                  </p:par>
+                  <p:par>
+                    <p:cTn fill="hold">
+                      <p:stCondLst>
+                        <p:cond delay="indefinite"/>
+                      </p:stCondLst>
+                      <p:childTnLst>
+                        <p:par>
+                          <p:cTn fill="hold">
+                            <p:stCondLst>
+                              <p:cond delay="0"/>
+                            </p:stCondLst>
+                            <p:childTnLst>
+                              <p:par>
+                                <p:cTn fill="hold" nodeType="clickEffect" presetClass="entr" presetID="23" presetSubtype="16">
+                                  <p:stCondLst>
+                                    <p:cond delay="0"/>
+                                  </p:stCondLst>
+                                  <p:childTnLst>
+                                    <p:set>
+                                      <p:cBhvr>
+                                        <p:cTn dur="1" fill="hold">
+                                          <p:stCondLst>
+                                            <p:cond delay="0"/>
+                                          </p:stCondLst>
+                                        </p:cTn>
+                                        <p:tgtEl>
+                                          <p:spTgt spid="99"/>
+                                        </p:tgtEl>
+                                        <p:attrNameLst>
+                                          <p:attrName>style.visibility</p:attrName>
+                                        </p:attrNameLst>
+                                      </p:cBhvr>
+                                      <p:to>
+                                        <p:strVal val="visible"/>
+                                      </p:to>
+                                    </p:set>
+                                    <p:anim calcmode="lin" valueType="num">
+                                      <p:cBhvr additive="base">
+                                        <p:cTn dur="500"/>
+                                        <p:tgtEl>
+                                          <p:spTgt spid="99"/>
+                                        </p:tgtEl>
+                                        <p:attrNameLst>
+                                          <p:attrName>ppt_w</p:attrName>
+                                        </p:attrNameLst>
+                                      </p:cBhvr>
+                                      <p:tavLst>
+                                        <p:tav fmla="" tm="0">
+                                          <p:val>
+                                            <p:strVal val="0"/>
+                                          </p:val>
+                                        </p:tav>
+                                        <p:tav fmla="" tm="100000">
+                                          <p:val>
+                                            <p:strVal val="#ppt_w"/>
+                                          </p:val>
+                                        </p:tav>
+                                      </p:tavLst>
+                                    </p:anim>
+                                    <p:anim calcmode="lin" valueType="num">
+                                      <p:cBhvr additive="base">
+                                        <p:cTn dur="500"/>
+                                        <p:tgtEl>
+                                          <p:spTgt spid="99"/>
+                                        </p:tgtEl>
+                                        <p:attrNameLst>
+                                          <p:attrName>ppt_h</p:attrName>
+                                        </p:attrNameLst>
+                                      </p:cBhvr>
+                                      <p:tavLst>
+                                        <p:tav fmla="" tm="0">
+                                          <p:val>
+                                            <p:strVal val="0"/>
+                                          </p:val>
+                                        </p:tav>
+                                        <p:tav fmla="" tm="100000">
+                                          <p:val>
+                                            <p:strVal val="#ppt_h"/>
+                                          </p:val>
+                                        </p:tav>
+                                      </p:tavLst>
+                                    </p:anim>
+                                  </p:childTnLst>
+                                </p:cTn>
+                              </p:par>
+                            </p:childTnLst>
+                          </p:cTn>
+                        </p:par>
+                      </p:childTnLst>
+                    </p:cTn>
+                  </p:par>
+                  <p:par>
+                    <p:cTn fill="hold">
+                      <p:stCondLst>
+                        <p:cond delay="indefinite"/>
+                      </p:stCondLst>
+                      <p:childTnLst>
+                        <p:par>
+                          <p:cTn fill="hold">
+                            <p:stCondLst>
+                              <p:cond delay="0"/>
+                            </p:stCondLst>
+                            <p:childTnLst>
+                              <p:par>
+                                <p:cTn fill="hold" nodeType="clickEffect" presetClass="entr" presetID="23" presetSubtype="16">
+                                  <p:stCondLst>
+                                    <p:cond delay="0"/>
+                                  </p:stCondLst>
+                                  <p:childTnLst>
+                                    <p:set>
+                                      <p:cBhvr>
+                                        <p:cTn dur="1" fill="hold">
+                                          <p:stCondLst>
+                                            <p:cond delay="0"/>
+                                          </p:stCondLst>
+                                        </p:cTn>
+                                        <p:tgtEl>
+                                          <p:spTgt spid="100"/>
+                                        </p:tgtEl>
+                                        <p:attrNameLst>
+                                          <p:attrName>style.visibility</p:attrName>
+                                        </p:attrNameLst>
+                                      </p:cBhvr>
+                                      <p:to>
+                                        <p:strVal val="visible"/>
+                                      </p:to>
+                                    </p:set>
+                                    <p:anim calcmode="lin" valueType="num">
+                                      <p:cBhvr additive="base">
+                                        <p:cTn dur="500"/>
+                                        <p:tgtEl>
+                                          <p:spTgt spid="100"/>
+                                        </p:tgtEl>
+                                        <p:attrNameLst>
+                                          <p:attrName>ppt_w</p:attrName>
+                                        </p:attrNameLst>
+                                      </p:cBhvr>
+                                      <p:tavLst>
+                                        <p:tav fmla="" tm="0">
+                                          <p:val>
+                                            <p:strVal val="0"/>
+                                          </p:val>
+                                        </p:tav>
+                                        <p:tav fmla="" tm="100000">
+                                          <p:val>
+                                            <p:strVal val="#ppt_w"/>
+                                          </p:val>
+                                        </p:tav>
+                                      </p:tavLst>
+                                    </p:anim>
+                                    <p:anim calcmode="lin" valueType="num">
+                                      <p:cBhvr additive="base">
+                                        <p:cTn dur="500"/>
+                                        <p:tgtEl>
+                                          <p:spTgt spid="100"/>
+                                        </p:tgtEl>
+                                        <p:attrNameLst>
+                                          <p:attrName>ppt_h</p:attrName>
+                                        </p:attrNameLst>
+                                      </p:cBhvr>
+                                      <p:tavLst>
+                                        <p:tav fmla="" tm="0">
+                                          <p:val>
+                                            <p:strVal val="0"/>
+                                          </p:val>
+                                        </p:tav>
+                                        <p:tav fmla="" tm="100000">
+                                          <p:val>
+                                            <p:strVal val="#ppt_h"/>
+                                          </p:val>
+                                        </p:tav>
+                                      </p:tavLst>
+                                    </p:anim>
+                                  </p:childTnLst>
+                                </p:cTn>
+                              </p:par>
+                            </p:childTnLst>
+                          </p:cTn>
+                        </p:par>
+                      </p:childTnLst>
+                    </p:cTn>
+                  </p:par>
+                  <p:par>
+                    <p:cTn fill="hold">
+                      <p:stCondLst>
+                        <p:cond delay="indefinite"/>
+                      </p:stCondLst>
+                      <p:childTnLst>
+                        <p:par>
+                          <p:cTn fill="hold">
+                            <p:stCondLst>
+                              <p:cond delay="0"/>
+                            </p:stCondLst>
+                            <p:childTnLst>
+                              <p:par>
+                                <p:cTn fill="hold" nodeType="clickEffect" presetClass="entr" presetID="23" presetSubtype="16">
+                                  <p:stCondLst>
+                                    <p:cond delay="0"/>
+                                  </p:stCondLst>
+                                  <p:childTnLst>
+                                    <p:set>
+                                      <p:cBhvr>
+                                        <p:cTn dur="1" fill="hold">
+                                          <p:stCondLst>
+                                            <p:cond delay="0"/>
+                                          </p:stCondLst>
+                                        </p:cTn>
+                                        <p:tgtEl>
+                                          <p:spTgt spid="101"/>
+                                        </p:tgtEl>
+                                        <p:attrNameLst>
+                                          <p:attrName>style.visibility</p:attrName>
+                                        </p:attrNameLst>
+                                      </p:cBhvr>
+                                      <p:to>
+                                        <p:strVal val="visible"/>
+                                      </p:to>
+                                    </p:set>
+                                    <p:anim calcmode="lin" valueType="num">
+                                      <p:cBhvr additive="base">
+                                        <p:cTn dur="500"/>
+                                        <p:tgtEl>
+                                          <p:spTgt spid="101"/>
+                                        </p:tgtEl>
+                                        <p:attrNameLst>
+                                          <p:attrName>ppt_w</p:attrName>
+                                        </p:attrNameLst>
+                                      </p:cBhvr>
+                                      <p:tavLst>
+                                        <p:tav fmla="" tm="0">
+                                          <p:val>
+                                            <p:strVal val="0"/>
+                                          </p:val>
+                                        </p:tav>
+                                        <p:tav fmla="" tm="100000">
+                                          <p:val>
+                                            <p:strVal val="#ppt_w"/>
+                                          </p:val>
+                                        </p:tav>
+                                      </p:tavLst>
+                                    </p:anim>
+                                    <p:anim calcmode="lin" valueType="num">
+                                      <p:cBhvr additive="base">
+                                        <p:cTn dur="500"/>
+                                        <p:tgtEl>
+                                          <p:spTgt spid="101"/>
+                                        </p:tgtEl>
+                                        <p:attrNameLst>
+                                          <p:attrName>ppt_h</p:attrName>
+                                        </p:attrNameLst>
+                                      </p:cBhvr>
+                                      <p:tavLst>
+                                        <p:tav fmla="" tm="0">
+                                          <p:val>
+                                            <p:strVal val="0"/>
+                                          </p:val>
+                                        </p:tav>
+                                        <p:tav fmla="" tm="100000">
+                                          <p:val>
+                                            <p:strVal val="#ppt_h"/>
+                                          </p:val>
+                                        </p:tav>
+                                      </p:tavLst>
+                                    </p:anim>
+                                  </p:childTnLst>
+                                </p:cTn>
+                              </p:par>
+                            </p:childTnLst>
+                          </p:cTn>
+                        </p:par>
+                      </p:childTnLst>
+                    </p:cTn>
+                  </p:par>
+                  <p:par>
+                    <p:cTn fill="hold">
+                      <p:stCondLst>
+                        <p:cond delay="indefinite"/>
+                      </p:stCondLst>
+                      <p:childTnLst>
+                        <p:par>
+                          <p:cTn fill="hold">
+                            <p:stCondLst>
+                              <p:cond delay="0"/>
+                            </p:stCondLst>
+                            <p:childTnLst>
+                              <p:par>
+                                <p:cTn fill="hold" nodeType="clickEffect" presetClass="entr" presetID="23" presetSubtype="16">
+                                  <p:stCondLst>
+                                    <p:cond delay="0"/>
+                                  </p:stCondLst>
+                                  <p:childTnLst>
+                                    <p:set>
+                                      <p:cBhvr>
+                                        <p:cTn dur="1" fill="hold">
+                                          <p:stCondLst>
+                                            <p:cond delay="0"/>
+                                          </p:stCondLst>
+                                        </p:cTn>
+                                        <p:tgtEl>
+                                          <p:spTgt spid="102"/>
+                                        </p:tgtEl>
+                                        <p:attrNameLst>
+                                          <p:attrName>style.visibility</p:attrName>
+                                        </p:attrNameLst>
+                                      </p:cBhvr>
+                                      <p:to>
+                                        <p:strVal val="visible"/>
+                                      </p:to>
+                                    </p:set>
+                                    <p:anim calcmode="lin" valueType="num">
+                                      <p:cBhvr additive="base">
+                                        <p:cTn dur="500"/>
+                                        <p:tgtEl>
+                                          <p:spTgt spid="102"/>
+                                        </p:tgtEl>
+                                        <p:attrNameLst>
+                                          <p:attrName>ppt_w</p:attrName>
+                                        </p:attrNameLst>
+                                      </p:cBhvr>
+                                      <p:tavLst>
+                                        <p:tav fmla="" tm="0">
+                                          <p:val>
+                                            <p:strVal val="0"/>
+                                          </p:val>
+                                        </p:tav>
+                                        <p:tav fmla="" tm="100000">
+                                          <p:val>
+                                            <p:strVal val="#ppt_w"/>
+                                          </p:val>
+                                        </p:tav>
+                                      </p:tavLst>
+                                    </p:anim>
+                                    <p:anim calcmode="lin" valueType="num">
+                                      <p:cBhvr additive="base">
+                                        <p:cTn dur="500"/>
+                                        <p:tgtEl>
+                                          <p:spTgt spid="102"/>
+                                        </p:tgtEl>
+                                        <p:attrNameLst>
+                                          <p:attrName>ppt_h</p:attrName>
+                                        </p:attrNameLst>
+                                      </p:cBhvr>
+                                      <p:tavLst>
+                                        <p:tav fmla="" tm="0">
+                                          <p:val>
+                                            <p:strVal val="0"/>
+                                          </p:val>
+                                        </p:tav>
+                                        <p:tav fmla="" tm="100000">
+                                          <p:val>
+                                            <p:strVal val="#ppt_h"/>
+                                          </p:val>
+                                        </p:tav>
+                                      </p:tavLst>
+                                    </p:anim>
+                                  </p:childTnLst>
+                                </p:cTn>
+                              </p:par>
+                            </p:childTnLst>
+                          </p:cTn>
+                        </p:par>
+                      </p:childTnLst>
+                    </p:cTn>
+                  </p:par>
+                  <p:par>
+                    <p:cTn fill="hold">
+                      <p:stCondLst>
+                        <p:cond delay="indefinite"/>
+                      </p:stCondLst>
+                      <p:childTnLst>
+                        <p:par>
+                          <p:cTn fill="hold">
+                            <p:stCondLst>
+                              <p:cond delay="0"/>
+                            </p:stCondLst>
+                            <p:childTnLst>
+                              <p:par>
+                                <p:cTn fill="hold" nodeType="clickEffect" presetClass="entr" presetID="1" presetSubtype="0">
+                                  <p:stCondLst>
+                                    <p:cond delay="0"/>
+                                  </p:stCondLst>
+                                  <p:childTnLst>
+                                    <p:set>
+                                      <p:cBhvr>
+                                        <p:cTn dur="1" fill="hold">
+                                          <p:stCondLst>
+                                            <p:cond delay="0"/>
+                                          </p:stCondLst>
+                                        </p:cTn>
+                                        <p:tgtEl>
+                                          <p:spTgt spid="97"/>
+                                        </p:tgtEl>
+                                        <p:attrNameLst>
+                                          <p:attrName>style.visibility</p:attrName>
+                                        </p:attrNameLst>
+                                      </p:cBhvr>
+                                      <p:to>
+                                        <p:strVal val="visible"/>
+                                      </p:to>
+                                    </p:set>
+                                  </p:childTnLst>
+                                </p:cTn>
+                              </p:par>
+                            </p:childTnLst>
+                          </p:cTn>
+                        </p:par>
+                      </p:childTnLst>
+                    </p:cTn>
+                  </p:par>
+                  <p:par>
+                    <p:cTn fill="hold">
+                      <p:stCondLst>
+                        <p:cond delay="indefinite"/>
+                      </p:stCondLst>
+                      <p:childTnLst>
+                        <p:par>
+                          <p:cTn fill="hold">
+                            <p:stCondLst>
+                              <p:cond delay="0"/>
+                            </p:stCondLst>
+                            <p:childTnLst>
+                              <p:par>
+                                <p:cTn fill="hold" nodeType="clickEffect" presetClass="entr" presetID="1" presetSubtype="0">
+                                  <p:stCondLst>
+                                    <p:cond delay="0"/>
+                                  </p:stCondLst>
+                                  <p:childTnLst>
+                                    <p:set>
+                                      <p:cBhvr>
+                                        <p:cTn dur="1" fill="hold">
+                                          <p:stCondLst>
+                                            <p:cond delay="0"/>
+                                          </p:stCondLst>
+                                        </p:cTn>
+                                        <p:tgtEl>
+                                          <p:spTgt spid="97"/>
+                                        </p:tgtEl>
+                                        <p:attrNameLst>
+                                          <p:attrName>style.visibility</p:attrName>
+                                        </p:attrNameLst>
+                                      </p:cBhvr>
+                                      <p:to>
+                                        <p:strVal val="visible"/>
+                                      </p:to>
+                                    </p:set>
+                                  </p:childTnLst>
+                                </p:cTn>
+                              </p:par>
+                            </p:childTnLst>
+                          </p:cTn>
+                        </p:par>
+                      </p:childTnLst>
+                    </p:cTn>
+                  </p:par>
+                </p:childTnLst>
+              </p:cTn>
+              <p:prevCondLst>
+                <p:cond evt="onPrev">
+                  <p:tgtEl>
+                    <p:sldTgt/>
+                  </p:tgtEl>
+                </p:cond>
+              </p:prevCondLst>
+              <p:nextCondLst>
+                <p:cond evt="onNext">
+                  <p:tgtEl>
+                    <p:sldTgt/>
+                  </p:tgtEl>
+                </p:cond>
+              </p:nextCondLst>
+            </p:seq>
+          </p:childTnLst>
+        </p:cTn>
+      </p:par>
+    </p:tnLst>
+  </p:timing>
+</p:sld>
+</file>
+
+<file path=ppt/slides/slide4.xml><?xml version="1.0" encoding="utf-8"?>
+<p:sld xmlns:a="http://schemas.openxmlformats.org/drawingml/2006/main" xmlns:r="http://schemas.openxmlformats.org/officeDocument/2006/relationships" xmlns:mc="http://schemas.openxmlformats.org/markup-compatibility/2006" xmlns:mv="urn:schemas-microsoft-com:mac:vml" xmlns:p="http://schemas.openxmlformats.org/presentationml/2006/main" xmlns:c="http://schemas.openxmlformats.org/drawingml/2006/chart" xmlns:dgm="http://schemas.openxmlformats.org/drawingml/2006/diagram" xmlns:o="urn:schemas-microsoft-com:office:office" xmlns:v="urn:schemas-microsoft-com:vml" xmlns:pvml="urn:schemas-microsoft-com:office:powerpoint" xmlns:com="http://schemas.openxmlformats.org/drawingml/2006/compatibility" xmlns:p14="http://schemas.microsoft.com/office/powerpoint/2010/main" xmlns:p15="http://schemas.microsoft.com/office/powerpoint/2012/main" xmlns:ahyp="http://schemas.microsoft.com/office/drawing/2018/hyperlinkcolor">
+  <p:cSld>
+    <p:bg>
+      <p:bgPr>
+        <a:solidFill>
+          <a:srgbClr val="FFFFFF"/>
+        </a:solidFill>
+      </p:bgPr>
+    </p:bg>
+    <p:spTree>
+      <p:nvGrpSpPr>
+        <p:cNvPr id="106" name="Shape 106"/>
+        <p:cNvGrpSpPr/>
+        <p:nvPr/>
+      </p:nvGrpSpPr>
+      <p:grpSpPr>
+        <a:xfrm>
+          <a:off x="0" y="0"/>
+          <a:ext cx="0" cy="0"/>
+          <a:chOff x="0" y="0"/>
+          <a:chExt cx="0" cy="0"/>
+        </a:xfrm>
+      </p:grpSpPr>
+      <p:sp>
+        <p:nvSpPr>
+          <p:cNvPr id="107" name="Google Shape;107;p18"/>
           <p:cNvSpPr txBox="1"/>
           <p:nvPr/>
         </p:nvSpPr>
@@ -15591,7 +18742,7 @@
       </p:sp>
       <p:sp>
         <p:nvSpPr>
-          <p:cNvPr id="93" name="Google Shape;93;p17"/>
+          <p:cNvPr id="108" name="Google Shape;108;p18"/>
           <p:cNvSpPr/>
           <p:nvPr/>
         </p:nvSpPr>
@@ -15650,7 +18801,7 @@
       </p:sp>
       <p:sp>
         <p:nvSpPr>
-          <p:cNvPr id="94" name="Google Shape;94;p17"/>
+          <p:cNvPr id="109" name="Google Shape;109;p18"/>
           <p:cNvSpPr txBox="1"/>
           <p:nvPr>
             <p:ph type="title"/>
@@ -15714,7 +18865,7 @@
       </p:sp>
       <p:pic>
         <p:nvPicPr>
-          <p:cNvPr id="95" name="Google Shape;95;p17"/>
+          <p:cNvPr id="110" name="Google Shape;110;p18"/>
           <p:cNvPicPr preferRelativeResize="0"/>
           <p:nvPr/>
         </p:nvPicPr>
@@ -15741,7 +18892,7 @@
       </p:pic>
       <p:graphicFrame>
         <p:nvGraphicFramePr>
-          <p:cNvPr id="96" name="Google Shape;96;p17"/>
+          <p:cNvPr id="111" name="Google Shape;111;p18"/>
           <p:cNvGraphicFramePr/>
           <p:nvPr/>
         </p:nvGraphicFramePr>
@@ -15754,7 +18905,7 @@
             <a:tbl>
               <a:tblPr>
                 <a:noFill/>
-                <a:tableStyleId>{47E40B76-A014-4269-B418-66C70CA9B513}</a:tableStyleId>
+                <a:tableStyleId>{4016B2DF-BF50-4BFA-8087-BBA2985F26F2}</a:tableStyleId>
               </a:tblPr>
               <a:tblGrid>
                 <a:gridCol w="2424625"/>
@@ -16061,7 +19212,7 @@
 </p:sld>
 </file>
 
-<file path=ppt/slides/slide4.xml><?xml version="1.0" encoding="utf-8"?>
+<file path=ppt/slides/slide5.xml><?xml version="1.0" encoding="utf-8"?>
 <p:sld xmlns:a="http://schemas.openxmlformats.org/drawingml/2006/main" xmlns:r="http://schemas.openxmlformats.org/officeDocument/2006/relationships" xmlns:mc="http://schemas.openxmlformats.org/markup-compatibility/2006" xmlns:mv="urn:schemas-microsoft-com:mac:vml" xmlns:p="http://schemas.openxmlformats.org/presentationml/2006/main" xmlns:c="http://schemas.openxmlformats.org/drawingml/2006/chart" xmlns:dgm="http://schemas.openxmlformats.org/drawingml/2006/diagram" xmlns:o="urn:schemas-microsoft-com:office:office" xmlns:v="urn:schemas-microsoft-com:vml" xmlns:pvml="urn:schemas-microsoft-com:office:powerpoint" xmlns:com="http://schemas.openxmlformats.org/drawingml/2006/compatibility" xmlns:p14="http://schemas.microsoft.com/office/powerpoint/2010/main" xmlns:p15="http://schemas.microsoft.com/office/powerpoint/2012/main" xmlns:ahyp="http://schemas.microsoft.com/office/drawing/2018/hyperlinkcolor">
   <p:cSld>
     <p:bg>
@@ -16073,7 +19224,7 @@
     </p:bg>
     <p:spTree>
       <p:nvGrpSpPr>
-        <p:cNvPr id="100" name="Shape 100"/>
+        <p:cNvPr id="115" name="Shape 115"/>
         <p:cNvGrpSpPr/>
         <p:nvPr/>
       </p:nvGrpSpPr>
@@ -16087,14 +19238,14 @@
       </p:grpSpPr>
       <p:sp>
         <p:nvSpPr>
-          <p:cNvPr id="101" name="Google Shape;101;p18"/>
+          <p:cNvPr id="116" name="Google Shape;116;p19"/>
           <p:cNvSpPr txBox="1"/>
           <p:nvPr/>
         </p:nvSpPr>
         <p:spPr>
           <a:xfrm>
-            <a:off x="443757" y="1254400"/>
-            <a:ext cx="8198100" cy="3663300"/>
+            <a:off x="443757" y="1178200"/>
+            <a:ext cx="7983300" cy="565500"/>
           </a:xfrm>
           <a:prstGeom prst="rect">
             <a:avLst/>
@@ -16110,7 +19261,7 @@
           </a:bodyPr>
           <a:lstStyle/>
           <a:p>
-            <a:pPr indent="-260350" lvl="0" marL="342900" marR="0" rtl="0" algn="l">
+            <a:pPr indent="0" lvl="0" marL="0" rtl="0" algn="l">
               <a:lnSpc>
                 <a:spcPct val="115000"/>
               </a:lnSpc>
@@ -16120,69 +19271,20 @@
               <a:spcAft>
                 <a:spcPts val="0"/>
               </a:spcAft>
-              <a:buClr>
-                <a:srgbClr val="333333"/>
-              </a:buClr>
-              <a:buSzPts val="1500"/>
-              <a:buFont typeface="Helvetica Neue"/>
-              <a:buChar char="•"/>
+              <a:buNone/>
             </a:pPr>
             <a:r>
               <a:rPr lang="ko" sz="1500">
                 <a:solidFill>
-                  <a:srgbClr val="333333"/>
+                  <a:schemeClr val="dk1"/>
                 </a:solidFill>
-                <a:latin typeface="Helvetica Neue"/>
-                <a:ea typeface="Helvetica Neue"/>
-                <a:cs typeface="Helvetica Neue"/>
-                <a:sym typeface="Helvetica Neue"/>
               </a:rPr>
-              <a:t>데이터셋: </a:t>
+              <a:t>1. Pretrained 모델의 종류가 성능을 크게 좌우하지 않았다.</a:t>
             </a:r>
-            <a:r>
-              <a:rPr b="1" lang="ko" sz="1600">
-                <a:solidFill>
-                  <a:srgbClr val="202124"/>
-                </a:solidFill>
-                <a:highlight>
-                  <a:srgbClr val="FFFFFF"/>
-                </a:highlight>
-              </a:rPr>
-              <a:t>Jellyfish Image Dataset</a:t>
-            </a:r>
-            <a:endParaRPr b="1" sz="1600">
+            <a:endParaRPr sz="1500">
               <a:solidFill>
-                <a:srgbClr val="202124"/>
+                <a:schemeClr val="dk1"/>
               </a:solidFill>
-              <a:highlight>
-                <a:srgbClr val="FFFFFF"/>
-              </a:highlight>
-            </a:endParaRPr>
-          </a:p>
-          <a:p>
-            <a:pPr indent="0" lvl="0" marL="0" marR="0" rtl="0" algn="l">
-              <a:lnSpc>
-                <a:spcPct val="115000"/>
-              </a:lnSpc>
-              <a:spcBef>
-                <a:spcPts val="0"/>
-              </a:spcBef>
-              <a:spcAft>
-                <a:spcPts val="0"/>
-              </a:spcAft>
-              <a:buNone/>
-            </a:pPr>
-            <a:r>
-              <a:t/>
-            </a:r>
-            <a:endParaRPr sz="1200">
-              <a:solidFill>
-                <a:srgbClr val="333333"/>
-              </a:solidFill>
-              <a:latin typeface="Helvetica Neue"/>
-              <a:ea typeface="Helvetica Neue"/>
-              <a:cs typeface="Helvetica Neue"/>
-              <a:sym typeface="Helvetica Neue"/>
             </a:endParaRPr>
           </a:p>
           <a:p>
@@ -16199,311 +19301,24 @@
               <a:buNone/>
             </a:pPr>
             <a:r>
-              <a:rPr lang="ko" sz="1300">
+              <a:rPr lang="ko" sz="1500">
                 <a:solidFill>
-                  <a:srgbClr val="333333"/>
+                  <a:schemeClr val="dk1"/>
                 </a:solidFill>
-                <a:latin typeface="Helvetica Neue"/>
-                <a:ea typeface="Helvetica Neue"/>
-                <a:cs typeface="Helvetica Neue"/>
-                <a:sym typeface="Helvetica Neue"/>
               </a:rPr>
-              <a:t>- Moon jellyfish (Aurelia aurita): 반투명한 몸통(exumbrella) 넘어로 4개의 말발굽 모양의 생식선이 보이는 일반적인 해파리 </a:t>
-            </a:r>
-            <a:endParaRPr sz="1300">
-              <a:solidFill>
-                <a:srgbClr val="333333"/>
-              </a:solidFill>
-              <a:latin typeface="Helvetica Neue"/>
-              <a:ea typeface="Helvetica Neue"/>
-              <a:cs typeface="Helvetica Neue"/>
-              <a:sym typeface="Helvetica Neue"/>
-            </a:endParaRPr>
-          </a:p>
-          <a:p>
-            <a:pPr indent="0" lvl="0" marL="0" rtl="0" algn="l">
-              <a:lnSpc>
-                <a:spcPct val="115000"/>
-              </a:lnSpc>
-              <a:spcBef>
-                <a:spcPts val="0"/>
-              </a:spcBef>
-              <a:spcAft>
-                <a:spcPts val="0"/>
-              </a:spcAft>
-              <a:buNone/>
-            </a:pPr>
-            <a:r>
-              <a:rPr lang="ko" sz="1300">
-                <a:solidFill>
-                  <a:srgbClr val="333333"/>
-                </a:solidFill>
-                <a:latin typeface="Helvetica Neue"/>
-                <a:ea typeface="Helvetica Neue"/>
-                <a:cs typeface="Helvetica Neue"/>
-                <a:sym typeface="Helvetica Neue"/>
-              </a:rPr>
-              <a:t>- Barrel jellyfish (Rhizostoma pulmo): 영국 해역에서 발견되는 가장 큰 해파리로 지름이 90cm까지 자랄 수 있음.</a:t>
-            </a:r>
-            <a:endParaRPr sz="1300">
-              <a:solidFill>
-                <a:srgbClr val="333333"/>
-              </a:solidFill>
-              <a:latin typeface="Helvetica Neue"/>
-              <a:ea typeface="Helvetica Neue"/>
-              <a:cs typeface="Helvetica Neue"/>
-              <a:sym typeface="Helvetica Neue"/>
-            </a:endParaRPr>
-          </a:p>
-          <a:p>
-            <a:pPr indent="0" lvl="0" marL="0" rtl="0" algn="l">
-              <a:lnSpc>
-                <a:spcPct val="115000"/>
-              </a:lnSpc>
-              <a:spcBef>
-                <a:spcPts val="0"/>
-              </a:spcBef>
-              <a:spcAft>
-                <a:spcPts val="0"/>
-              </a:spcAft>
-              <a:buNone/>
-            </a:pPr>
-            <a:r>
-              <a:rPr lang="ko" sz="1300">
-                <a:solidFill>
-                  <a:srgbClr val="333333"/>
-                </a:solidFill>
-                <a:latin typeface="Helvetica Neue"/>
-                <a:ea typeface="Helvetica Neue"/>
-                <a:cs typeface="Helvetica Neue"/>
-                <a:sym typeface="Helvetica Neue"/>
-              </a:rPr>
-              <a:t>- Blue jellyfish (Cyanea lamarckii): 지름이 30cm까지 자랄 수 있는 큰 해파리 </a:t>
-            </a:r>
-            <a:endParaRPr sz="1300">
-              <a:solidFill>
-                <a:srgbClr val="333333"/>
-              </a:solidFill>
-              <a:latin typeface="Helvetica Neue"/>
-              <a:ea typeface="Helvetica Neue"/>
-              <a:cs typeface="Helvetica Neue"/>
-              <a:sym typeface="Helvetica Neue"/>
-            </a:endParaRPr>
-          </a:p>
-          <a:p>
-            <a:pPr indent="0" lvl="0" marL="0" rtl="0" algn="l">
-              <a:lnSpc>
-                <a:spcPct val="115000"/>
-              </a:lnSpc>
-              <a:spcBef>
-                <a:spcPts val="0"/>
-              </a:spcBef>
-              <a:spcAft>
-                <a:spcPts val="0"/>
-              </a:spcAft>
-              <a:buNone/>
-            </a:pPr>
-            <a:r>
-              <a:rPr lang="ko" sz="1300">
-                <a:solidFill>
-                  <a:srgbClr val="333333"/>
-                </a:solidFill>
-                <a:latin typeface="Helvetica Neue"/>
-                <a:ea typeface="Helvetica Neue"/>
-                <a:cs typeface="Helvetica Neue"/>
-                <a:sym typeface="Helvetica Neue"/>
-              </a:rPr>
-              <a:t>- Compass jellyfish (Chrysaora hysoscella): 몸통의 갈색 모양이 나침반을 닮아 이름지어짐</a:t>
-            </a:r>
-            <a:endParaRPr sz="1300">
-              <a:solidFill>
-                <a:srgbClr val="333333"/>
-              </a:solidFill>
-              <a:latin typeface="Helvetica Neue"/>
-              <a:ea typeface="Helvetica Neue"/>
-              <a:cs typeface="Helvetica Neue"/>
-              <a:sym typeface="Helvetica Neue"/>
-            </a:endParaRPr>
-          </a:p>
-          <a:p>
-            <a:pPr indent="0" lvl="0" marL="0" rtl="0" algn="l">
-              <a:lnSpc>
-                <a:spcPct val="115000"/>
-              </a:lnSpc>
-              <a:spcBef>
-                <a:spcPts val="0"/>
-              </a:spcBef>
-              <a:spcAft>
-                <a:spcPts val="0"/>
-              </a:spcAft>
-              <a:buNone/>
-            </a:pPr>
-            <a:r>
-              <a:rPr lang="ko" sz="1300">
-                <a:solidFill>
-                  <a:srgbClr val="333333"/>
-                </a:solidFill>
-                <a:latin typeface="Helvetica Neue"/>
-                <a:ea typeface="Helvetica Neue"/>
-                <a:cs typeface="Helvetica Neue"/>
-                <a:sym typeface="Helvetica Neue"/>
-              </a:rPr>
-              <a:t>- Lion’s mane jellyfish (Cyanea capillata): 세계에서 가장 큰 해파리로, 몸통은 2미터까지 자라며 촉수는 30미터에 다다름</a:t>
-            </a:r>
-            <a:endParaRPr sz="1300">
-              <a:solidFill>
-                <a:srgbClr val="333333"/>
-              </a:solidFill>
-              <a:latin typeface="Helvetica Neue"/>
-              <a:ea typeface="Helvetica Neue"/>
-              <a:cs typeface="Helvetica Neue"/>
-              <a:sym typeface="Helvetica Neue"/>
-            </a:endParaRPr>
-          </a:p>
-          <a:p>
-            <a:pPr indent="0" lvl="0" marL="0" rtl="0" algn="l">
-              <a:lnSpc>
-                <a:spcPct val="115000"/>
-              </a:lnSpc>
-              <a:spcBef>
-                <a:spcPts val="0"/>
-              </a:spcBef>
-              <a:spcAft>
-                <a:spcPts val="0"/>
-              </a:spcAft>
-              <a:buNone/>
-            </a:pPr>
-            <a:r>
-              <a:rPr lang="ko" sz="1300">
-                <a:solidFill>
-                  <a:srgbClr val="333333"/>
-                </a:solidFill>
-                <a:latin typeface="Helvetica Neue"/>
-                <a:ea typeface="Helvetica Neue"/>
-                <a:cs typeface="Helvetica Neue"/>
-                <a:sym typeface="Helvetica Neue"/>
-              </a:rPr>
-              <a:t>- Mauve stinger (Pelagia noctiluca): 긴 촉수를 가졌으며 몸통에 독을 쏘는 세포로 가득찬 혹 같은 구조물을 가진 작은 해파리</a:t>
-            </a:r>
-            <a:endParaRPr sz="1300">
-              <a:solidFill>
-                <a:srgbClr val="333333"/>
-              </a:solidFill>
-              <a:latin typeface="Helvetica Neue"/>
-              <a:ea typeface="Helvetica Neue"/>
-              <a:cs typeface="Helvetica Neue"/>
-              <a:sym typeface="Helvetica Neue"/>
-            </a:endParaRPr>
-          </a:p>
-          <a:p>
-            <a:pPr indent="0" lvl="0" marL="0" rtl="0" algn="l">
-              <a:lnSpc>
-                <a:spcPct val="115000"/>
-              </a:lnSpc>
-              <a:spcBef>
-                <a:spcPts val="0"/>
-              </a:spcBef>
-              <a:spcAft>
-                <a:spcPts val="0"/>
-              </a:spcAft>
-              <a:buNone/>
-            </a:pPr>
-            <a:r>
-              <a:t/>
+              <a:t>    재학습 하지 않을 경우 70%(val_accuracy) 내외</a:t>
             </a:r>
             <a:endParaRPr sz="1500">
               <a:solidFill>
-                <a:srgbClr val="333333"/>
+                <a:schemeClr val="dk1"/>
               </a:solidFill>
-              <a:latin typeface="Helvetica Neue"/>
-              <a:ea typeface="Helvetica Neue"/>
-              <a:cs typeface="Helvetica Neue"/>
-              <a:sym typeface="Helvetica Neue"/>
-            </a:endParaRPr>
-          </a:p>
-          <a:p>
-            <a:pPr indent="0" lvl="0" marL="0" rtl="0" algn="l">
-              <a:lnSpc>
-                <a:spcPct val="115000"/>
-              </a:lnSpc>
-              <a:spcBef>
-                <a:spcPts val="0"/>
-              </a:spcBef>
-              <a:spcAft>
-                <a:spcPts val="0"/>
-              </a:spcAft>
-              <a:buNone/>
-            </a:pPr>
-            <a:r>
-              <a:t/>
-            </a:r>
-            <a:endParaRPr sz="1500">
-              <a:solidFill>
-                <a:srgbClr val="333333"/>
-              </a:solidFill>
-              <a:latin typeface="Helvetica Neue"/>
-              <a:ea typeface="Helvetica Neue"/>
-              <a:cs typeface="Helvetica Neue"/>
-              <a:sym typeface="Helvetica Neue"/>
-            </a:endParaRPr>
-          </a:p>
-          <a:p>
-            <a:pPr indent="0" lvl="0" marL="0" rtl="0" algn="l">
-              <a:lnSpc>
-                <a:spcPct val="115000"/>
-              </a:lnSpc>
-              <a:spcBef>
-                <a:spcPts val="0"/>
-              </a:spcBef>
-              <a:spcAft>
-                <a:spcPts val="0"/>
-              </a:spcAft>
-              <a:buNone/>
-            </a:pPr>
-            <a:r>
-              <a:t/>
-            </a:r>
-            <a:endParaRPr sz="1500">
-              <a:solidFill>
-                <a:srgbClr val="333333"/>
-              </a:solidFill>
-              <a:latin typeface="Helvetica Neue"/>
-              <a:ea typeface="Helvetica Neue"/>
-              <a:cs typeface="Helvetica Neue"/>
-              <a:sym typeface="Helvetica Neue"/>
-            </a:endParaRPr>
-          </a:p>
-          <a:p>
-            <a:pPr indent="0" lvl="0" marL="0" marR="0" rtl="0" algn="l">
-              <a:lnSpc>
-                <a:spcPct val="115000"/>
-              </a:lnSpc>
-              <a:spcBef>
-                <a:spcPts val="0"/>
-              </a:spcBef>
-              <a:spcAft>
-                <a:spcPts val="0"/>
-              </a:spcAft>
-              <a:buNone/>
-            </a:pPr>
-            <a:r>
-              <a:t/>
-            </a:r>
-            <a:endParaRPr sz="1500">
-              <a:solidFill>
-                <a:srgbClr val="333333"/>
-              </a:solidFill>
-              <a:latin typeface="Helvetica Neue"/>
-              <a:ea typeface="Helvetica Neue"/>
-              <a:cs typeface="Helvetica Neue"/>
-              <a:sym typeface="Helvetica Neue"/>
             </a:endParaRPr>
           </a:p>
         </p:txBody>
       </p:sp>
       <p:sp>
         <p:nvSpPr>
-          <p:cNvPr id="102" name="Google Shape;102;p18"/>
+          <p:cNvPr id="117" name="Google Shape;117;p19"/>
           <p:cNvSpPr/>
           <p:nvPr/>
         </p:nvSpPr>
@@ -16562,7 +19377,7 @@
       </p:sp>
       <p:sp>
         <p:nvSpPr>
-          <p:cNvPr id="103" name="Google Shape;103;p18"/>
+          <p:cNvPr id="118" name="Google Shape;118;p19"/>
           <p:cNvSpPr txBox="1"/>
           <p:nvPr>
             <p:ph type="title"/>
@@ -16610,7 +19425,7 @@
                   <a:srgbClr val="404040"/>
                 </a:solidFill>
               </a:rPr>
-              <a:t>데이터 가공과 수집</a:t>
+              <a:t>실험 결과</a:t>
             </a:r>
             <a:endParaRPr sz="2300">
               <a:solidFill>
@@ -16626,7 +19441,7 @@
       </p:sp>
       <p:pic>
         <p:nvPicPr>
-          <p:cNvPr id="104" name="Google Shape;104;p18"/>
+          <p:cNvPr id="119" name="Google Shape;119;p19"/>
           <p:cNvPicPr preferRelativeResize="0"/>
           <p:nvPr/>
         </p:nvPicPr>
@@ -16653,1076 +19468,7 @@
       </p:pic>
       <p:pic>
         <p:nvPicPr>
-          <p:cNvPr id="105" name="Google Shape;105;p18"/>
-          <p:cNvPicPr preferRelativeResize="0"/>
-          <p:nvPr/>
-        </p:nvPicPr>
-        <p:blipFill>
-          <a:blip r:embed="rId4">
-            <a:alphaModFix/>
-          </a:blip>
-          <a:stretch>
-            <a:fillRect/>
-          </a:stretch>
-        </p:blipFill>
-        <p:spPr>
-          <a:xfrm>
-            <a:off x="972875" y="447275"/>
-            <a:ext cx="2133600" cy="2133600"/>
-          </a:xfrm>
-          <a:prstGeom prst="rect">
-            <a:avLst/>
-          </a:prstGeom>
-          <a:noFill/>
-          <a:ln>
-            <a:noFill/>
-          </a:ln>
-        </p:spPr>
-      </p:pic>
-      <p:pic>
-        <p:nvPicPr>
-          <p:cNvPr id="106" name="Google Shape;106;p18"/>
-          <p:cNvPicPr preferRelativeResize="0"/>
-          <p:nvPr/>
-        </p:nvPicPr>
-        <p:blipFill>
-          <a:blip r:embed="rId5">
-            <a:alphaModFix/>
-          </a:blip>
-          <a:stretch>
-            <a:fillRect/>
-          </a:stretch>
-        </p:blipFill>
-        <p:spPr>
-          <a:xfrm>
-            <a:off x="3603750" y="447275"/>
-            <a:ext cx="2133600" cy="2133600"/>
-          </a:xfrm>
-          <a:prstGeom prst="rect">
-            <a:avLst/>
-          </a:prstGeom>
-          <a:noFill/>
-          <a:ln>
-            <a:noFill/>
-          </a:ln>
-        </p:spPr>
-      </p:pic>
-      <p:pic>
-        <p:nvPicPr>
-          <p:cNvPr id="107" name="Google Shape;107;p18"/>
-          <p:cNvPicPr preferRelativeResize="0"/>
-          <p:nvPr/>
-        </p:nvPicPr>
-        <p:blipFill>
-          <a:blip r:embed="rId6">
-            <a:alphaModFix/>
-          </a:blip>
-          <a:stretch>
-            <a:fillRect/>
-          </a:stretch>
-        </p:blipFill>
-        <p:spPr>
-          <a:xfrm>
-            <a:off x="6131175" y="447275"/>
-            <a:ext cx="2133600" cy="2133600"/>
-          </a:xfrm>
-          <a:prstGeom prst="rect">
-            <a:avLst/>
-          </a:prstGeom>
-          <a:noFill/>
-          <a:ln>
-            <a:noFill/>
-          </a:ln>
-        </p:spPr>
-      </p:pic>
-      <p:pic>
-        <p:nvPicPr>
-          <p:cNvPr id="108" name="Google Shape;108;p18"/>
-          <p:cNvPicPr preferRelativeResize="0"/>
-          <p:nvPr/>
-        </p:nvPicPr>
-        <p:blipFill>
-          <a:blip r:embed="rId7">
-            <a:alphaModFix/>
-          </a:blip>
-          <a:stretch>
-            <a:fillRect/>
-          </a:stretch>
-        </p:blipFill>
-        <p:spPr>
-          <a:xfrm>
-            <a:off x="972875" y="2798225"/>
-            <a:ext cx="2133600" cy="2133600"/>
-          </a:xfrm>
-          <a:prstGeom prst="rect">
-            <a:avLst/>
-          </a:prstGeom>
-          <a:noFill/>
-          <a:ln>
-            <a:noFill/>
-          </a:ln>
-        </p:spPr>
-      </p:pic>
-      <p:pic>
-        <p:nvPicPr>
-          <p:cNvPr id="109" name="Google Shape;109;p18"/>
-          <p:cNvPicPr preferRelativeResize="0"/>
-          <p:nvPr/>
-        </p:nvPicPr>
-        <p:blipFill>
-          <a:blip r:embed="rId8">
-            <a:alphaModFix/>
-          </a:blip>
-          <a:stretch>
-            <a:fillRect/>
-          </a:stretch>
-        </p:blipFill>
-        <p:spPr>
-          <a:xfrm>
-            <a:off x="3603750" y="2798225"/>
-            <a:ext cx="2133600" cy="2133600"/>
-          </a:xfrm>
-          <a:prstGeom prst="rect">
-            <a:avLst/>
-          </a:prstGeom>
-          <a:noFill/>
-          <a:ln>
-            <a:noFill/>
-          </a:ln>
-        </p:spPr>
-      </p:pic>
-      <p:pic>
-        <p:nvPicPr>
-          <p:cNvPr id="110" name="Google Shape;110;p18"/>
-          <p:cNvPicPr preferRelativeResize="0"/>
-          <p:nvPr/>
-        </p:nvPicPr>
-        <p:blipFill>
-          <a:blip r:embed="rId9">
-            <a:alphaModFix/>
-          </a:blip>
-          <a:stretch>
-            <a:fillRect/>
-          </a:stretch>
-        </p:blipFill>
-        <p:spPr>
-          <a:xfrm>
-            <a:off x="6131175" y="2798225"/>
-            <a:ext cx="2133600" cy="2133600"/>
-          </a:xfrm>
-          <a:prstGeom prst="rect">
-            <a:avLst/>
-          </a:prstGeom>
-          <a:noFill/>
-          <a:ln>
-            <a:noFill/>
-          </a:ln>
-        </p:spPr>
-      </p:pic>
-    </p:spTree>
-  </p:cSld>
-  <p:clrMapOvr>
-    <a:masterClrMapping/>
-  </p:clrMapOvr>
-  <p:timing>
-    <p:tnLst>
-      <p:par>
-        <p:cTn dur="indefinite" nodeType="tmRoot" restart="never">
-          <p:childTnLst>
-            <p:seq concurrent="1" nextAc="seek">
-              <p:cTn dur="indefinite" id="2" nodeType="mainSeq">
-                <p:childTnLst>
-                  <p:par>
-                    <p:cTn fill="hold">
-                      <p:stCondLst>
-                        <p:cond delay="indefinite"/>
-                      </p:stCondLst>
-                      <p:childTnLst>
-                        <p:par>
-                          <p:cTn fill="hold">
-                            <p:stCondLst>
-                              <p:cond delay="0"/>
-                            </p:stCondLst>
-                            <p:childTnLst>
-                              <p:par>
-                                <p:cTn fill="hold" nodeType="clickEffect" presetClass="entr" presetID="23" presetSubtype="16">
-                                  <p:stCondLst>
-                                    <p:cond delay="0"/>
-                                  </p:stCondLst>
-                                  <p:childTnLst>
-                                    <p:set>
-                                      <p:cBhvr>
-                                        <p:cTn dur="1" fill="hold">
-                                          <p:stCondLst>
-                                            <p:cond delay="0"/>
-                                          </p:stCondLst>
-                                        </p:cTn>
-                                        <p:tgtEl>
-                                          <p:spTgt spid="105"/>
-                                        </p:tgtEl>
-                                        <p:attrNameLst>
-                                          <p:attrName>style.visibility</p:attrName>
-                                        </p:attrNameLst>
-                                      </p:cBhvr>
-                                      <p:to>
-                                        <p:strVal val="visible"/>
-                                      </p:to>
-                                    </p:set>
-                                    <p:anim calcmode="lin" valueType="num">
-                                      <p:cBhvr additive="base">
-                                        <p:cTn dur="500"/>
-                                        <p:tgtEl>
-                                          <p:spTgt spid="105"/>
-                                        </p:tgtEl>
-                                        <p:attrNameLst>
-                                          <p:attrName>ppt_w</p:attrName>
-                                        </p:attrNameLst>
-                                      </p:cBhvr>
-                                      <p:tavLst>
-                                        <p:tav fmla="" tm="0">
-                                          <p:val>
-                                            <p:strVal val="0"/>
-                                          </p:val>
-                                        </p:tav>
-                                        <p:tav fmla="" tm="100000">
-                                          <p:val>
-                                            <p:strVal val="#ppt_w"/>
-                                          </p:val>
-                                        </p:tav>
-                                      </p:tavLst>
-                                    </p:anim>
-                                    <p:anim calcmode="lin" valueType="num">
-                                      <p:cBhvr additive="base">
-                                        <p:cTn dur="500"/>
-                                        <p:tgtEl>
-                                          <p:spTgt spid="105"/>
-                                        </p:tgtEl>
-                                        <p:attrNameLst>
-                                          <p:attrName>ppt_h</p:attrName>
-                                        </p:attrNameLst>
-                                      </p:cBhvr>
-                                      <p:tavLst>
-                                        <p:tav fmla="" tm="0">
-                                          <p:val>
-                                            <p:strVal val="0"/>
-                                          </p:val>
-                                        </p:tav>
-                                        <p:tav fmla="" tm="100000">
-                                          <p:val>
-                                            <p:strVal val="#ppt_h"/>
-                                          </p:val>
-                                        </p:tav>
-                                      </p:tavLst>
-                                    </p:anim>
-                                  </p:childTnLst>
-                                </p:cTn>
-                              </p:par>
-                            </p:childTnLst>
-                          </p:cTn>
-                        </p:par>
-                      </p:childTnLst>
-                    </p:cTn>
-                  </p:par>
-                  <p:par>
-                    <p:cTn fill="hold">
-                      <p:stCondLst>
-                        <p:cond delay="indefinite"/>
-                      </p:stCondLst>
-                      <p:childTnLst>
-                        <p:par>
-                          <p:cTn fill="hold">
-                            <p:stCondLst>
-                              <p:cond delay="0"/>
-                            </p:stCondLst>
-                            <p:childTnLst>
-                              <p:par>
-                                <p:cTn fill="hold" nodeType="clickEffect" presetClass="entr" presetID="23" presetSubtype="16">
-                                  <p:stCondLst>
-                                    <p:cond delay="0"/>
-                                  </p:stCondLst>
-                                  <p:childTnLst>
-                                    <p:set>
-                                      <p:cBhvr>
-                                        <p:cTn dur="1" fill="hold">
-                                          <p:stCondLst>
-                                            <p:cond delay="0"/>
-                                          </p:stCondLst>
-                                        </p:cTn>
-                                        <p:tgtEl>
-                                          <p:spTgt spid="106"/>
-                                        </p:tgtEl>
-                                        <p:attrNameLst>
-                                          <p:attrName>style.visibility</p:attrName>
-                                        </p:attrNameLst>
-                                      </p:cBhvr>
-                                      <p:to>
-                                        <p:strVal val="visible"/>
-                                      </p:to>
-                                    </p:set>
-                                    <p:anim calcmode="lin" valueType="num">
-                                      <p:cBhvr additive="base">
-                                        <p:cTn dur="500"/>
-                                        <p:tgtEl>
-                                          <p:spTgt spid="106"/>
-                                        </p:tgtEl>
-                                        <p:attrNameLst>
-                                          <p:attrName>ppt_w</p:attrName>
-                                        </p:attrNameLst>
-                                      </p:cBhvr>
-                                      <p:tavLst>
-                                        <p:tav fmla="" tm="0">
-                                          <p:val>
-                                            <p:strVal val="0"/>
-                                          </p:val>
-                                        </p:tav>
-                                        <p:tav fmla="" tm="100000">
-                                          <p:val>
-                                            <p:strVal val="#ppt_w"/>
-                                          </p:val>
-                                        </p:tav>
-                                      </p:tavLst>
-                                    </p:anim>
-                                    <p:anim calcmode="lin" valueType="num">
-                                      <p:cBhvr additive="base">
-                                        <p:cTn dur="500"/>
-                                        <p:tgtEl>
-                                          <p:spTgt spid="106"/>
-                                        </p:tgtEl>
-                                        <p:attrNameLst>
-                                          <p:attrName>ppt_h</p:attrName>
-                                        </p:attrNameLst>
-                                      </p:cBhvr>
-                                      <p:tavLst>
-                                        <p:tav fmla="" tm="0">
-                                          <p:val>
-                                            <p:strVal val="0"/>
-                                          </p:val>
-                                        </p:tav>
-                                        <p:tav fmla="" tm="100000">
-                                          <p:val>
-                                            <p:strVal val="#ppt_h"/>
-                                          </p:val>
-                                        </p:tav>
-                                      </p:tavLst>
-                                    </p:anim>
-                                  </p:childTnLst>
-                                </p:cTn>
-                              </p:par>
-                            </p:childTnLst>
-                          </p:cTn>
-                        </p:par>
-                      </p:childTnLst>
-                    </p:cTn>
-                  </p:par>
-                  <p:par>
-                    <p:cTn fill="hold">
-                      <p:stCondLst>
-                        <p:cond delay="indefinite"/>
-                      </p:stCondLst>
-                      <p:childTnLst>
-                        <p:par>
-                          <p:cTn fill="hold">
-                            <p:stCondLst>
-                              <p:cond delay="0"/>
-                            </p:stCondLst>
-                            <p:childTnLst>
-                              <p:par>
-                                <p:cTn fill="hold" nodeType="clickEffect" presetClass="entr" presetID="23" presetSubtype="16">
-                                  <p:stCondLst>
-                                    <p:cond delay="0"/>
-                                  </p:stCondLst>
-                                  <p:childTnLst>
-                                    <p:set>
-                                      <p:cBhvr>
-                                        <p:cTn dur="1" fill="hold">
-                                          <p:stCondLst>
-                                            <p:cond delay="0"/>
-                                          </p:stCondLst>
-                                        </p:cTn>
-                                        <p:tgtEl>
-                                          <p:spTgt spid="107"/>
-                                        </p:tgtEl>
-                                        <p:attrNameLst>
-                                          <p:attrName>style.visibility</p:attrName>
-                                        </p:attrNameLst>
-                                      </p:cBhvr>
-                                      <p:to>
-                                        <p:strVal val="visible"/>
-                                      </p:to>
-                                    </p:set>
-                                    <p:anim calcmode="lin" valueType="num">
-                                      <p:cBhvr additive="base">
-                                        <p:cTn dur="500"/>
-                                        <p:tgtEl>
-                                          <p:spTgt spid="107"/>
-                                        </p:tgtEl>
-                                        <p:attrNameLst>
-                                          <p:attrName>ppt_w</p:attrName>
-                                        </p:attrNameLst>
-                                      </p:cBhvr>
-                                      <p:tavLst>
-                                        <p:tav fmla="" tm="0">
-                                          <p:val>
-                                            <p:strVal val="0"/>
-                                          </p:val>
-                                        </p:tav>
-                                        <p:tav fmla="" tm="100000">
-                                          <p:val>
-                                            <p:strVal val="#ppt_w"/>
-                                          </p:val>
-                                        </p:tav>
-                                      </p:tavLst>
-                                    </p:anim>
-                                    <p:anim calcmode="lin" valueType="num">
-                                      <p:cBhvr additive="base">
-                                        <p:cTn dur="500"/>
-                                        <p:tgtEl>
-                                          <p:spTgt spid="107"/>
-                                        </p:tgtEl>
-                                        <p:attrNameLst>
-                                          <p:attrName>ppt_h</p:attrName>
-                                        </p:attrNameLst>
-                                      </p:cBhvr>
-                                      <p:tavLst>
-                                        <p:tav fmla="" tm="0">
-                                          <p:val>
-                                            <p:strVal val="0"/>
-                                          </p:val>
-                                        </p:tav>
-                                        <p:tav fmla="" tm="100000">
-                                          <p:val>
-                                            <p:strVal val="#ppt_h"/>
-                                          </p:val>
-                                        </p:tav>
-                                      </p:tavLst>
-                                    </p:anim>
-                                  </p:childTnLst>
-                                </p:cTn>
-                              </p:par>
-                            </p:childTnLst>
-                          </p:cTn>
-                        </p:par>
-                      </p:childTnLst>
-                    </p:cTn>
-                  </p:par>
-                  <p:par>
-                    <p:cTn fill="hold">
-                      <p:stCondLst>
-                        <p:cond delay="indefinite"/>
-                      </p:stCondLst>
-                      <p:childTnLst>
-                        <p:par>
-                          <p:cTn fill="hold">
-                            <p:stCondLst>
-                              <p:cond delay="0"/>
-                            </p:stCondLst>
-                            <p:childTnLst>
-                              <p:par>
-                                <p:cTn fill="hold" nodeType="clickEffect" presetClass="entr" presetID="23" presetSubtype="16">
-                                  <p:stCondLst>
-                                    <p:cond delay="0"/>
-                                  </p:stCondLst>
-                                  <p:childTnLst>
-                                    <p:set>
-                                      <p:cBhvr>
-                                        <p:cTn dur="1" fill="hold">
-                                          <p:stCondLst>
-                                            <p:cond delay="0"/>
-                                          </p:stCondLst>
-                                        </p:cTn>
-                                        <p:tgtEl>
-                                          <p:spTgt spid="108"/>
-                                        </p:tgtEl>
-                                        <p:attrNameLst>
-                                          <p:attrName>style.visibility</p:attrName>
-                                        </p:attrNameLst>
-                                      </p:cBhvr>
-                                      <p:to>
-                                        <p:strVal val="visible"/>
-                                      </p:to>
-                                    </p:set>
-                                    <p:anim calcmode="lin" valueType="num">
-                                      <p:cBhvr additive="base">
-                                        <p:cTn dur="500"/>
-                                        <p:tgtEl>
-                                          <p:spTgt spid="108"/>
-                                        </p:tgtEl>
-                                        <p:attrNameLst>
-                                          <p:attrName>ppt_w</p:attrName>
-                                        </p:attrNameLst>
-                                      </p:cBhvr>
-                                      <p:tavLst>
-                                        <p:tav fmla="" tm="0">
-                                          <p:val>
-                                            <p:strVal val="0"/>
-                                          </p:val>
-                                        </p:tav>
-                                        <p:tav fmla="" tm="100000">
-                                          <p:val>
-                                            <p:strVal val="#ppt_w"/>
-                                          </p:val>
-                                        </p:tav>
-                                      </p:tavLst>
-                                    </p:anim>
-                                    <p:anim calcmode="lin" valueType="num">
-                                      <p:cBhvr additive="base">
-                                        <p:cTn dur="500"/>
-                                        <p:tgtEl>
-                                          <p:spTgt spid="108"/>
-                                        </p:tgtEl>
-                                        <p:attrNameLst>
-                                          <p:attrName>ppt_h</p:attrName>
-                                        </p:attrNameLst>
-                                      </p:cBhvr>
-                                      <p:tavLst>
-                                        <p:tav fmla="" tm="0">
-                                          <p:val>
-                                            <p:strVal val="0"/>
-                                          </p:val>
-                                        </p:tav>
-                                        <p:tav fmla="" tm="100000">
-                                          <p:val>
-                                            <p:strVal val="#ppt_h"/>
-                                          </p:val>
-                                        </p:tav>
-                                      </p:tavLst>
-                                    </p:anim>
-                                  </p:childTnLst>
-                                </p:cTn>
-                              </p:par>
-                            </p:childTnLst>
-                          </p:cTn>
-                        </p:par>
-                      </p:childTnLst>
-                    </p:cTn>
-                  </p:par>
-                  <p:par>
-                    <p:cTn fill="hold">
-                      <p:stCondLst>
-                        <p:cond delay="indefinite"/>
-                      </p:stCondLst>
-                      <p:childTnLst>
-                        <p:par>
-                          <p:cTn fill="hold">
-                            <p:stCondLst>
-                              <p:cond delay="0"/>
-                            </p:stCondLst>
-                            <p:childTnLst>
-                              <p:par>
-                                <p:cTn fill="hold" nodeType="clickEffect" presetClass="entr" presetID="23" presetSubtype="16">
-                                  <p:stCondLst>
-                                    <p:cond delay="0"/>
-                                  </p:stCondLst>
-                                  <p:childTnLst>
-                                    <p:set>
-                                      <p:cBhvr>
-                                        <p:cTn dur="1" fill="hold">
-                                          <p:stCondLst>
-                                            <p:cond delay="0"/>
-                                          </p:stCondLst>
-                                        </p:cTn>
-                                        <p:tgtEl>
-                                          <p:spTgt spid="109"/>
-                                        </p:tgtEl>
-                                        <p:attrNameLst>
-                                          <p:attrName>style.visibility</p:attrName>
-                                        </p:attrNameLst>
-                                      </p:cBhvr>
-                                      <p:to>
-                                        <p:strVal val="visible"/>
-                                      </p:to>
-                                    </p:set>
-                                    <p:anim calcmode="lin" valueType="num">
-                                      <p:cBhvr additive="base">
-                                        <p:cTn dur="500"/>
-                                        <p:tgtEl>
-                                          <p:spTgt spid="109"/>
-                                        </p:tgtEl>
-                                        <p:attrNameLst>
-                                          <p:attrName>ppt_w</p:attrName>
-                                        </p:attrNameLst>
-                                      </p:cBhvr>
-                                      <p:tavLst>
-                                        <p:tav fmla="" tm="0">
-                                          <p:val>
-                                            <p:strVal val="0"/>
-                                          </p:val>
-                                        </p:tav>
-                                        <p:tav fmla="" tm="100000">
-                                          <p:val>
-                                            <p:strVal val="#ppt_w"/>
-                                          </p:val>
-                                        </p:tav>
-                                      </p:tavLst>
-                                    </p:anim>
-                                    <p:anim calcmode="lin" valueType="num">
-                                      <p:cBhvr additive="base">
-                                        <p:cTn dur="500"/>
-                                        <p:tgtEl>
-                                          <p:spTgt spid="109"/>
-                                        </p:tgtEl>
-                                        <p:attrNameLst>
-                                          <p:attrName>ppt_h</p:attrName>
-                                        </p:attrNameLst>
-                                      </p:cBhvr>
-                                      <p:tavLst>
-                                        <p:tav fmla="" tm="0">
-                                          <p:val>
-                                            <p:strVal val="0"/>
-                                          </p:val>
-                                        </p:tav>
-                                        <p:tav fmla="" tm="100000">
-                                          <p:val>
-                                            <p:strVal val="#ppt_h"/>
-                                          </p:val>
-                                        </p:tav>
-                                      </p:tavLst>
-                                    </p:anim>
-                                  </p:childTnLst>
-                                </p:cTn>
-                              </p:par>
-                            </p:childTnLst>
-                          </p:cTn>
-                        </p:par>
-                      </p:childTnLst>
-                    </p:cTn>
-                  </p:par>
-                  <p:par>
-                    <p:cTn fill="hold">
-                      <p:stCondLst>
-                        <p:cond delay="indefinite"/>
-                      </p:stCondLst>
-                      <p:childTnLst>
-                        <p:par>
-                          <p:cTn fill="hold">
-                            <p:stCondLst>
-                              <p:cond delay="0"/>
-                            </p:stCondLst>
-                            <p:childTnLst>
-                              <p:par>
-                                <p:cTn fill="hold" nodeType="clickEffect" presetClass="entr" presetID="23" presetSubtype="16">
-                                  <p:stCondLst>
-                                    <p:cond delay="0"/>
-                                  </p:stCondLst>
-                                  <p:childTnLst>
-                                    <p:set>
-                                      <p:cBhvr>
-                                        <p:cTn dur="1" fill="hold">
-                                          <p:stCondLst>
-                                            <p:cond delay="0"/>
-                                          </p:stCondLst>
-                                        </p:cTn>
-                                        <p:tgtEl>
-                                          <p:spTgt spid="110"/>
-                                        </p:tgtEl>
-                                        <p:attrNameLst>
-                                          <p:attrName>style.visibility</p:attrName>
-                                        </p:attrNameLst>
-                                      </p:cBhvr>
-                                      <p:to>
-                                        <p:strVal val="visible"/>
-                                      </p:to>
-                                    </p:set>
-                                    <p:anim calcmode="lin" valueType="num">
-                                      <p:cBhvr additive="base">
-                                        <p:cTn dur="500"/>
-                                        <p:tgtEl>
-                                          <p:spTgt spid="110"/>
-                                        </p:tgtEl>
-                                        <p:attrNameLst>
-                                          <p:attrName>ppt_w</p:attrName>
-                                        </p:attrNameLst>
-                                      </p:cBhvr>
-                                      <p:tavLst>
-                                        <p:tav fmla="" tm="0">
-                                          <p:val>
-                                            <p:strVal val="0"/>
-                                          </p:val>
-                                        </p:tav>
-                                        <p:tav fmla="" tm="100000">
-                                          <p:val>
-                                            <p:strVal val="#ppt_w"/>
-                                          </p:val>
-                                        </p:tav>
-                                      </p:tavLst>
-                                    </p:anim>
-                                    <p:anim calcmode="lin" valueType="num">
-                                      <p:cBhvr additive="base">
-                                        <p:cTn dur="500"/>
-                                        <p:tgtEl>
-                                          <p:spTgt spid="110"/>
-                                        </p:tgtEl>
-                                        <p:attrNameLst>
-                                          <p:attrName>ppt_h</p:attrName>
-                                        </p:attrNameLst>
-                                      </p:cBhvr>
-                                      <p:tavLst>
-                                        <p:tav fmla="" tm="0">
-                                          <p:val>
-                                            <p:strVal val="0"/>
-                                          </p:val>
-                                        </p:tav>
-                                        <p:tav fmla="" tm="100000">
-                                          <p:val>
-                                            <p:strVal val="#ppt_h"/>
-                                          </p:val>
-                                        </p:tav>
-                                      </p:tavLst>
-                                    </p:anim>
-                                  </p:childTnLst>
-                                </p:cTn>
-                              </p:par>
-                            </p:childTnLst>
-                          </p:cTn>
-                        </p:par>
-                      </p:childTnLst>
-                    </p:cTn>
-                  </p:par>
-                  <p:par>
-                    <p:cTn fill="hold">
-                      <p:stCondLst>
-                        <p:cond delay="indefinite"/>
-                      </p:stCondLst>
-                      <p:childTnLst>
-                        <p:par>
-                          <p:cTn fill="hold">
-                            <p:stCondLst>
-                              <p:cond delay="0"/>
-                            </p:stCondLst>
-                            <p:childTnLst>
-                              <p:par>
-                                <p:cTn fill="hold" nodeType="clickEffect" presetClass="entr" presetID="1" presetSubtype="0">
-                                  <p:stCondLst>
-                                    <p:cond delay="0"/>
-                                  </p:stCondLst>
-                                  <p:childTnLst>
-                                    <p:set>
-                                      <p:cBhvr>
-                                        <p:cTn dur="1" fill="hold">
-                                          <p:stCondLst>
-                                            <p:cond delay="0"/>
-                                          </p:stCondLst>
-                                        </p:cTn>
-                                        <p:tgtEl>
-                                          <p:spTgt spid="105"/>
-                                        </p:tgtEl>
-                                        <p:attrNameLst>
-                                          <p:attrName>style.visibility</p:attrName>
-                                        </p:attrNameLst>
-                                      </p:cBhvr>
-                                      <p:to>
-                                        <p:strVal val="visible"/>
-                                      </p:to>
-                                    </p:set>
-                                  </p:childTnLst>
-                                </p:cTn>
-                              </p:par>
-                            </p:childTnLst>
-                          </p:cTn>
-                        </p:par>
-                      </p:childTnLst>
-                    </p:cTn>
-                  </p:par>
-                  <p:par>
-                    <p:cTn fill="hold">
-                      <p:stCondLst>
-                        <p:cond delay="indefinite"/>
-                      </p:stCondLst>
-                      <p:childTnLst>
-                        <p:par>
-                          <p:cTn fill="hold">
-                            <p:stCondLst>
-                              <p:cond delay="0"/>
-                            </p:stCondLst>
-                            <p:childTnLst>
-                              <p:par>
-                                <p:cTn fill="hold" nodeType="clickEffect" presetClass="entr" presetID="1" presetSubtype="0">
-                                  <p:stCondLst>
-                                    <p:cond delay="0"/>
-                                  </p:stCondLst>
-                                  <p:childTnLst>
-                                    <p:set>
-                                      <p:cBhvr>
-                                        <p:cTn dur="1" fill="hold">
-                                          <p:stCondLst>
-                                            <p:cond delay="0"/>
-                                          </p:stCondLst>
-                                        </p:cTn>
-                                        <p:tgtEl>
-                                          <p:spTgt spid="105"/>
-                                        </p:tgtEl>
-                                        <p:attrNameLst>
-                                          <p:attrName>style.visibility</p:attrName>
-                                        </p:attrNameLst>
-                                      </p:cBhvr>
-                                      <p:to>
-                                        <p:strVal val="visible"/>
-                                      </p:to>
-                                    </p:set>
-                                  </p:childTnLst>
-                                </p:cTn>
-                              </p:par>
-                            </p:childTnLst>
-                          </p:cTn>
-                        </p:par>
-                      </p:childTnLst>
-                    </p:cTn>
-                  </p:par>
-                </p:childTnLst>
-              </p:cTn>
-              <p:prevCondLst>
-                <p:cond evt="onPrev">
-                  <p:tgtEl>
-                    <p:sldTgt/>
-                  </p:tgtEl>
-                </p:cond>
-              </p:prevCondLst>
-              <p:nextCondLst>
-                <p:cond evt="onNext">
-                  <p:tgtEl>
-                    <p:sldTgt/>
-                  </p:tgtEl>
-                </p:cond>
-              </p:nextCondLst>
-            </p:seq>
-          </p:childTnLst>
-        </p:cTn>
-      </p:par>
-    </p:tnLst>
-  </p:timing>
-</p:sld>
-</file>
-
-<file path=ppt/slides/slide5.xml><?xml version="1.0" encoding="utf-8"?>
-<p:sld xmlns:a="http://schemas.openxmlformats.org/drawingml/2006/main" xmlns:r="http://schemas.openxmlformats.org/officeDocument/2006/relationships" xmlns:mc="http://schemas.openxmlformats.org/markup-compatibility/2006" xmlns:mv="urn:schemas-microsoft-com:mac:vml" xmlns:p="http://schemas.openxmlformats.org/presentationml/2006/main" xmlns:c="http://schemas.openxmlformats.org/drawingml/2006/chart" xmlns:dgm="http://schemas.openxmlformats.org/drawingml/2006/diagram" xmlns:o="urn:schemas-microsoft-com:office:office" xmlns:v="urn:schemas-microsoft-com:vml" xmlns:pvml="urn:schemas-microsoft-com:office:powerpoint" xmlns:com="http://schemas.openxmlformats.org/drawingml/2006/compatibility" xmlns:p14="http://schemas.microsoft.com/office/powerpoint/2010/main" xmlns:p15="http://schemas.microsoft.com/office/powerpoint/2012/main" xmlns:ahyp="http://schemas.microsoft.com/office/drawing/2018/hyperlinkcolor">
-  <p:cSld>
-    <p:bg>
-      <p:bgPr>
-        <a:solidFill>
-          <a:srgbClr val="FFFFFF"/>
-        </a:solidFill>
-      </p:bgPr>
-    </p:bg>
-    <p:spTree>
-      <p:nvGrpSpPr>
-        <p:cNvPr id="114" name="Shape 114"/>
-        <p:cNvGrpSpPr/>
-        <p:nvPr/>
-      </p:nvGrpSpPr>
-      <p:grpSpPr>
-        <a:xfrm>
-          <a:off x="0" y="0"/>
-          <a:ext cx="0" cy="0"/>
-          <a:chOff x="0" y="0"/>
-          <a:chExt cx="0" cy="0"/>
-        </a:xfrm>
-      </p:grpSpPr>
-      <p:sp>
-        <p:nvSpPr>
-          <p:cNvPr id="115" name="Google Shape;115;p19"/>
-          <p:cNvSpPr txBox="1"/>
-          <p:nvPr/>
-        </p:nvSpPr>
-        <p:spPr>
-          <a:xfrm>
-            <a:off x="443757" y="1254400"/>
-            <a:ext cx="7983300" cy="300000"/>
-          </a:xfrm>
-          <a:prstGeom prst="rect">
-            <a:avLst/>
-          </a:prstGeom>
-          <a:noFill/>
-          <a:ln>
-            <a:noFill/>
-          </a:ln>
-        </p:spPr>
-        <p:txBody>
-          <a:bodyPr anchorCtr="0" anchor="t" bIns="34275" lIns="34275" spcFirstLastPara="1" rIns="34275" wrap="square" tIns="34275">
-            <a:spAutoFit/>
-          </a:bodyPr>
-          <a:lstStyle/>
-          <a:p>
-            <a:pPr indent="0" lvl="0" marL="0" rtl="0" algn="l">
-              <a:lnSpc>
-                <a:spcPct val="115000"/>
-              </a:lnSpc>
-              <a:spcBef>
-                <a:spcPts val="0"/>
-              </a:spcBef>
-              <a:spcAft>
-                <a:spcPts val="0"/>
-              </a:spcAft>
-              <a:buNone/>
-            </a:pPr>
-            <a:r>
-              <a:rPr lang="ko" sz="1500">
-                <a:solidFill>
-                  <a:schemeClr val="dk1"/>
-                </a:solidFill>
-              </a:rPr>
-              <a:t>1. Pretrained 모델의 종류가 성능을 크게 좌우하지 않았다. 재학습 하지 않을 경우 70% 내외</a:t>
-            </a:r>
-            <a:endParaRPr sz="1500">
-              <a:solidFill>
-                <a:schemeClr val="dk1"/>
-              </a:solidFill>
-            </a:endParaRPr>
-          </a:p>
-        </p:txBody>
-      </p:sp>
-      <p:sp>
-        <p:nvSpPr>
-          <p:cNvPr id="116" name="Google Shape;116;p19"/>
-          <p:cNvSpPr/>
-          <p:nvPr/>
-        </p:nvSpPr>
-        <p:spPr>
-          <a:xfrm>
-            <a:off x="469915" y="1025269"/>
-            <a:ext cx="802800" cy="36000"/>
-          </a:xfrm>
-          <a:prstGeom prst="rect">
-            <a:avLst/>
-          </a:prstGeom>
-          <a:solidFill>
-            <a:srgbClr val="FFCD05"/>
-          </a:solidFill>
-          <a:ln>
-            <a:noFill/>
-          </a:ln>
-        </p:spPr>
-        <p:txBody>
-          <a:bodyPr anchorCtr="0" anchor="ctr" bIns="34275" lIns="34275" spcFirstLastPara="1" rIns="34275" wrap="square" tIns="34275">
-            <a:noAutofit/>
-          </a:bodyPr>
-          <a:lstStyle/>
-          <a:p>
-            <a:pPr indent="0" lvl="0" marL="0" marR="0" rtl="0" algn="l">
-              <a:lnSpc>
-                <a:spcPct val="100000"/>
-              </a:lnSpc>
-              <a:spcBef>
-                <a:spcPts val="0"/>
-              </a:spcBef>
-              <a:spcAft>
-                <a:spcPts val="0"/>
-              </a:spcAft>
-              <a:buClr>
-                <a:srgbClr val="000000"/>
-              </a:buClr>
-              <a:buSzPts val="1400"/>
-              <a:buFont typeface="Arial"/>
-              <a:buNone/>
-            </a:pPr>
-            <a:r>
-              <a:t/>
-            </a:r>
-            <a:endParaRPr b="0" i="0" sz="1400" u="none" cap="none" strike="noStrike">
-              <a:solidFill>
-                <a:srgbClr val="000000"/>
-              </a:solidFill>
-              <a:latin typeface="Arial"/>
-              <a:ea typeface="Arial"/>
-              <a:cs typeface="Arial"/>
-              <a:sym typeface="Arial"/>
-            </a:endParaRPr>
-          </a:p>
-        </p:txBody>
-      </p:sp>
-      <p:sp>
-        <p:nvSpPr>
-          <p:cNvPr id="117" name="Google Shape;117;p19"/>
-          <p:cNvSpPr txBox="1"/>
-          <p:nvPr>
-            <p:ph type="title"/>
-          </p:nvPr>
-        </p:nvSpPr>
-        <p:spPr>
-          <a:xfrm>
-            <a:off x="390675" y="450919"/>
-            <a:ext cx="6720000" cy="533100"/>
-          </a:xfrm>
-          <a:prstGeom prst="rect">
-            <a:avLst/>
-          </a:prstGeom>
-          <a:noFill/>
-          <a:ln>
-            <a:noFill/>
-          </a:ln>
-        </p:spPr>
-        <p:txBody>
-          <a:bodyPr anchorCtr="0" anchor="ctr" bIns="34275" lIns="34275" spcFirstLastPara="1" rIns="34275" wrap="square" tIns="34275">
-            <a:normAutofit/>
-          </a:bodyPr>
-          <a:lstStyle/>
-          <a:p>
-            <a:pPr indent="0" lvl="0" marL="0" rtl="0" algn="l">
-              <a:lnSpc>
-                <a:spcPct val="90000"/>
-              </a:lnSpc>
-              <a:spcBef>
-                <a:spcPts val="0"/>
-              </a:spcBef>
-              <a:spcAft>
-                <a:spcPts val="0"/>
-              </a:spcAft>
-              <a:buClr>
-                <a:srgbClr val="FFFFFF"/>
-              </a:buClr>
-              <a:buSzPts val="2100"/>
-              <a:buFont typeface="Arial"/>
-              <a:buNone/>
-            </a:pPr>
-            <a:r>
-              <a:rPr lang="ko" sz="2100">
-                <a:solidFill>
-                  <a:srgbClr val="404040"/>
-                </a:solidFill>
-              </a:rPr>
-              <a:t>실험 결과</a:t>
-            </a:r>
-            <a:endParaRPr sz="2300">
-              <a:solidFill>
-                <a:srgbClr val="404040"/>
-              </a:solidFill>
-              <a:latin typeface="Arial"/>
-              <a:ea typeface="Arial"/>
-              <a:cs typeface="Arial"/>
-              <a:sym typeface="Arial"/>
-            </a:endParaRPr>
-          </a:p>
-        </p:txBody>
-      </p:sp>
-      <p:pic>
-        <p:nvPicPr>
-          <p:cNvPr id="118" name="Google Shape;118;p19"/>
-          <p:cNvPicPr preferRelativeResize="0"/>
-          <p:nvPr/>
-        </p:nvPicPr>
-        <p:blipFill rotWithShape="1">
-          <a:blip r:embed="rId3">
-            <a:alphaModFix/>
-          </a:blip>
-          <a:srcRect b="0" l="0" r="0" t="0"/>
-          <a:stretch/>
-        </p:blipFill>
-        <p:spPr>
-          <a:xfrm>
-            <a:off x="8204819" y="226331"/>
-            <a:ext cx="719411" cy="220950"/>
-          </a:xfrm>
-          <a:prstGeom prst="rect">
-            <a:avLst/>
-          </a:prstGeom>
-          <a:noFill/>
-          <a:ln>
-            <a:noFill/>
-          </a:ln>
-        </p:spPr>
-      </p:pic>
-      <p:pic>
-        <p:nvPicPr>
-          <p:cNvPr id="119" name="Google Shape;119;p19"/>
+          <p:cNvPr id="120" name="Google Shape;120;p19"/>
           <p:cNvPicPr preferRelativeResize="0"/>
           <p:nvPr/>
         </p:nvPicPr>
@@ -17756,7 +19502,7 @@
       </p:pic>
       <p:sp>
         <p:nvSpPr>
-          <p:cNvPr id="120" name="Google Shape;120;p19"/>
+          <p:cNvPr id="121" name="Google Shape;121;p19"/>
           <p:cNvSpPr txBox="1"/>
           <p:nvPr/>
         </p:nvSpPr>
@@ -17814,7 +19560,7 @@
       </p:sp>
       <p:sp>
         <p:nvSpPr>
-          <p:cNvPr id="121" name="Google Shape;121;p19"/>
+          <p:cNvPr id="122" name="Google Shape;122;p19"/>
           <p:cNvSpPr txBox="1"/>
           <p:nvPr/>
         </p:nvSpPr>
@@ -17867,7 +19613,7 @@
       </p:sp>
       <p:sp>
         <p:nvSpPr>
-          <p:cNvPr id="122" name="Google Shape;122;p19"/>
+          <p:cNvPr id="123" name="Google Shape;123;p19"/>
           <p:cNvSpPr txBox="1"/>
           <p:nvPr/>
         </p:nvSpPr>
@@ -17920,7 +19666,7 @@
       </p:sp>
       <p:pic>
         <p:nvPicPr>
-          <p:cNvPr id="123" name="Google Shape;123;p19"/>
+          <p:cNvPr id="124" name="Google Shape;124;p19"/>
           <p:cNvPicPr preferRelativeResize="0"/>
           <p:nvPr/>
         </p:nvPicPr>
@@ -17954,7 +19700,7 @@
       </p:pic>
       <p:pic>
         <p:nvPicPr>
-          <p:cNvPr id="124" name="Google Shape;124;p19"/>
+          <p:cNvPr id="125" name="Google Shape;125;p19"/>
           <p:cNvPicPr preferRelativeResize="0"/>
           <p:nvPr/>
         </p:nvPicPr>
@@ -18025,7 +19771,7 @@
                                           </p:stCondLst>
                                         </p:cTn>
                                         <p:tgtEl>
-                                          <p:spTgt spid="119"/>
+                                          <p:spTgt spid="120"/>
                                         </p:tgtEl>
                                         <p:attrNameLst>
                                           <p:attrName>style.visibility</p:attrName>
@@ -18070,97 +19816,7 @@
                                           </p:stCondLst>
                                         </p:cTn>
                                         <p:tgtEl>
-                                          <p:spTgt spid="119"/>
-                                        </p:tgtEl>
-                                        <p:attrNameLst>
-                                          <p:attrName>style.visibility</p:attrName>
-                                        </p:attrNameLst>
-                                      </p:cBhvr>
-                                      <p:to>
-                                        <p:strVal val="hidden"/>
-                                      </p:to>
-                                    </p:set>
-                                  </p:childTnLst>
-                                </p:cTn>
-                              </p:par>
-                            </p:childTnLst>
-                          </p:cTn>
-                        </p:par>
-                      </p:childTnLst>
-                    </p:cTn>
-                  </p:par>
-                  <p:par>
-                    <p:cTn fill="hold">
-                      <p:stCondLst>
-                        <p:cond delay="indefinite"/>
-                      </p:stCondLst>
-                      <p:childTnLst>
-                        <p:par>
-                          <p:cTn fill="hold">
-                            <p:stCondLst>
-                              <p:cond delay="0"/>
-                            </p:stCondLst>
-                            <p:childTnLst>
-                              <p:par>
-                                <p:cTn fill="hold" nodeType="clickEffect" presetClass="entr" presetID="1" presetSubtype="0">
-                                  <p:stCondLst>
-                                    <p:cond delay="0"/>
-                                  </p:stCondLst>
-                                  <p:childTnLst>
-                                    <p:set>
-                                      <p:cBhvr>
-                                        <p:cTn dur="1" fill="hold">
-                                          <p:stCondLst>
-                                            <p:cond delay="0"/>
-                                          </p:stCondLst>
-                                        </p:cTn>
-                                        <p:tgtEl>
-                                          <p:spTgt spid="123"/>
-                                        </p:tgtEl>
-                                        <p:attrNameLst>
-                                          <p:attrName>style.visibility</p:attrName>
-                                        </p:attrNameLst>
-                                      </p:cBhvr>
-                                      <p:to>
-                                        <p:strVal val="visible"/>
-                                      </p:to>
-                                    </p:set>
-                                  </p:childTnLst>
-                                </p:cTn>
-                              </p:par>
-                            </p:childTnLst>
-                          </p:cTn>
-                        </p:par>
-                      </p:childTnLst>
-                    </p:cTn>
-                  </p:par>
-                  <p:par>
-                    <p:cTn fill="hold">
-                      <p:stCondLst>
-                        <p:cond delay="indefinite"/>
-                      </p:stCondLst>
-                      <p:childTnLst>
-                        <p:par>
-                          <p:cTn fill="hold">
-                            <p:stCondLst>
-                              <p:cond delay="0"/>
-                            </p:stCondLst>
-                            <p:childTnLst>
-                              <p:par>
-                                <p:cTn fill="hold" nodeType="clickEffect" presetClass="exit" presetID="1" presetSubtype="0">
-                                  <p:stCondLst>
-                                    <p:cond delay="0"/>
-                                  </p:stCondLst>
-                                  <p:childTnLst>
-                                    <p:set>
-                                      <p:cBhvr>
-                                        <p:cTn dur="1" fill="hold">
-                                          <p:stCondLst>
-                                            <p:cond delay="0"/>
-                                          </p:stCondLst>
-                                        </p:cTn>
-                                        <p:tgtEl>
-                                          <p:spTgt spid="123"/>
+                                          <p:spTgt spid="120"/>
                                         </p:tgtEl>
                                         <p:attrNameLst>
                                           <p:attrName>style.visibility</p:attrName>
@@ -18269,6 +19925,96 @@
                       </p:childTnLst>
                     </p:cTn>
                   </p:par>
+                  <p:par>
+                    <p:cTn fill="hold">
+                      <p:stCondLst>
+                        <p:cond delay="indefinite"/>
+                      </p:stCondLst>
+                      <p:childTnLst>
+                        <p:par>
+                          <p:cTn fill="hold">
+                            <p:stCondLst>
+                              <p:cond delay="0"/>
+                            </p:stCondLst>
+                            <p:childTnLst>
+                              <p:par>
+                                <p:cTn fill="hold" nodeType="clickEffect" presetClass="entr" presetID="1" presetSubtype="0">
+                                  <p:stCondLst>
+                                    <p:cond delay="0"/>
+                                  </p:stCondLst>
+                                  <p:childTnLst>
+                                    <p:set>
+                                      <p:cBhvr>
+                                        <p:cTn dur="1" fill="hold">
+                                          <p:stCondLst>
+                                            <p:cond delay="0"/>
+                                          </p:stCondLst>
+                                        </p:cTn>
+                                        <p:tgtEl>
+                                          <p:spTgt spid="125"/>
+                                        </p:tgtEl>
+                                        <p:attrNameLst>
+                                          <p:attrName>style.visibility</p:attrName>
+                                        </p:attrNameLst>
+                                      </p:cBhvr>
+                                      <p:to>
+                                        <p:strVal val="visible"/>
+                                      </p:to>
+                                    </p:set>
+                                  </p:childTnLst>
+                                </p:cTn>
+                              </p:par>
+                            </p:childTnLst>
+                          </p:cTn>
+                        </p:par>
+                      </p:childTnLst>
+                    </p:cTn>
+                  </p:par>
+                  <p:par>
+                    <p:cTn fill="hold">
+                      <p:stCondLst>
+                        <p:cond delay="indefinite"/>
+                      </p:stCondLst>
+                      <p:childTnLst>
+                        <p:par>
+                          <p:cTn fill="hold">
+                            <p:stCondLst>
+                              <p:cond delay="0"/>
+                            </p:stCondLst>
+                            <p:childTnLst>
+                              <p:par>
+                                <p:cTn fill="hold" nodeType="clickEffect" presetClass="exit" presetID="1" presetSubtype="0">
+                                  <p:stCondLst>
+                                    <p:cond delay="0"/>
+                                  </p:stCondLst>
+                                  <p:childTnLst>
+                                    <p:set>
+                                      <p:cBhvr>
+                                        <p:cTn dur="1" fill="hold">
+                                          <p:stCondLst>
+                                            <p:cond delay="0"/>
+                                          </p:stCondLst>
+                                        </p:cTn>
+                                        <p:tgtEl>
+                                          <p:spTgt spid="125"/>
+                                        </p:tgtEl>
+                                        <p:attrNameLst>
+                                          <p:attrName>style.visibility</p:attrName>
+                                        </p:attrNameLst>
+                                      </p:cBhvr>
+                                      <p:to>
+                                        <p:strVal val="hidden"/>
+                                      </p:to>
+                                    </p:set>
+                                  </p:childTnLst>
+                                </p:cTn>
+                              </p:par>
+                            </p:childTnLst>
+                          </p:cTn>
+                        </p:par>
+                      </p:childTnLst>
+                    </p:cTn>
+                  </p:par>
                 </p:childTnLst>
               </p:cTn>
               <p:prevCondLst>
@@ -18306,7 +20052,7 @@
     </p:bg>
     <p:spTree>
       <p:nvGrpSpPr>
-        <p:cNvPr id="128" name="Shape 128"/>
+        <p:cNvPr id="129" name="Shape 129"/>
         <p:cNvGrpSpPr/>
         <p:nvPr/>
       </p:nvGrpSpPr>
@@ -18320,7 +20066,7 @@
       </p:grpSpPr>
       <p:sp>
         <p:nvSpPr>
-          <p:cNvPr id="129" name="Google Shape;129;p20"/>
+          <p:cNvPr id="130" name="Google Shape;130;p20"/>
           <p:cNvSpPr/>
           <p:nvPr/>
         </p:nvSpPr>
@@ -18379,7 +20125,7 @@
       </p:sp>
       <p:sp>
         <p:nvSpPr>
-          <p:cNvPr id="130" name="Google Shape;130;p20"/>
+          <p:cNvPr id="131" name="Google Shape;131;p20"/>
           <p:cNvSpPr txBox="1"/>
           <p:nvPr>
             <p:ph type="title"/>
@@ -18443,7 +20189,7 @@
       </p:sp>
       <p:pic>
         <p:nvPicPr>
-          <p:cNvPr id="131" name="Google Shape;131;p20"/>
+          <p:cNvPr id="132" name="Google Shape;132;p20"/>
           <p:cNvPicPr preferRelativeResize="0"/>
           <p:nvPr/>
         </p:nvPicPr>
@@ -18470,7 +20216,7 @@
       </p:pic>
       <p:sp>
         <p:nvSpPr>
-          <p:cNvPr id="132" name="Google Shape;132;p20"/>
+          <p:cNvPr id="133" name="Google Shape;133;p20"/>
           <p:cNvSpPr txBox="1"/>
           <p:nvPr/>
         </p:nvSpPr>
@@ -18523,7 +20269,7 @@
       </p:sp>
       <p:pic>
         <p:nvPicPr>
-          <p:cNvPr id="133" name="Google Shape;133;p20"/>
+          <p:cNvPr id="134" name="Google Shape;134;p20"/>
           <p:cNvPicPr preferRelativeResize="0"/>
           <p:nvPr/>
         </p:nvPicPr>
@@ -18551,7 +20297,7 @@
       </p:pic>
       <p:pic>
         <p:nvPicPr>
-          <p:cNvPr id="134" name="Google Shape;134;p20"/>
+          <p:cNvPr id="135" name="Google Shape;135;p20"/>
           <p:cNvPicPr preferRelativeResize="0"/>
           <p:nvPr/>
         </p:nvPicPr>
@@ -18577,11 +20323,433 @@
           </a:ln>
         </p:spPr>
       </p:pic>
+      <p:grpSp>
+        <p:nvGrpSpPr>
+          <p:cNvPr id="136" name="Google Shape;136;p20"/>
+          <p:cNvGrpSpPr/>
+          <p:nvPr/>
+        </p:nvGrpSpPr>
+        <p:grpSpPr>
+          <a:xfrm>
+            <a:off x="263125" y="-90600"/>
+            <a:ext cx="7105663" cy="5157900"/>
+            <a:chOff x="263125" y="-90600"/>
+            <a:chExt cx="7105663" cy="5157900"/>
+          </a:xfrm>
+        </p:grpSpPr>
+        <p:pic>
+          <p:nvPicPr>
+            <p:cNvPr id="137" name="Google Shape;137;p20"/>
+            <p:cNvPicPr preferRelativeResize="0"/>
+            <p:nvPr/>
+          </p:nvPicPr>
+          <p:blipFill>
+            <a:blip r:embed="rId6">
+              <a:alphaModFix/>
+            </a:blip>
+            <a:stretch>
+              <a:fillRect/>
+            </a:stretch>
+          </p:blipFill>
+          <p:spPr>
+            <a:xfrm>
+              <a:off x="1110863" y="76200"/>
+              <a:ext cx="6257925" cy="4991100"/>
+            </a:xfrm>
+            <a:prstGeom prst="rect">
+              <a:avLst/>
+            </a:prstGeom>
+            <a:noFill/>
+            <a:ln>
+              <a:noFill/>
+            </a:ln>
+          </p:spPr>
+        </p:pic>
+        <p:sp>
+          <p:nvSpPr>
+            <p:cNvPr id="138" name="Google Shape;138;p20"/>
+            <p:cNvSpPr/>
+            <p:nvPr/>
+          </p:nvSpPr>
+          <p:spPr>
+            <a:xfrm>
+              <a:off x="855575" y="-90600"/>
+              <a:ext cx="3684300" cy="1071000"/>
+            </a:xfrm>
+            <a:prstGeom prst="ellipse">
+              <a:avLst/>
+            </a:prstGeom>
+            <a:noFill/>
+            <a:ln cap="flat" cmpd="sng" w="9525">
+              <a:solidFill>
+                <a:srgbClr val="FF0000"/>
+              </a:solidFill>
+              <a:prstDash val="solid"/>
+              <a:round/>
+              <a:headEnd len="sm" w="sm" type="none"/>
+              <a:tailEnd len="sm" w="sm" type="none"/>
+            </a:ln>
+          </p:spPr>
+          <p:txBody>
+            <a:bodyPr anchorCtr="0" anchor="ctr" bIns="91425" lIns="91425" spcFirstLastPara="1" rIns="91425" wrap="square" tIns="91425">
+              <a:noAutofit/>
+            </a:bodyPr>
+            <a:lstStyle/>
+            <a:p>
+              <a:pPr indent="0" lvl="0" marL="0" rtl="0" algn="ctr">
+                <a:spcBef>
+                  <a:spcPts val="0"/>
+                </a:spcBef>
+                <a:spcAft>
+                  <a:spcPts val="0"/>
+                </a:spcAft>
+                <a:buNone/>
+              </a:pPr>
+              <a:r>
+                <a:t/>
+              </a:r>
+              <a:endParaRPr/>
+            </a:p>
+          </p:txBody>
+        </p:sp>
+        <p:sp>
+          <p:nvSpPr>
+            <p:cNvPr id="139" name="Google Shape;139;p20"/>
+            <p:cNvSpPr/>
+            <p:nvPr/>
+          </p:nvSpPr>
+          <p:spPr>
+            <a:xfrm>
+              <a:off x="263125" y="3472625"/>
+              <a:ext cx="3833700" cy="1429200"/>
+            </a:xfrm>
+            <a:prstGeom prst="ellipse">
+              <a:avLst/>
+            </a:prstGeom>
+            <a:noFill/>
+            <a:ln cap="flat" cmpd="sng" w="9525">
+              <a:solidFill>
+                <a:srgbClr val="FF0000"/>
+              </a:solidFill>
+              <a:prstDash val="solid"/>
+              <a:round/>
+              <a:headEnd len="sm" w="sm" type="none"/>
+              <a:tailEnd len="sm" w="sm" type="none"/>
+            </a:ln>
+          </p:spPr>
+          <p:txBody>
+            <a:bodyPr anchorCtr="0" anchor="ctr" bIns="91425" lIns="91425" spcFirstLastPara="1" rIns="91425" wrap="square" tIns="91425">
+              <a:noAutofit/>
+            </a:bodyPr>
+            <a:lstStyle/>
+            <a:p>
+              <a:pPr indent="0" lvl="0" marL="0" rtl="0" algn="ctr">
+                <a:spcBef>
+                  <a:spcPts val="0"/>
+                </a:spcBef>
+                <a:spcAft>
+                  <a:spcPts val="0"/>
+                </a:spcAft>
+                <a:buNone/>
+              </a:pPr>
+              <a:r>
+                <a:t/>
+              </a:r>
+              <a:endParaRPr/>
+            </a:p>
+          </p:txBody>
+        </p:sp>
+        <p:sp>
+          <p:nvSpPr>
+            <p:cNvPr id="140" name="Google Shape;140;p20"/>
+            <p:cNvSpPr/>
+            <p:nvPr/>
+          </p:nvSpPr>
+          <p:spPr>
+            <a:xfrm>
+              <a:off x="1110875" y="2079800"/>
+              <a:ext cx="4532700" cy="728400"/>
+            </a:xfrm>
+            <a:prstGeom prst="ellipse">
+              <a:avLst/>
+            </a:prstGeom>
+            <a:noFill/>
+            <a:ln cap="flat" cmpd="sng" w="9525">
+              <a:solidFill>
+                <a:srgbClr val="FF0000"/>
+              </a:solidFill>
+              <a:prstDash val="solid"/>
+              <a:round/>
+              <a:headEnd len="sm" w="sm" type="none"/>
+              <a:tailEnd len="sm" w="sm" type="none"/>
+            </a:ln>
+          </p:spPr>
+          <p:txBody>
+            <a:bodyPr anchorCtr="0" anchor="ctr" bIns="91425" lIns="91425" spcFirstLastPara="1" rIns="91425" wrap="square" tIns="91425">
+              <a:noAutofit/>
+            </a:bodyPr>
+            <a:lstStyle/>
+            <a:p>
+              <a:pPr indent="0" lvl="0" marL="0" rtl="0" algn="ctr">
+                <a:spcBef>
+                  <a:spcPts val="0"/>
+                </a:spcBef>
+                <a:spcAft>
+                  <a:spcPts val="0"/>
+                </a:spcAft>
+                <a:buNone/>
+              </a:pPr>
+              <a:r>
+                <a:t/>
+              </a:r>
+              <a:endParaRPr/>
+            </a:p>
+          </p:txBody>
+        </p:sp>
+      </p:grpSp>
+      <p:pic>
+        <p:nvPicPr>
+          <p:cNvPr id="141" name="Google Shape;141;p20"/>
+          <p:cNvPicPr preferRelativeResize="0"/>
+          <p:nvPr/>
+        </p:nvPicPr>
+        <p:blipFill>
+          <a:blip r:embed="rId7">
+            <a:alphaModFix/>
+          </a:blip>
+          <a:stretch>
+            <a:fillRect/>
+          </a:stretch>
+        </p:blipFill>
+        <p:spPr>
+          <a:xfrm>
+            <a:off x="888825" y="1914038"/>
+            <a:ext cx="6991350" cy="1019175"/>
+          </a:xfrm>
+          <a:prstGeom prst="rect">
+            <a:avLst/>
+          </a:prstGeom>
+          <a:noFill/>
+          <a:ln>
+            <a:noFill/>
+          </a:ln>
+        </p:spPr>
+      </p:pic>
     </p:spTree>
   </p:cSld>
   <p:clrMapOvr>
     <a:masterClrMapping/>
   </p:clrMapOvr>
+  <p:timing>
+    <p:tnLst>
+      <p:par>
+        <p:cTn dur="indefinite" nodeType="tmRoot" restart="never">
+          <p:childTnLst>
+            <p:seq concurrent="1" nextAc="seek">
+              <p:cTn dur="indefinite" id="2" nodeType="mainSeq">
+                <p:childTnLst>
+                  <p:par>
+                    <p:cTn fill="hold">
+                      <p:stCondLst>
+                        <p:cond delay="indefinite"/>
+                      </p:stCondLst>
+                      <p:childTnLst>
+                        <p:par>
+                          <p:cTn fill="hold">
+                            <p:stCondLst>
+                              <p:cond delay="0"/>
+                            </p:stCondLst>
+                            <p:childTnLst>
+                              <p:par>
+                                <p:cTn fill="hold" nodeType="clickEffect" presetClass="entr" presetID="1" presetSubtype="0">
+                                  <p:stCondLst>
+                                    <p:cond delay="0"/>
+                                  </p:stCondLst>
+                                  <p:childTnLst>
+                                    <p:set>
+                                      <p:cBhvr>
+                                        <p:cTn dur="1" fill="hold">
+                                          <p:stCondLst>
+                                            <p:cond delay="0"/>
+                                          </p:stCondLst>
+                                        </p:cTn>
+                                        <p:tgtEl>
+                                          <p:spTgt spid="141"/>
+                                        </p:tgtEl>
+                                        <p:attrNameLst>
+                                          <p:attrName>style.visibility</p:attrName>
+                                        </p:attrNameLst>
+                                      </p:cBhvr>
+                                      <p:to>
+                                        <p:strVal val="visible"/>
+                                      </p:to>
+                                    </p:set>
+                                  </p:childTnLst>
+                                </p:cTn>
+                              </p:par>
+                            </p:childTnLst>
+                          </p:cTn>
+                        </p:par>
+                      </p:childTnLst>
+                    </p:cTn>
+                  </p:par>
+                  <p:par>
+                    <p:cTn fill="hold">
+                      <p:stCondLst>
+                        <p:cond delay="indefinite"/>
+                      </p:stCondLst>
+                      <p:childTnLst>
+                        <p:par>
+                          <p:cTn fill="hold">
+                            <p:stCondLst>
+                              <p:cond delay="0"/>
+                            </p:stCondLst>
+                            <p:childTnLst>
+                              <p:par>
+                                <p:cTn fill="hold" nodeType="clickEffect" presetClass="exit" presetID="1" presetSubtype="0">
+                                  <p:stCondLst>
+                                    <p:cond delay="0"/>
+                                  </p:stCondLst>
+                                  <p:childTnLst>
+                                    <p:set>
+                                      <p:cBhvr>
+                                        <p:cTn dur="1" fill="hold">
+                                          <p:stCondLst>
+                                            <p:cond delay="0"/>
+                                          </p:stCondLst>
+                                        </p:cTn>
+                                        <p:tgtEl>
+                                          <p:spTgt spid="141"/>
+                                        </p:tgtEl>
+                                        <p:attrNameLst>
+                                          <p:attrName>style.visibility</p:attrName>
+                                        </p:attrNameLst>
+                                      </p:cBhvr>
+                                      <p:to>
+                                        <p:strVal val="hidden"/>
+                                      </p:to>
+                                    </p:set>
+                                  </p:childTnLst>
+                                </p:cTn>
+                              </p:par>
+                            </p:childTnLst>
+                          </p:cTn>
+                        </p:par>
+                      </p:childTnLst>
+                    </p:cTn>
+                  </p:par>
+                  <p:par>
+                    <p:cTn fill="hold">
+                      <p:stCondLst>
+                        <p:cond delay="indefinite"/>
+                      </p:stCondLst>
+                      <p:childTnLst>
+                        <p:par>
+                          <p:cTn fill="hold">
+                            <p:stCondLst>
+                              <p:cond delay="0"/>
+                            </p:stCondLst>
+                            <p:childTnLst>
+                              <p:par>
+                                <p:cTn fill="hold" nodeType="clickEffect" presetClass="entr" presetID="1" presetSubtype="0">
+                                  <p:stCondLst>
+                                    <p:cond delay="0"/>
+                                  </p:stCondLst>
+                                  <p:childTnLst>
+                                    <p:set>
+                                      <p:cBhvr>
+                                        <p:cTn dur="1" fill="hold">
+                                          <p:stCondLst>
+                                            <p:cond delay="0"/>
+                                          </p:stCondLst>
+                                        </p:cTn>
+                                        <p:tgtEl>
+                                          <p:spTgt spid="136"/>
+                                        </p:tgtEl>
+                                        <p:attrNameLst>
+                                          <p:attrName>style.visibility</p:attrName>
+                                        </p:attrNameLst>
+                                      </p:cBhvr>
+                                      <p:to>
+                                        <p:strVal val="visible"/>
+                                      </p:to>
+                                    </p:set>
+                                  </p:childTnLst>
+                                </p:cTn>
+                              </p:par>
+                            </p:childTnLst>
+                          </p:cTn>
+                        </p:par>
+                      </p:childTnLst>
+                    </p:cTn>
+                  </p:par>
+                  <p:par>
+                    <p:cTn fill="hold">
+                      <p:stCondLst>
+                        <p:cond delay="indefinite"/>
+                      </p:stCondLst>
+                      <p:childTnLst>
+                        <p:par>
+                          <p:cTn fill="hold">
+                            <p:stCondLst>
+                              <p:cond delay="0"/>
+                            </p:stCondLst>
+                            <p:childTnLst>
+                              <p:par>
+                                <p:cTn fill="hold" nodeType="clickEffect" presetClass="exit" presetID="1" presetSubtype="0">
+                                  <p:stCondLst>
+                                    <p:cond delay="0"/>
+                                  </p:stCondLst>
+                                  <p:childTnLst>
+                                    <p:set>
+                                      <p:cBhvr>
+                                        <p:cTn dur="1" fill="hold">
+                                          <p:stCondLst>
+                                            <p:cond delay="0"/>
+                                          </p:stCondLst>
+                                        </p:cTn>
+                                        <p:tgtEl>
+                                          <p:spTgt spid="136"/>
+                                        </p:tgtEl>
+                                        <p:attrNameLst>
+                                          <p:attrName>style.visibility</p:attrName>
+                                        </p:attrNameLst>
+                                      </p:cBhvr>
+                                      <p:to>
+                                        <p:strVal val="hidden"/>
+                                      </p:to>
+                                    </p:set>
+                                  </p:childTnLst>
+                                </p:cTn>
+                              </p:par>
+                            </p:childTnLst>
+                          </p:cTn>
+                        </p:par>
+                      </p:childTnLst>
+                    </p:cTn>
+                  </p:par>
+                </p:childTnLst>
+              </p:cTn>
+              <p:prevCondLst>
+                <p:cond evt="onPrev">
+                  <p:tgtEl>
+                    <p:sldTgt/>
+                  </p:tgtEl>
+                </p:cond>
+              </p:prevCondLst>
+              <p:nextCondLst>
+                <p:cond evt="onNext">
+                  <p:tgtEl>
+                    <p:sldTgt/>
+                  </p:tgtEl>
+                </p:cond>
+              </p:nextCondLst>
+            </p:seq>
+          </p:childTnLst>
+        </p:cTn>
+      </p:par>
+    </p:tnLst>
+  </p:timing>
 </p:sld>
 </file>
 
@@ -18597,7 +20765,7 @@
     </p:bg>
     <p:spTree>
       <p:nvGrpSpPr>
-        <p:cNvPr id="138" name="Shape 138"/>
+        <p:cNvPr id="145" name="Shape 145"/>
         <p:cNvGrpSpPr/>
         <p:nvPr/>
       </p:nvGrpSpPr>
@@ -18611,7 +20779,7 @@
       </p:grpSpPr>
       <p:sp>
         <p:nvSpPr>
-          <p:cNvPr id="139" name="Google Shape;139;p21"/>
+          <p:cNvPr id="146" name="Google Shape;146;p21"/>
           <p:cNvSpPr/>
           <p:nvPr/>
         </p:nvSpPr>
@@ -18670,7 +20838,7 @@
       </p:sp>
       <p:sp>
         <p:nvSpPr>
-          <p:cNvPr id="140" name="Google Shape;140;p21"/>
+          <p:cNvPr id="147" name="Google Shape;147;p21"/>
           <p:cNvSpPr txBox="1"/>
           <p:nvPr>
             <p:ph type="title"/>
@@ -18734,7 +20902,7 @@
       </p:sp>
       <p:pic>
         <p:nvPicPr>
-          <p:cNvPr id="141" name="Google Shape;141;p21"/>
+          <p:cNvPr id="148" name="Google Shape;148;p21"/>
           <p:cNvPicPr preferRelativeResize="0"/>
           <p:nvPr/>
         </p:nvPicPr>
@@ -18761,7 +20929,7 @@
       </p:pic>
       <p:sp>
         <p:nvSpPr>
-          <p:cNvPr id="142" name="Google Shape;142;p21"/>
+          <p:cNvPr id="149" name="Google Shape;149;p21"/>
           <p:cNvSpPr txBox="1"/>
           <p:nvPr/>
         </p:nvSpPr>
@@ -18814,7 +20982,7 @@
       </p:sp>
       <p:pic>
         <p:nvPicPr>
-          <p:cNvPr id="143" name="Google Shape;143;p21"/>
+          <p:cNvPr id="150" name="Google Shape;150;p21"/>
           <p:cNvPicPr preferRelativeResize="0"/>
           <p:nvPr/>
         </p:nvPicPr>
@@ -18842,7 +21010,7 @@
       </p:pic>
       <p:pic>
         <p:nvPicPr>
-          <p:cNvPr id="144" name="Google Shape;144;p21"/>
+          <p:cNvPr id="151" name="Google Shape;151;p21"/>
           <p:cNvPicPr preferRelativeResize="0"/>
           <p:nvPr/>
         </p:nvPicPr>
@@ -18868,11 +21036,159 @@
           </a:ln>
         </p:spPr>
       </p:pic>
+      <p:pic>
+        <p:nvPicPr>
+          <p:cNvPr id="152" name="Google Shape;152;p21"/>
+          <p:cNvPicPr preferRelativeResize="0"/>
+          <p:nvPr/>
+        </p:nvPicPr>
+        <p:blipFill>
+          <a:blip r:embed="rId6">
+            <a:alphaModFix/>
+          </a:blip>
+          <a:stretch>
+            <a:fillRect/>
+          </a:stretch>
+        </p:blipFill>
+        <p:spPr>
+          <a:xfrm>
+            <a:off x="700075" y="1627150"/>
+            <a:ext cx="7743825" cy="2762250"/>
+          </a:xfrm>
+          <a:prstGeom prst="rect">
+            <a:avLst/>
+          </a:prstGeom>
+          <a:noFill/>
+          <a:ln>
+            <a:noFill/>
+          </a:ln>
+        </p:spPr>
+      </p:pic>
     </p:spTree>
   </p:cSld>
   <p:clrMapOvr>
     <a:masterClrMapping/>
   </p:clrMapOvr>
+  <p:timing>
+    <p:tnLst>
+      <p:par>
+        <p:cTn dur="indefinite" nodeType="tmRoot" restart="never">
+          <p:childTnLst>
+            <p:seq concurrent="1" nextAc="seek">
+              <p:cTn dur="indefinite" id="2" nodeType="mainSeq">
+                <p:childTnLst>
+                  <p:par>
+                    <p:cTn fill="hold">
+                      <p:stCondLst>
+                        <p:cond delay="indefinite"/>
+                      </p:stCondLst>
+                      <p:childTnLst>
+                        <p:par>
+                          <p:cTn fill="hold">
+                            <p:stCondLst>
+                              <p:cond delay="0"/>
+                            </p:stCondLst>
+                            <p:childTnLst>
+                              <p:par>
+                                <p:cTn fill="hold" nodeType="clickEffect" presetClass="entr" presetID="1" presetSubtype="0">
+                                  <p:stCondLst>
+                                    <p:cond delay="0"/>
+                                  </p:stCondLst>
+                                  <p:childTnLst>
+                                    <p:set>
+                                      <p:cBhvr>
+                                        <p:cTn dur="1" fill="hold">
+                                          <p:stCondLst>
+                                            <p:cond delay="0"/>
+                                          </p:stCondLst>
+                                        </p:cTn>
+                                        <p:tgtEl>
+                                          <p:spTgt spid="152"/>
+                                        </p:tgtEl>
+                                        <p:attrNameLst>
+                                          <p:attrName>style.visibility</p:attrName>
+                                        </p:attrNameLst>
+                                      </p:cBhvr>
+                                      <p:to>
+                                        <p:strVal val="visible"/>
+                                      </p:to>
+                                    </p:set>
+                                  </p:childTnLst>
+                                </p:cTn>
+                              </p:par>
+                            </p:childTnLst>
+                          </p:cTn>
+                        </p:par>
+                      </p:childTnLst>
+                    </p:cTn>
+                  </p:par>
+                  <p:par>
+                    <p:cTn fill="hold">
+                      <p:stCondLst>
+                        <p:cond delay="indefinite"/>
+                      </p:stCondLst>
+                      <p:childTnLst>
+                        <p:par>
+                          <p:cTn fill="hold">
+                            <p:stCondLst>
+                              <p:cond delay="0"/>
+                            </p:stCondLst>
+                            <p:childTnLst>
+                              <p:par>
+                                <p:cTn fill="hold" nodeType="clickEffect" presetClass="exit" presetID="1" presetSubtype="0">
+                                  <p:stCondLst>
+                                    <p:cond delay="0"/>
+                                  </p:stCondLst>
+                                  <p:childTnLst>
+                                    <p:set>
+                                      <p:cBhvr>
+                                        <p:cTn dur="1" fill="hold">
+                                          <p:stCondLst>
+                                            <p:cond delay="0"/>
+                                          </p:stCondLst>
+                                        </p:cTn>
+                                        <p:tgtEl>
+                                          <p:spTgt spid="152"/>
+                                        </p:tgtEl>
+                                        <p:attrNameLst>
+                                          <p:attrName>style.visibility</p:attrName>
+                                        </p:attrNameLst>
+                                      </p:cBhvr>
+                                      <p:to>
+                                        <p:strVal val="hidden"/>
+                                      </p:to>
+                                    </p:set>
+                                  </p:childTnLst>
+                                </p:cTn>
+                              </p:par>
+                            </p:childTnLst>
+                          </p:cTn>
+                        </p:par>
+                      </p:childTnLst>
+                    </p:cTn>
+                  </p:par>
+                </p:childTnLst>
+              </p:cTn>
+              <p:prevCondLst>
+                <p:cond evt="onPrev">
+                  <p:tgtEl>
+                    <p:sldTgt/>
+                  </p:tgtEl>
+                </p:cond>
+              </p:prevCondLst>
+              <p:nextCondLst>
+                <p:cond evt="onNext">
+                  <p:tgtEl>
+                    <p:sldTgt/>
+                  </p:tgtEl>
+                </p:cond>
+              </p:nextCondLst>
+            </p:seq>
+          </p:childTnLst>
+        </p:cTn>
+      </p:par>
+    </p:tnLst>
+  </p:timing>
 </p:sld>
 </file>
 
@@ -18888,7 +21204,7 @@
     </p:bg>
     <p:spTree>
       <p:nvGrpSpPr>
-        <p:cNvPr id="148" name="Shape 148"/>
+        <p:cNvPr id="156" name="Shape 156"/>
         <p:cNvGrpSpPr/>
         <p:nvPr/>
       </p:nvGrpSpPr>
@@ -18902,7 +21218,7 @@
       </p:grpSpPr>
       <p:sp>
         <p:nvSpPr>
-          <p:cNvPr id="149" name="Google Shape;149;p22"/>
+          <p:cNvPr id="157" name="Google Shape;157;p22"/>
           <p:cNvSpPr/>
           <p:nvPr/>
         </p:nvSpPr>
@@ -18961,7 +21277,7 @@
       </p:sp>
       <p:sp>
         <p:nvSpPr>
-          <p:cNvPr id="150" name="Google Shape;150;p22"/>
+          <p:cNvPr id="158" name="Google Shape;158;p22"/>
           <p:cNvSpPr txBox="1"/>
           <p:nvPr>
             <p:ph type="title"/>
@@ -19025,7 +21341,7 @@
       </p:sp>
       <p:pic>
         <p:nvPicPr>
-          <p:cNvPr id="151" name="Google Shape;151;p22"/>
+          <p:cNvPr id="159" name="Google Shape;159;p22"/>
           <p:cNvPicPr preferRelativeResize="0"/>
           <p:nvPr/>
         </p:nvPicPr>
@@ -19052,7 +21368,7 @@
       </p:pic>
       <p:sp>
         <p:nvSpPr>
-          <p:cNvPr id="152" name="Google Shape;152;p22"/>
+          <p:cNvPr id="160" name="Google Shape;160;p22"/>
           <p:cNvSpPr txBox="1"/>
           <p:nvPr/>
         </p:nvSpPr>
@@ -19105,7 +21421,7 @@
       </p:sp>
       <p:pic>
         <p:nvPicPr>
-          <p:cNvPr id="153" name="Google Shape;153;p22"/>
+          <p:cNvPr id="161" name="Google Shape;161;p22"/>
           <p:cNvPicPr preferRelativeResize="0"/>
           <p:nvPr/>
         </p:nvPicPr>
@@ -19133,7 +21449,7 @@
       </p:pic>
       <p:pic>
         <p:nvPicPr>
-          <p:cNvPr id="154" name="Google Shape;154;p22"/>
+          <p:cNvPr id="162" name="Google Shape;162;p22"/>
           <p:cNvPicPr preferRelativeResize="0"/>
           <p:nvPr/>
         </p:nvPicPr>
@@ -19159,11 +21475,114 @@
           </a:ln>
         </p:spPr>
       </p:pic>
+      <p:pic>
+        <p:nvPicPr>
+          <p:cNvPr id="163" name="Google Shape;163;p22"/>
+          <p:cNvPicPr preferRelativeResize="0"/>
+          <p:nvPr/>
+        </p:nvPicPr>
+        <p:blipFill>
+          <a:blip r:embed="rId6">
+            <a:alphaModFix/>
+          </a:blip>
+          <a:stretch>
+            <a:fillRect/>
+          </a:stretch>
+        </p:blipFill>
+        <p:spPr>
+          <a:xfrm>
+            <a:off x="399400" y="1803475"/>
+            <a:ext cx="7696200" cy="2867025"/>
+          </a:xfrm>
+          <a:prstGeom prst="rect">
+            <a:avLst/>
+          </a:prstGeom>
+          <a:noFill/>
+          <a:ln>
+            <a:noFill/>
+          </a:ln>
+        </p:spPr>
+      </p:pic>
     </p:spTree>
   </p:cSld>
   <p:clrMapOvr>
     <a:masterClrMapping/>
   </p:clrMapOvr>
+  <p:timing>
+    <p:tnLst>
+      <p:par>
+        <p:cTn dur="indefinite" nodeType="tmRoot" restart="never">
+          <p:childTnLst>
+            <p:seq concurrent="1" nextAc="seek">
+              <p:cTn dur="indefinite" id="2" nodeType="mainSeq">
+                <p:childTnLst>
+                  <p:par>
+                    <p:cTn fill="hold">
+                      <p:stCondLst>
+                        <p:cond delay="indefinite"/>
+                      </p:stCondLst>
+                      <p:childTnLst>
+                        <p:par>
+                          <p:cTn fill="hold">
+                            <p:stCondLst>
+                              <p:cond delay="0"/>
+                            </p:stCondLst>
+                            <p:childTnLst>
+                              <p:par>
+                                <p:cTn fill="hold" nodeType="clickEffect" presetClass="entr" presetID="1" presetSubtype="0">
+                                  <p:stCondLst>
+                                    <p:cond delay="0"/>
+                                  </p:stCondLst>
+                                  <p:childTnLst>
+                                    <p:set>
+                                      <p:cBhvr>
+                                        <p:cTn dur="1" fill="hold">
+                                          <p:stCondLst>
+                                            <p:cond delay="0"/>
+                                          </p:stCondLst>
+                                        </p:cTn>
+                                        <p:tgtEl>
+                                          <p:spTgt spid="163"/>
+                                        </p:tgtEl>
+                                        <p:attrNameLst>
+                                          <p:attrName>style.visibility</p:attrName>
+                                        </p:attrNameLst>
+                                      </p:cBhvr>
+                                      <p:to>
+                                        <p:strVal val="visible"/>
+                                      </p:to>
+                                    </p:set>
+                                  </p:childTnLst>
+                                </p:cTn>
+                              </p:par>
+                            </p:childTnLst>
+                          </p:cTn>
+                        </p:par>
+                      </p:childTnLst>
+                    </p:cTn>
+                  </p:par>
+                </p:childTnLst>
+              </p:cTn>
+              <p:prevCondLst>
+                <p:cond evt="onPrev">
+                  <p:tgtEl>
+                    <p:sldTgt/>
+                  </p:tgtEl>
+                </p:cond>
+              </p:prevCondLst>
+              <p:nextCondLst>
+                <p:cond evt="onNext">
+                  <p:tgtEl>
+                    <p:sldTgt/>
+                  </p:tgtEl>
+                </p:cond>
+              </p:nextCondLst>
+            </p:seq>
+          </p:childTnLst>
+        </p:cTn>
+      </p:par>
+    </p:tnLst>
+  </p:timing>
 </p:sld>
 </file>
 
@@ -19179,7 +21598,7 @@
     </p:bg>
     <p:spTree>
       <p:nvGrpSpPr>
-        <p:cNvPr id="158" name="Shape 158"/>
+        <p:cNvPr id="167" name="Shape 167"/>
         <p:cNvGrpSpPr/>
         <p:nvPr/>
       </p:nvGrpSpPr>
@@ -19193,14 +21612,14 @@
       </p:grpSpPr>
       <p:sp>
         <p:nvSpPr>
-          <p:cNvPr id="159" name="Google Shape;159;p23"/>
+          <p:cNvPr id="168" name="Google Shape;168;p23"/>
           <p:cNvSpPr txBox="1"/>
           <p:nvPr/>
         </p:nvSpPr>
         <p:spPr>
           <a:xfrm>
-            <a:off x="443749" y="1254400"/>
-            <a:ext cx="8823600" cy="831300"/>
+            <a:off x="443738" y="1181375"/>
+            <a:ext cx="8823600" cy="902100"/>
           </a:xfrm>
           <a:prstGeom prst="rect">
             <a:avLst/>
@@ -19250,7 +21669,7 @@
                   <a:schemeClr val="dk1"/>
                 </a:solidFill>
               </a:rPr>
-              <a:t>Pretrained 모델의 일부를 재학습할 때 validataion 성능이 더 좋았다. 일부 재학습 했을 경우 80% 내외</a:t>
+              <a:t>Pretrained 모델의 일부를 재학습할 때 validataion 성능이 더 좋았다.</a:t>
             </a:r>
             <a:endParaRPr sz="1500">
               <a:solidFill>
@@ -19272,9 +21691,36 @@
               <a:buNone/>
             </a:pPr>
             <a:r>
+              <a:rPr lang="ko" sz="1500">
+                <a:solidFill>
+                  <a:schemeClr val="dk1"/>
+                </a:solidFill>
+              </a:rPr>
+              <a:t>    일부 재학습 했을 경우 80%(val_accuracy) 내외</a:t>
+            </a:r>
+            <a:endParaRPr sz="1500">
+              <a:solidFill>
+                <a:schemeClr val="dk1"/>
+              </a:solidFill>
+            </a:endParaRPr>
+          </a:p>
+          <a:p>
+            <a:pPr indent="0" lvl="0" marL="0" rtl="0" algn="l">
+              <a:lnSpc>
+                <a:spcPct val="115000"/>
+              </a:lnSpc>
+              <a:spcBef>
+                <a:spcPts val="0"/>
+              </a:spcBef>
+              <a:spcAft>
+                <a:spcPts val="0"/>
+              </a:spcAft>
+              <a:buNone/>
+            </a:pPr>
+            <a:r>
               <a:t/>
             </a:r>
-            <a:endParaRPr sz="1500">
+            <a:endParaRPr sz="400">
               <a:solidFill>
                 <a:schemeClr val="dk1"/>
               </a:solidFill>
@@ -19319,7 +21765,7 @@
       </p:sp>
       <p:sp>
         <p:nvSpPr>
-          <p:cNvPr id="160" name="Google Shape;160;p23"/>
+          <p:cNvPr id="169" name="Google Shape;169;p23"/>
           <p:cNvSpPr/>
           <p:nvPr/>
         </p:nvSpPr>
@@ -19378,7 +21824,7 @@
       </p:sp>
       <p:sp>
         <p:nvSpPr>
-          <p:cNvPr id="161" name="Google Shape;161;p23"/>
+          <p:cNvPr id="170" name="Google Shape;170;p23"/>
           <p:cNvSpPr txBox="1"/>
           <p:nvPr>
             <p:ph type="title"/>
@@ -19442,7 +21888,7 @@
       </p:sp>
       <p:pic>
         <p:nvPicPr>
-          <p:cNvPr id="162" name="Google Shape;162;p23"/>
+          <p:cNvPr id="171" name="Google Shape;171;p23"/>
           <p:cNvPicPr preferRelativeResize="0"/>
           <p:nvPr/>
         </p:nvPicPr>
@@ -19469,7 +21915,7 @@
       </p:pic>
       <p:pic>
         <p:nvPicPr>
-          <p:cNvPr id="163" name="Google Shape;163;p23"/>
+          <p:cNvPr id="172" name="Google Shape;172;p23"/>
           <p:cNvPicPr preferRelativeResize="0"/>
           <p:nvPr/>
         </p:nvPicPr>
@@ -19503,7 +21949,7 @@
       </p:pic>
       <p:pic>
         <p:nvPicPr>
-          <p:cNvPr id="164" name="Google Shape;164;p23"/>
+          <p:cNvPr id="173" name="Google Shape;173;p23"/>
           <p:cNvPicPr preferRelativeResize="0"/>
           <p:nvPr/>
         </p:nvPicPr>
@@ -19537,7 +21983,7 @@
       </p:pic>
       <p:pic>
         <p:nvPicPr>
-          <p:cNvPr id="165" name="Google Shape;165;p23"/>
+          <p:cNvPr id="174" name="Google Shape;174;p23"/>
           <p:cNvPicPr preferRelativeResize="0"/>
           <p:nvPr/>
         </p:nvPicPr>
@@ -19608,7 +22054,7 @@
                                           </p:stCondLst>
                                         </p:cTn>
                                         <p:tgtEl>
-                                          <p:spTgt spid="163"/>
+                                          <p:spTgt spid="172"/>
                                         </p:tgtEl>
                                         <p:attrNameLst>
                                           <p:attrName>style.visibility</p:attrName>
@@ -19653,7 +22099,7 @@
                                           </p:stCondLst>
                                         </p:cTn>
                                         <p:tgtEl>
-                                          <p:spTgt spid="163"/>
+                                          <p:spTgt spid="172"/>
                                         </p:tgtEl>
                                         <p:attrNameLst>
                                           <p:attrName>style.visibility</p:attrName>
@@ -19698,7 +22144,7 @@
                                           </p:stCondLst>
                                         </p:cTn>
                                         <p:tgtEl>
-                                          <p:spTgt spid="164"/>
+                                          <p:spTgt spid="173"/>
                                         </p:tgtEl>
                                         <p:attrNameLst>
                                           <p:attrName>style.visibility</p:attrName>
@@ -19743,7 +22189,7 @@
                                           </p:stCondLst>
                                         </p:cTn>
                                         <p:tgtEl>
-                                          <p:spTgt spid="164"/>
+                                          <p:spTgt spid="173"/>
                                         </p:tgtEl>
                                         <p:attrNameLst>
                                           <p:attrName>style.visibility</p:attrName>
@@ -19788,7 +22234,7 @@
                                           </p:stCondLst>
                                         </p:cTn>
                                         <p:tgtEl>
-                                          <p:spTgt spid="165"/>
+                                          <p:spTgt spid="174"/>
                                         </p:tgtEl>
                                         <p:attrNameLst>
                                           <p:attrName>style.visibility</p:attrName>
@@ -19833,7 +22279,7 @@
                                           </p:stCondLst>
                                         </p:cTn>
                                         <p:tgtEl>
-                                          <p:spTgt spid="165"/>
+                                          <p:spTgt spid="174"/>
                                         </p:tgtEl>
                                         <p:attrNameLst>
                                           <p:attrName>style.visibility</p:attrName>
@@ -19878,6 +22324,285 @@
 </file>
 
 <file path=ppt/theme/theme1.xml><?xml version="1.0" encoding="utf-8"?>
+<a:theme xmlns:a="http://schemas.openxmlformats.org/drawingml/2006/main" xmlns:r="http://schemas.openxmlformats.org/officeDocument/2006/relationships">
+  <a:themeElements>
+    <a:clrScheme name="Default">
+      <a:dk1>
+        <a:srgbClr val="000000"/>
+      </a:dk1>
+      <a:lt1>
+        <a:srgbClr val="FFFFFF"/>
+      </a:lt1>
+      <a:dk2>
+        <a:srgbClr val="158158"/>
+      </a:dk2>
+      <a:lt2>
+        <a:srgbClr val="F3F3F3"/>
+      </a:lt2>
+      <a:accent1>
+        <a:srgbClr val="058DC7"/>
+      </a:accent1>
+      <a:accent2>
+        <a:srgbClr val="50B432"/>
+      </a:accent2>
+      <a:accent3>
+        <a:srgbClr val="ED561B"/>
+      </a:accent3>
+      <a:accent4>
+        <a:srgbClr val="EDEF00"/>
+      </a:accent4>
+      <a:accent5>
+        <a:srgbClr val="24CBE5"/>
+      </a:accent5>
+      <a:accent6>
+        <a:srgbClr val="64E572"/>
+      </a:accent6>
+      <a:hlink>
+        <a:srgbClr val="2200CC"/>
+      </a:hlink>
+      <a:folHlink>
+        <a:srgbClr val="551A8B"/>
+      </a:folHlink>
+    </a:clrScheme>
+    <a:fontScheme name="Office">
+      <a:majorFont>
+        <a:latin typeface="Arial"/>
+        <a:ea typeface=""/>
+        <a:cs typeface=""/>
+        <a:font script="Jpan" typeface="ＭＳ Ｐゴシック"/>
+        <a:font script="Hang" typeface="맑은 고딕"/>
+        <a:font script="Hans" typeface="宋体"/>
+        <a:font script="Hant" typeface="新細明體"/>
+        <a:font script="Arab" typeface="Times New Roman"/>
+        <a:font script="Hebr" typeface="Times New Roman"/>
+        <a:font script="Thai" typeface="Angsana New"/>
+        <a:font script="Ethi" typeface="Nyala"/>
+        <a:font script="Beng" typeface="Vrinda"/>
+        <a:font script="Gujr" typeface="Shruti"/>
+        <a:font script="Khmr" typeface="MoolBoran"/>
+        <a:font script="Knda" typeface="Tunga"/>
+        <a:font script="Guru" typeface="Raavi"/>
+        <a:font script="Cans" typeface="Euphemia"/>
+        <a:font script="Cher" typeface="Plantagenet Cherokee"/>
+        <a:font script="Yiii" typeface="Microsoft Yi Baiti"/>
+        <a:font script="Tibt" typeface="Microsoft Himalaya"/>
+        <a:font script="Thaa" typeface="MV Boli"/>
+        <a:font script="Deva" typeface="Mangal"/>
+        <a:font script="Telu" typeface="Gautami"/>
+        <a:font script="Taml" typeface="Latha"/>
+        <a:font script="Syrc" typeface="Estrangelo Edessa"/>
+        <a:font script="Orya" typeface="Kalinga"/>
+        <a:font script="Mlym" typeface="Kartika"/>
+        <a:font script="Laoo" typeface="DokChampa"/>
+        <a:font script="Sinh" typeface="Iskoola Pota"/>
+        <a:font script="Mong" typeface="Mongolian Baiti"/>
+        <a:font script="Viet" typeface="Times New Roman"/>
+        <a:font script="Uigh" typeface="Microsoft Uighur"/>
+        <a:font script="Geor" typeface="Sylfaen"/>
+      </a:majorFont>
+      <a:minorFont>
+        <a:latin typeface="Arial"/>
+        <a:ea typeface=""/>
+        <a:cs typeface=""/>
+        <a:font script="Jpan" typeface="ＭＳ Ｐゴシック"/>
+        <a:font script="Hang" typeface="맑은 고딕"/>
+        <a:font script="Hans" typeface="宋体"/>
+        <a:font script="Hant" typeface="新細明體"/>
+        <a:font script="Arab" typeface="Arial"/>
+        <a:font script="Hebr" typeface="Arial"/>
+        <a:font script="Thai" typeface="Cordia New"/>
+        <a:font script="Ethi" typeface="Nyala"/>
+        <a:font script="Beng" typeface="Vrinda"/>
+        <a:font script="Gujr" typeface="Shruti"/>
+        <a:font script="Khmr" typeface="DaunPenh"/>
+        <a:font script="Knda" typeface="Tunga"/>
+        <a:font script="Guru" typeface="Raavi"/>
+        <a:font script="Cans" typeface="Euphemia"/>
+        <a:font script="Cher" typeface="Plantagenet Cherokee"/>
+        <a:font script="Yiii" typeface="Microsoft Yi Baiti"/>
+        <a:font script="Tibt" typeface="Microsoft Himalaya"/>
+        <a:font script="Thaa" typeface="MV Boli"/>
+        <a:font script="Deva" typeface="Mangal"/>
+        <a:font script="Telu" typeface="Gautami"/>
+        <a:font script="Taml" typeface="Latha"/>
+        <a:font script="Syrc" typeface="Estrangelo Edessa"/>
+        <a:font script="Orya" typeface="Kalinga"/>
+        <a:font script="Mlym" typeface="Kartika"/>
+        <a:font script="Laoo" typeface="DokChampa"/>
+        <a:font script="Sinh" typeface="Iskoola Pota"/>
+        <a:font script="Mong" typeface="Mongolian Baiti"/>
+        <a:font script="Viet" typeface="Arial"/>
+        <a:font script="Uigh" typeface="Microsoft Uighur"/>
+        <a:font script="Geor" typeface="Sylfaen"/>
+      </a:minorFont>
+    </a:fontScheme>
+    <a:fmtScheme name="Office">
+      <a:fillStyleLst>
+        <a:solidFill>
+          <a:schemeClr val="phClr"/>
+        </a:solidFill>
+        <a:gradFill rotWithShape="1">
+          <a:gsLst>
+            <a:gs pos="0">
+              <a:schemeClr val="phClr">
+                <a:tint val="50000"/>
+                <a:satMod val="300000"/>
+              </a:schemeClr>
+            </a:gs>
+            <a:gs pos="35000">
+              <a:schemeClr val="phClr">
+                <a:tint val="37000"/>
+                <a:satMod val="300000"/>
+              </a:schemeClr>
+            </a:gs>
+            <a:gs pos="100000">
+              <a:schemeClr val="phClr">
+                <a:tint val="15000"/>
+                <a:satMod val="350000"/>
+              </a:schemeClr>
+            </a:gs>
+          </a:gsLst>
+          <a:lin ang="16200000" scaled="1"/>
+        </a:gradFill>
+        <a:gradFill rotWithShape="1">
+          <a:gsLst>
+            <a:gs pos="0">
+              <a:schemeClr val="phClr">
+                <a:tint val="100000"/>
+                <a:shade val="100000"/>
+                <a:satMod val="130000"/>
+              </a:schemeClr>
+            </a:gs>
+            <a:gs pos="100000">
+              <a:schemeClr val="phClr">
+                <a:tint val="50000"/>
+                <a:shade val="100000"/>
+                <a:satMod val="350000"/>
+              </a:schemeClr>
+            </a:gs>
+          </a:gsLst>
+          <a:lin ang="16200000" scaled="0"/>
+        </a:gradFill>
+      </a:fillStyleLst>
+      <a:lnStyleLst>
+        <a:ln w="9525" cap="flat" cmpd="sng" algn="ctr">
+          <a:solidFill>
+            <a:schemeClr val="phClr">
+              <a:shade val="95000"/>
+              <a:satMod val="105000"/>
+            </a:schemeClr>
+          </a:solidFill>
+          <a:prstDash val="solid"/>
+        </a:ln>
+        <a:ln w="25400" cap="flat" cmpd="sng" algn="ctr">
+          <a:solidFill>
+            <a:schemeClr val="phClr"/>
+          </a:solidFill>
+          <a:prstDash val="solid"/>
+        </a:ln>
+        <a:ln w="38100" cap="flat" cmpd="sng" algn="ctr">
+          <a:solidFill>
+            <a:schemeClr val="phClr"/>
+          </a:solidFill>
+          <a:prstDash val="solid"/>
+        </a:ln>
+      </a:lnStyleLst>
+      <a:effectStyleLst>
+        <a:effectStyle>
+          <a:effectLst>
+            <a:outerShdw blurRad="40000" dist="20000" dir="5400000" rotWithShape="0">
+              <a:srgbClr val="000000">
+                <a:alpha val="38000"/>
+              </a:srgbClr>
+            </a:outerShdw>
+          </a:effectLst>
+        </a:effectStyle>
+        <a:effectStyle>
+          <a:effectLst>
+            <a:outerShdw blurRad="40000" dist="23000" dir="5400000" rotWithShape="0">
+              <a:srgbClr val="000000">
+                <a:alpha val="35000"/>
+              </a:srgbClr>
+            </a:outerShdw>
+          </a:effectLst>
+        </a:effectStyle>
+        <a:effectStyle>
+          <a:effectLst>
+            <a:outerShdw blurRad="40000" dist="23000" dir="5400000" rotWithShape="0">
+              <a:srgbClr val="000000">
+                <a:alpha val="35000"/>
+              </a:srgbClr>
+            </a:outerShdw>
+          </a:effectLst>
+          <a:scene3d>
+            <a:camera prst="orthographicFront">
+              <a:rot lat="0" lon="0" rev="0"/>
+            </a:camera>
+            <a:lightRig rig="threePt" dir="t">
+              <a:rot lat="0" lon="0" rev="1200000"/>
+            </a:lightRig>
+          </a:scene3d>
+          <a:sp3d>
+            <a:bevelT w="63500" h="25400"/>
+          </a:sp3d>
+        </a:effectStyle>
+      </a:effectStyleLst>
+      <a:bgFillStyleLst>
+        <a:solidFill>
+          <a:schemeClr val="phClr"/>
+        </a:solidFill>
+        <a:gradFill rotWithShape="1">
+          <a:gsLst>
+            <a:gs pos="0">
+              <a:schemeClr val="phClr">
+                <a:tint val="40000"/>
+                <a:satMod val="350000"/>
+              </a:schemeClr>
+            </a:gs>
+            <a:gs pos="40000">
+              <a:schemeClr val="phClr">
+                <a:tint val="45000"/>
+                <a:shade val="99000"/>
+                <a:satMod val="350000"/>
+              </a:schemeClr>
+            </a:gs>
+            <a:gs pos="100000">
+              <a:schemeClr val="phClr">
+                <a:shade val="20000"/>
+                <a:satMod val="255000"/>
+              </a:schemeClr>
+            </a:gs>
+          </a:gsLst>
+          <a:path path="circle">
+            <a:fillToRect l="50000" t="-80000" r="50000" b="180000"/>
+          </a:path>
+        </a:gradFill>
+        <a:gradFill rotWithShape="1">
+          <a:gsLst>
+            <a:gs pos="0">
+              <a:schemeClr val="phClr">
+                <a:tint val="80000"/>
+                <a:satMod val="300000"/>
+              </a:schemeClr>
+            </a:gs>
+            <a:gs pos="100000">
+              <a:schemeClr val="phClr">
+                <a:shade val="30000"/>
+                <a:satMod val="200000"/>
+              </a:schemeClr>
+            </a:gs>
+          </a:gsLst>
+          <a:path path="circle">
+            <a:fillToRect l="50000" t="50000" r="50000" b="50000"/>
+          </a:path>
+        </a:gradFill>
+      </a:bgFillStyleLst>
+    </a:fmtScheme>
+  </a:themeElements>
+</a:theme>
+</file>
+
+<file path=ppt/theme/theme2.xml><?xml version="1.0" encoding="utf-8"?>
 <a:theme xmlns:a="http://schemas.openxmlformats.org/drawingml/2006/main" xmlns:r="http://schemas.openxmlformats.org/officeDocument/2006/relationships" name="Simple Light">
   <a:themeElements>
     <a:clrScheme name="Simple Light">
@@ -20154,283 +22879,4 @@
     </a:fmtScheme>
   </a:themeElements>
 </a:theme>
-</file>
-
-<file path=ppt/theme/theme2.xml><?xml version="1.0" encoding="utf-8"?>
-<a:theme xmlns:a="http://schemas.openxmlformats.org/drawingml/2006/main" xmlns:r="http://schemas.openxmlformats.org/officeDocument/2006/relationships">
-  <a:themeElements>
-    <a:clrScheme name="Default">
-      <a:dk1>
-        <a:srgbClr val="000000"/>
-      </a:dk1>
-      <a:lt1>
-        <a:srgbClr val="FFFFFF"/>
-      </a:lt1>
-      <a:dk2>
-        <a:srgbClr val="158158"/>
-      </a:dk2>
-      <a:lt2>
-        <a:srgbClr val="F3F3F3"/>
-      </a:lt2>
-      <a:accent1>
-        <a:srgbClr val="058DC7"/>
-      </a:accent1>
-      <a:accent2>
-        <a:srgbClr val="50B432"/>
-      </a:accent2>
-      <a:accent3>
-        <a:srgbClr val="ED561B"/>
-      </a:accent3>
-      <a:accent4>
-        <a:srgbClr val="EDEF00"/>
-      </a:accent4>
-      <a:accent5>
-        <a:srgbClr val="24CBE5"/>
-      </a:accent5>
-      <a:accent6>
-        <a:srgbClr val="64E572"/>
-      </a:accent6>
-      <a:hlink>
-        <a:srgbClr val="2200CC"/>
-      </a:hlink>
-      <a:folHlink>
-        <a:srgbClr val="551A8B"/>
-      </a:folHlink>
-    </a:clrScheme>
-    <a:fontScheme name="Office">
-      <a:majorFont>
-        <a:latin typeface="Arial"/>
-        <a:ea typeface=""/>
-        <a:cs typeface=""/>
-        <a:font script="Jpan" typeface="ＭＳ Ｐゴシック"/>
-        <a:font script="Hang" typeface="맑은 고딕"/>
-        <a:font script="Hans" typeface="宋体"/>
-        <a:font script="Hant" typeface="新細明體"/>
-        <a:font script="Arab" typeface="Times New Roman"/>
-        <a:font script="Hebr" typeface="Times New Roman"/>
-        <a:font script="Thai" typeface="Angsana New"/>
-        <a:font script="Ethi" typeface="Nyala"/>
-        <a:font script="Beng" typeface="Vrinda"/>
-        <a:font script="Gujr" typeface="Shruti"/>
-        <a:font script="Khmr" typeface="MoolBoran"/>
-        <a:font script="Knda" typeface="Tunga"/>
-        <a:font script="Guru" typeface="Raavi"/>
-        <a:font script="Cans" typeface="Euphemia"/>
-        <a:font script="Cher" typeface="Plantagenet Cherokee"/>
-        <a:font script="Yiii" typeface="Microsoft Yi Baiti"/>
-        <a:font script="Tibt" typeface="Microsoft Himalaya"/>
-        <a:font script="Thaa" typeface="MV Boli"/>
-        <a:font script="Deva" typeface="Mangal"/>
-        <a:font script="Telu" typeface="Gautami"/>
-        <a:font script="Taml" typeface="Latha"/>
-        <a:font script="Syrc" typeface="Estrangelo Edessa"/>
-        <a:font script="Orya" typeface="Kalinga"/>
-        <a:font script="Mlym" typeface="Kartika"/>
-        <a:font script="Laoo" typeface="DokChampa"/>
-        <a:font script="Sinh" typeface="Iskoola Pota"/>
-        <a:font script="Mong" typeface="Mongolian Baiti"/>
-        <a:font script="Viet" typeface="Times New Roman"/>
-        <a:font script="Uigh" typeface="Microsoft Uighur"/>
-        <a:font script="Geor" typeface="Sylfaen"/>
-      </a:majorFont>
-      <a:minorFont>
-        <a:latin typeface="Arial"/>
-        <a:ea typeface=""/>
-        <a:cs typeface=""/>
-        <a:font script="Jpan" typeface="ＭＳ Ｐゴシック"/>
-        <a:font script="Hang" typeface="맑은 고딕"/>
-        <a:font script="Hans" typeface="宋体"/>
-        <a:font script="Hant" typeface="新細明體"/>
-        <a:font script="Arab" typeface="Arial"/>
-        <a:font script="Hebr" typeface="Arial"/>
-        <a:font script="Thai" typeface="Cordia New"/>
-        <a:font script="Ethi" typeface="Nyala"/>
-        <a:font script="Beng" typeface="Vrinda"/>
-        <a:font script="Gujr" typeface="Shruti"/>
-        <a:font script="Khmr" typeface="DaunPenh"/>
-        <a:font script="Knda" typeface="Tunga"/>
-        <a:font script="Guru" typeface="Raavi"/>
-        <a:font script="Cans" typeface="Euphemia"/>
-        <a:font script="Cher" typeface="Plantagenet Cherokee"/>
-        <a:font script="Yiii" typeface="Microsoft Yi Baiti"/>
-        <a:font script="Tibt" typeface="Microsoft Himalaya"/>
-        <a:font script="Thaa" typeface="MV Boli"/>
-        <a:font script="Deva" typeface="Mangal"/>
-        <a:font script="Telu" typeface="Gautami"/>
-        <a:font script="Taml" typeface="Latha"/>
-        <a:font script="Syrc" typeface="Estrangelo Edessa"/>
-        <a:font script="Orya" typeface="Kalinga"/>
-        <a:font script="Mlym" typeface="Kartika"/>
-        <a:font script="Laoo" typeface="DokChampa"/>
-        <a:font script="Sinh" typeface="Iskoola Pota"/>
-        <a:font script="Mong" typeface="Mongolian Baiti"/>
-        <a:font script="Viet" typeface="Arial"/>
-        <a:font script="Uigh" typeface="Microsoft Uighur"/>
-        <a:font script="Geor" typeface="Sylfaen"/>
-      </a:minorFont>
-    </a:fontScheme>
-    <a:fmtScheme name="Office">
-      <a:fillStyleLst>
-        <a:solidFill>
-          <a:schemeClr val="phClr"/>
-        </a:solidFill>
-        <a:gradFill rotWithShape="1">
-          <a:gsLst>
-            <a:gs pos="0">
-              <a:schemeClr val="phClr">
-                <a:tint val="50000"/>
-                <a:satMod val="300000"/>
-              </a:schemeClr>
-            </a:gs>
-            <a:gs pos="35000">
-              <a:schemeClr val="phClr">
-                <a:tint val="37000"/>
-                <a:satMod val="300000"/>
-              </a:schemeClr>
-            </a:gs>
-            <a:gs pos="100000">
-              <a:schemeClr val="phClr">
-                <a:tint val="15000"/>
-                <a:satMod val="350000"/>
-              </a:schemeClr>
-            </a:gs>
-          </a:gsLst>
-          <a:lin ang="16200000" scaled="1"/>
-        </a:gradFill>
-        <a:gradFill rotWithShape="1">
-          <a:gsLst>
-            <a:gs pos="0">
-              <a:schemeClr val="phClr">
-                <a:tint val="100000"/>
-                <a:shade val="100000"/>
-                <a:satMod val="130000"/>
-              </a:schemeClr>
-            </a:gs>
-            <a:gs pos="100000">
-              <a:schemeClr val="phClr">
-                <a:tint val="50000"/>
-                <a:shade val="100000"/>
-                <a:satMod val="350000"/>
-              </a:schemeClr>
-            </a:gs>
-          </a:gsLst>
-          <a:lin ang="16200000" scaled="0"/>
-        </a:gradFill>
-      </a:fillStyleLst>
-      <a:lnStyleLst>
-        <a:ln w="9525" cap="flat" cmpd="sng" algn="ctr">
-          <a:solidFill>
-            <a:schemeClr val="phClr">
-              <a:shade val="95000"/>
-              <a:satMod val="105000"/>
-            </a:schemeClr>
-          </a:solidFill>
-          <a:prstDash val="solid"/>
-        </a:ln>
-        <a:ln w="25400" cap="flat" cmpd="sng" algn="ctr">
-          <a:solidFill>
-            <a:schemeClr val="phClr"/>
-          </a:solidFill>
-          <a:prstDash val="solid"/>
-        </a:ln>
-        <a:ln w="38100" cap="flat" cmpd="sng" algn="ctr">
-          <a:solidFill>
-            <a:schemeClr val="phClr"/>
-          </a:solidFill>
-          <a:prstDash val="solid"/>
-        </a:ln>
-      </a:lnStyleLst>
-      <a:effectStyleLst>
-        <a:effectStyle>
-          <a:effectLst>
-            <a:outerShdw blurRad="40000" dist="20000" dir="5400000" rotWithShape="0">
-              <a:srgbClr val="000000">
-                <a:alpha val="38000"/>
-              </a:srgbClr>
-            </a:outerShdw>
-          </a:effectLst>
-        </a:effectStyle>
-        <a:effectStyle>
-          <a:effectLst>
-            <a:outerShdw blurRad="40000" dist="23000" dir="5400000" rotWithShape="0">
-              <a:srgbClr val="000000">
-                <a:alpha val="35000"/>
-              </a:srgbClr>
-            </a:outerShdw>
-          </a:effectLst>
-        </a:effectStyle>
-        <a:effectStyle>
-          <a:effectLst>
-            <a:outerShdw blurRad="40000" dist="23000" dir="5400000" rotWithShape="0">
-              <a:srgbClr val="000000">
-                <a:alpha val="35000"/>
-              </a:srgbClr>
-            </a:outerShdw>
-          </a:effectLst>
-          <a:scene3d>
-            <a:camera prst="orthographicFront">
-              <a:rot lat="0" lon="0" rev="0"/>
-            </a:camera>
-            <a:lightRig rig="threePt" dir="t">
-              <a:rot lat="0" lon="0" rev="1200000"/>
-            </a:lightRig>
-          </a:scene3d>
-          <a:sp3d>
-            <a:bevelT w="63500" h="25400"/>
-          </a:sp3d>
-        </a:effectStyle>
-      </a:effectStyleLst>
-      <a:bgFillStyleLst>
-        <a:solidFill>
-          <a:schemeClr val="phClr"/>
-        </a:solidFill>
-        <a:gradFill rotWithShape="1">
-          <a:gsLst>
-            <a:gs pos="0">
-              <a:schemeClr val="phClr">
-                <a:tint val="40000"/>
-                <a:satMod val="350000"/>
-              </a:schemeClr>
-            </a:gs>
-            <a:gs pos="40000">
-              <a:schemeClr val="phClr">
-                <a:tint val="45000"/>
-                <a:shade val="99000"/>
-                <a:satMod val="350000"/>
-              </a:schemeClr>
-            </a:gs>
-            <a:gs pos="100000">
-              <a:schemeClr val="phClr">
-                <a:shade val="20000"/>
-                <a:satMod val="255000"/>
-              </a:schemeClr>
-            </a:gs>
-          </a:gsLst>
-          <a:path path="circle">
-            <a:fillToRect l="50000" t="-80000" r="50000" b="180000"/>
-          </a:path>
-        </a:gradFill>
-        <a:gradFill rotWithShape="1">
-          <a:gsLst>
-            <a:gs pos="0">
-              <a:schemeClr val="phClr">
-                <a:tint val="80000"/>
-                <a:satMod val="300000"/>
-              </a:schemeClr>
-            </a:gs>
-            <a:gs pos="100000">
-              <a:schemeClr val="phClr">
-                <a:shade val="30000"/>
-                <a:satMod val="200000"/>
-              </a:schemeClr>
-            </a:gs>
-          </a:gsLst>
-          <a:path path="circle">
-            <a:fillToRect l="50000" t="50000" r="50000" b="50000"/>
-          </a:path>
-        </a:gradFill>
-      </a:bgFillStyleLst>
-    </a:fmtScheme>
-  </a:themeElements>
-</a:theme>
 </file>